--- a/chrome-paint-and-compositing/ChromeInternalsPaint.pptx
+++ b/chrome-paint-and-compositing/ChromeInternalsPaint.pptx
@@ -5,10 +5,10 @@
     <p:sldMasterId id="2147483648" r:id="rId1"/>
   </p:sldMasterIdLst>
   <p:notesMasterIdLst>
-    <p:notesMasterId r:id="rId29"/>
+    <p:notesMasterId r:id="rId33"/>
   </p:notesMasterIdLst>
   <p:handoutMasterIdLst>
-    <p:handoutMasterId r:id="rId30"/>
+    <p:handoutMasterId r:id="rId34"/>
   </p:handoutMasterIdLst>
   <p:sldIdLst>
     <p:sldId id="262" r:id="rId2"/>
@@ -18,26 +18,30 @@
     <p:sldId id="297" r:id="rId6"/>
     <p:sldId id="296" r:id="rId7"/>
     <p:sldId id="298" r:id="rId8"/>
-    <p:sldId id="267" r:id="rId9"/>
-    <p:sldId id="285" r:id="rId10"/>
-    <p:sldId id="286" r:id="rId11"/>
-    <p:sldId id="290" r:id="rId12"/>
-    <p:sldId id="263" r:id="rId13"/>
-    <p:sldId id="268" r:id="rId14"/>
-    <p:sldId id="292" r:id="rId15"/>
-    <p:sldId id="287" r:id="rId16"/>
-    <p:sldId id="303" r:id="rId17"/>
-    <p:sldId id="275" r:id="rId18"/>
-    <p:sldId id="277" r:id="rId19"/>
-    <p:sldId id="291" r:id="rId20"/>
-    <p:sldId id="278" r:id="rId21"/>
-    <p:sldId id="279" r:id="rId22"/>
-    <p:sldId id="280" r:id="rId23"/>
-    <p:sldId id="281" r:id="rId24"/>
-    <p:sldId id="288" r:id="rId25"/>
-    <p:sldId id="301" r:id="rId26"/>
-    <p:sldId id="282" r:id="rId27"/>
-    <p:sldId id="304" r:id="rId28"/>
+    <p:sldId id="306" r:id="rId9"/>
+    <p:sldId id="267" r:id="rId10"/>
+    <p:sldId id="285" r:id="rId11"/>
+    <p:sldId id="286" r:id="rId12"/>
+    <p:sldId id="290" r:id="rId13"/>
+    <p:sldId id="263" r:id="rId14"/>
+    <p:sldId id="268" r:id="rId15"/>
+    <p:sldId id="292" r:id="rId16"/>
+    <p:sldId id="287" r:id="rId17"/>
+    <p:sldId id="303" r:id="rId18"/>
+    <p:sldId id="275" r:id="rId19"/>
+    <p:sldId id="277" r:id="rId20"/>
+    <p:sldId id="291" r:id="rId21"/>
+    <p:sldId id="278" r:id="rId22"/>
+    <p:sldId id="279" r:id="rId23"/>
+    <p:sldId id="280" r:id="rId24"/>
+    <p:sldId id="281" r:id="rId25"/>
+    <p:sldId id="288" r:id="rId26"/>
+    <p:sldId id="308" r:id="rId27"/>
+    <p:sldId id="301" r:id="rId28"/>
+    <p:sldId id="282" r:id="rId29"/>
+    <p:sldId id="305" r:id="rId30"/>
+    <p:sldId id="307" r:id="rId31"/>
+    <p:sldId id="304" r:id="rId32"/>
   </p:sldIdLst>
   <p:sldSz cx="9144000" cy="6858000" type="screen4x3"/>
   <p:notesSz cx="6858000" cy="9144000"/>
@@ -136,6 +140,22 @@
       </a:defRPr>
     </a:lvl9pPr>
   </p:defaultTextStyle>
+  <p:extLst>
+    <p:ext uri="{EFAFB233-063F-42B5-8137-9DF3F51BA10A}">
+      <p15:sldGuideLst xmlns:p15="http://schemas.microsoft.com/office/powerpoint/2012/main">
+        <p15:guide id="1" orient="horz" pos="2160">
+          <p15:clr>
+            <a:srgbClr val="A4A3A4"/>
+          </p15:clr>
+        </p15:guide>
+        <p15:guide id="2" pos="2880">
+          <p15:clr>
+            <a:srgbClr val="A4A3A4"/>
+          </p15:clr>
+        </p15:guide>
+      </p15:sldGuideLst>
+    </p:ext>
+  </p:extLst>
 </p:presentation>
 </file>
 
@@ -221,7 +241,7 @@
           <a:p>
             <a:fld id="{0AAA4132-CCD7-4EB5-AF56-B9A22EBA9AE4}" type="datetimeFigureOut">
               <a:rPr lang="en-US" smtClean="0"/>
-              <a:t>7/26/2013</a:t>
+              <a:t>10/20/2015</a:t>
             </a:fld>
             <a:endParaRPr lang="en-US"/>
           </a:p>
@@ -388,7 +408,7 @@
             <a:fld id="{928A82D0-2502-48B7-BAAF-1F7402C3E98F}" type="datetimeFigureOut">
               <a:rPr lang="en-US" smtClean="0"/>
               <a:pPr/>
-              <a:t>7/26/2013</a:t>
+              <a:t>10/20/2015</a:t>
             </a:fld>
             <a:endParaRPr lang="en-US"/>
           </a:p>
@@ -709,6 +729,11 @@
         </p:txBody>
       </p:sp>
     </p:spTree>
+    <p:extLst>
+      <p:ext uri="{BB962C8B-B14F-4D97-AF65-F5344CB8AC3E}">
+        <p14:creationId xmlns:p14="http://schemas.microsoft.com/office/powerpoint/2010/main" val="3328082177"/>
+      </p:ext>
+    </p:extLst>
   </p:cSld>
   <p:clrMapOvr>
     <a:masterClrMapping/>
@@ -767,6 +792,11 @@
         </p:txBody>
       </p:sp>
     </p:spTree>
+    <p:extLst>
+      <p:ext uri="{BB962C8B-B14F-4D97-AF65-F5344CB8AC3E}">
+        <p14:creationId xmlns:p14="http://schemas.microsoft.com/office/powerpoint/2010/main" val="428742661"/>
+      </p:ext>
+    </p:extLst>
   </p:cSld>
   <p:clrMapOvr>
     <a:masterClrMapping/>
@@ -825,6 +855,11 @@
         </p:txBody>
       </p:sp>
     </p:spTree>
+    <p:extLst>
+      <p:ext uri="{BB962C8B-B14F-4D97-AF65-F5344CB8AC3E}">
+        <p14:creationId xmlns:p14="http://schemas.microsoft.com/office/powerpoint/2010/main" val="1624833914"/>
+      </p:ext>
+    </p:extLst>
   </p:cSld>
   <p:clrMapOvr>
     <a:masterClrMapping/>
@@ -883,6 +918,11 @@
         </p:txBody>
       </p:sp>
     </p:spTree>
+    <p:extLst>
+      <p:ext uri="{BB962C8B-B14F-4D97-AF65-F5344CB8AC3E}">
+        <p14:creationId xmlns:p14="http://schemas.microsoft.com/office/powerpoint/2010/main" val="2787511618"/>
+      </p:ext>
+    </p:extLst>
   </p:cSld>
   <p:clrMapOvr>
     <a:masterClrMapping/>
@@ -941,6 +981,74 @@
         </p:txBody>
       </p:sp>
     </p:spTree>
+    <p:extLst>
+      <p:ext uri="{BB962C8B-B14F-4D97-AF65-F5344CB8AC3E}">
+        <p14:creationId xmlns:p14="http://schemas.microsoft.com/office/powerpoint/2010/main" val="239045731"/>
+      </p:ext>
+    </p:extLst>
+  </p:cSld>
+  <p:clrMapOvr>
+    <a:masterClrMapping/>
+  </p:clrMapOvr>
+</p:notes>
+</file>
+
+<file path=ppt/notesSlides/notesSlide6.xml><?xml version="1.0" encoding="utf-8"?>
+<p:notes xmlns:a="http://schemas.openxmlformats.org/drawingml/2006/main" xmlns:r="http://schemas.openxmlformats.org/officeDocument/2006/relationships" xmlns:p="http://schemas.openxmlformats.org/presentationml/2006/main">
+  <p:cSld>
+    <p:spTree>
+      <p:nvGrpSpPr>
+        <p:cNvPr id="1" name=""/>
+        <p:cNvGrpSpPr/>
+        <p:nvPr/>
+      </p:nvGrpSpPr>
+      <p:grpSpPr>
+        <a:xfrm>
+          <a:off x="0" y="0"/>
+          <a:ext cx="0" cy="0"/>
+          <a:chOff x="0" y="0"/>
+          <a:chExt cx="0" cy="0"/>
+        </a:xfrm>
+      </p:grpSpPr>
+      <p:sp>
+        <p:nvSpPr>
+          <p:cNvPr id="2" name="Образ слайда 1"/>
+          <p:cNvSpPr>
+            <a:spLocks noGrp="1" noRot="1" noChangeAspect="1"/>
+          </p:cNvSpPr>
+          <p:nvPr>
+            <p:ph type="sldImg"/>
+          </p:nvPr>
+        </p:nvSpPr>
+        <p:spPr/>
+      </p:sp>
+      <p:sp>
+        <p:nvSpPr>
+          <p:cNvPr id="3" name="Заметки 2"/>
+          <p:cNvSpPr>
+            <a:spLocks noGrp="1"/>
+          </p:cNvSpPr>
+          <p:nvPr>
+            <p:ph type="body" idx="1"/>
+          </p:nvPr>
+        </p:nvSpPr>
+        <p:spPr/>
+        <p:txBody>
+          <a:bodyPr>
+            <a:normAutofit/>
+          </a:bodyPr>
+          <a:lstStyle/>
+          <a:p>
+            <a:endParaRPr lang="ru-RU"/>
+          </a:p>
+        </p:txBody>
+      </p:sp>
+    </p:spTree>
+    <p:extLst>
+      <p:ext uri="{BB962C8B-B14F-4D97-AF65-F5344CB8AC3E}">
+        <p14:creationId xmlns:p14="http://schemas.microsoft.com/office/powerpoint/2010/main" val="1002608831"/>
+      </p:ext>
+    </p:extLst>
   </p:cSld>
   <p:clrMapOvr>
     <a:masterClrMapping/>
@@ -1130,7 +1238,7 @@
             <a:fld id="{C341EFBF-27E5-4028-B172-9514F1C51946}" type="datetime1">
               <a:rPr lang="en-US" smtClean="0"/>
               <a:pPr/>
-              <a:t>7/26/2013</a:t>
+              <a:t>10/20/2015</a:t>
             </a:fld>
             <a:endParaRPr lang="en-US"/>
           </a:p>
@@ -1304,7 +1412,7 @@
             <a:fld id="{A920291D-745D-4357-A7E8-47781745E9BE}" type="datetime1">
               <a:rPr lang="en-US" smtClean="0"/>
               <a:pPr/>
-              <a:t>7/26/2013</a:t>
+              <a:t>10/20/2015</a:t>
             </a:fld>
             <a:endParaRPr lang="en-US"/>
           </a:p>
@@ -1481,7 +1589,7 @@
             <a:fld id="{B95D3C83-F629-458A-88FC-15F9EDEDA4DE}" type="datetime1">
               <a:rPr lang="en-US" smtClean="0"/>
               <a:pPr/>
-              <a:t>7/26/2013</a:t>
+              <a:t>10/20/2015</a:t>
             </a:fld>
             <a:endParaRPr lang="en-US"/>
           </a:p>
@@ -1737,7 +1845,7 @@
             <a:fld id="{2A1B2E8A-0E21-4580-BA9A-2D8B14C3BFF5}" type="datetime1">
               <a:rPr lang="en-US" smtClean="0"/>
               <a:pPr/>
-              <a:t>7/26/2013</a:t>
+              <a:t>10/20/2015</a:t>
             </a:fld>
             <a:endParaRPr lang="en-US"/>
           </a:p>
@@ -1963,7 +2071,7 @@
             <a:fld id="{7FC4CC44-329D-4B53-8CEE-0F51F5D3EFDD}" type="datetime1">
               <a:rPr lang="en-US" smtClean="0"/>
               <a:pPr/>
-              <a:t>7/26/2013</a:t>
+              <a:t>10/20/2015</a:t>
             </a:fld>
             <a:endParaRPr lang="en-US"/>
           </a:p>
@@ -2255,7 +2363,7 @@
             <a:fld id="{D66B6793-FB83-43A0-91B9-D92665BBB307}" type="datetime1">
               <a:rPr lang="en-US" smtClean="0"/>
               <a:pPr/>
-              <a:t>7/26/2013</a:t>
+              <a:t>10/20/2015</a:t>
             </a:fld>
             <a:endParaRPr lang="en-US"/>
           </a:p>
@@ -2681,7 +2789,7 @@
             <a:fld id="{A6AA700A-F224-4670-A7D5-682771CEC697}" type="datetime1">
               <a:rPr lang="en-US" smtClean="0"/>
               <a:pPr/>
-              <a:t>7/26/2013</a:t>
+              <a:t>10/20/2015</a:t>
             </a:fld>
             <a:endParaRPr lang="en-US"/>
           </a:p>
@@ -2796,7 +2904,7 @@
             <a:fld id="{8C415ADC-E976-4ACE-8A89-EC7B966EC765}" type="datetime1">
               <a:rPr lang="en-US" smtClean="0"/>
               <a:pPr/>
-              <a:t>7/26/2013</a:t>
+              <a:t>10/20/2015</a:t>
             </a:fld>
             <a:endParaRPr lang="en-US"/>
           </a:p>
@@ -2888,7 +2996,7 @@
             <a:fld id="{2BDD193C-0A9D-4379-940E-CB07DA2018EF}" type="datetime1">
               <a:rPr lang="en-US" smtClean="0"/>
               <a:pPr/>
-              <a:t>7/26/2013</a:t>
+              <a:t>10/20/2015</a:t>
             </a:fld>
             <a:endParaRPr lang="en-US"/>
           </a:p>
@@ -3162,7 +3270,7 @@
             <a:fld id="{F5A6C827-EE3B-4901-8B61-4F0D185445F2}" type="datetime1">
               <a:rPr lang="en-US" smtClean="0"/>
               <a:pPr/>
-              <a:t>7/26/2013</a:t>
+              <a:t>10/20/2015</a:t>
             </a:fld>
             <a:endParaRPr lang="en-US"/>
           </a:p>
@@ -3412,7 +3520,7 @@
             <a:fld id="{6216DDB4-708C-44D7-A68B-01FA166BBD53}" type="datetime1">
               <a:rPr lang="en-US" smtClean="0"/>
               <a:pPr/>
-              <a:t>7/26/2013</a:t>
+              <a:t>10/20/2015</a:t>
             </a:fld>
             <a:endParaRPr lang="en-US"/>
           </a:p>
@@ -3632,7 +3740,7 @@
             <a:fld id="{98A443B8-2819-4D75-8B11-995C0527A765}" type="datetime1">
               <a:rPr lang="en-US" smtClean="0"/>
               <a:pPr/>
-              <a:t>7/26/2013</a:t>
+              <a:t>10/20/2015</a:t>
             </a:fld>
             <a:endParaRPr lang="en-US"/>
           </a:p>
@@ -4282,112 +4390,356 @@
       </p:grpSpPr>
       <p:sp>
         <p:nvSpPr>
-          <p:cNvPr id="2" name="Title 1"/>
-          <p:cNvSpPr>
-            <a:spLocks noGrp="1"/>
-          </p:cNvSpPr>
-          <p:nvPr>
-            <p:ph type="title"/>
-          </p:nvPr>
-        </p:nvSpPr>
-        <p:spPr/>
-        <p:txBody>
-          <a:bodyPr>
+          <p:cNvPr id="7" name="Content Placeholder 2"/>
+          <p:cNvSpPr txBox="1">
+            <a:spLocks/>
+          </p:cNvSpPr>
+          <p:nvPr/>
+        </p:nvSpPr>
+        <p:spPr>
+          <a:xfrm>
+            <a:off x="0" y="1600200"/>
+            <a:ext cx="9144000" cy="4648200"/>
+          </a:xfrm>
+          <a:prstGeom prst="rect">
+            <a:avLst/>
+          </a:prstGeom>
+          <a:solidFill>
+            <a:schemeClr val="tx1">
+              <a:alpha val="70000"/>
+            </a:schemeClr>
+          </a:solidFill>
+        </p:spPr>
+        <p:txBody>
+          <a:bodyPr vert="horz" lIns="540000" tIns="45720" rIns="91440" bIns="45720" rtlCol="0">
             <a:normAutofit/>
           </a:bodyPr>
-          <a:lstStyle/>
-          <a:p>
-            <a:r>
-              <a:rPr lang="en-US" b="1" dirty="0"/>
-              <a:t>Trace Event Profiling </a:t>
-            </a:r>
-            <a:r>
-              <a:rPr lang="en-US" b="1" dirty="0" smtClean="0"/>
-              <a:t>Tool</a:t>
-            </a:r>
-            <a:endParaRPr lang="en-US" dirty="0"/>
-          </a:p>
-        </p:txBody>
-      </p:sp>
-      <p:sp>
-        <p:nvSpPr>
-          <p:cNvPr id="3" name="Content Placeholder 2"/>
-          <p:cNvSpPr>
-            <a:spLocks noGrp="1"/>
-          </p:cNvSpPr>
-          <p:nvPr>
-            <p:ph idx="1"/>
-          </p:nvPr>
-        </p:nvSpPr>
-        <p:spPr/>
-        <p:txBody>
-          <a:bodyPr>
-            <a:noAutofit/>
-          </a:bodyPr>
-          <a:lstStyle/>
+          <a:lstStyle>
+            <a:lvl1pPr marL="342900" indent="-342900" algn="l" defTabSz="914400" rtl="0" eaLnBrk="1" latinLnBrk="0" hangingPunct="1">
+              <a:spcBef>
+                <a:spcPct val="20000"/>
+              </a:spcBef>
+              <a:buFont typeface="Arial" pitchFamily="34" charset="0"/>
+              <a:buChar char="•"/>
+              <a:defRPr sz="3200" kern="1200">
+                <a:solidFill>
+                  <a:schemeClr val="bg1"/>
+                </a:solidFill>
+                <a:latin typeface="+mn-lt"/>
+                <a:ea typeface="+mn-ea"/>
+                <a:cs typeface="+mn-cs"/>
+              </a:defRPr>
+            </a:lvl1pPr>
+            <a:lvl2pPr marL="742950" indent="-285750" algn="l" defTabSz="914400" rtl="0" eaLnBrk="1" latinLnBrk="0" hangingPunct="1">
+              <a:spcBef>
+                <a:spcPct val="20000"/>
+              </a:spcBef>
+              <a:buFont typeface="Arial" pitchFamily="34" charset="0"/>
+              <a:buChar char="–"/>
+              <a:defRPr sz="2800" kern="1200">
+                <a:solidFill>
+                  <a:schemeClr val="bg1"/>
+                </a:solidFill>
+                <a:latin typeface="+mn-lt"/>
+                <a:ea typeface="+mn-ea"/>
+                <a:cs typeface="+mn-cs"/>
+              </a:defRPr>
+            </a:lvl2pPr>
+            <a:lvl3pPr marL="1143000" indent="-228600" algn="l" defTabSz="914400" rtl="0" eaLnBrk="1" latinLnBrk="0" hangingPunct="1">
+              <a:spcBef>
+                <a:spcPct val="20000"/>
+              </a:spcBef>
+              <a:buFont typeface="Arial" pitchFamily="34" charset="0"/>
+              <a:buChar char="•"/>
+              <a:defRPr sz="2400" kern="1200">
+                <a:solidFill>
+                  <a:schemeClr val="bg1"/>
+                </a:solidFill>
+                <a:latin typeface="+mn-lt"/>
+                <a:ea typeface="+mn-ea"/>
+                <a:cs typeface="+mn-cs"/>
+              </a:defRPr>
+            </a:lvl3pPr>
+            <a:lvl4pPr marL="1600200" indent="-228600" algn="l" defTabSz="914400" rtl="0" eaLnBrk="1" latinLnBrk="0" hangingPunct="1">
+              <a:spcBef>
+                <a:spcPct val="20000"/>
+              </a:spcBef>
+              <a:buFont typeface="Arial" pitchFamily="34" charset="0"/>
+              <a:buChar char="–"/>
+              <a:defRPr sz="2000" kern="1200">
+                <a:solidFill>
+                  <a:schemeClr val="bg1"/>
+                </a:solidFill>
+                <a:latin typeface="+mn-lt"/>
+                <a:ea typeface="+mn-ea"/>
+                <a:cs typeface="+mn-cs"/>
+              </a:defRPr>
+            </a:lvl4pPr>
+            <a:lvl5pPr marL="2057400" indent="-228600" algn="l" defTabSz="914400" rtl="0" eaLnBrk="1" latinLnBrk="0" hangingPunct="1">
+              <a:spcBef>
+                <a:spcPct val="20000"/>
+              </a:spcBef>
+              <a:buFont typeface="Arial" pitchFamily="34" charset="0"/>
+              <a:buChar char="»"/>
+              <a:defRPr sz="2000" kern="1200">
+                <a:solidFill>
+                  <a:schemeClr val="bg1"/>
+                </a:solidFill>
+                <a:latin typeface="+mn-lt"/>
+                <a:ea typeface="+mn-ea"/>
+                <a:cs typeface="+mn-cs"/>
+              </a:defRPr>
+            </a:lvl5pPr>
+            <a:lvl6pPr marL="2514600" indent="-228600" algn="l" defTabSz="914400" rtl="0" eaLnBrk="1" latinLnBrk="0" hangingPunct="1">
+              <a:spcBef>
+                <a:spcPct val="20000"/>
+              </a:spcBef>
+              <a:buFont typeface="Arial" pitchFamily="34" charset="0"/>
+              <a:buChar char="•"/>
+              <a:defRPr sz="2000" kern="1200">
+                <a:solidFill>
+                  <a:schemeClr val="tx1"/>
+                </a:solidFill>
+                <a:latin typeface="+mn-lt"/>
+                <a:ea typeface="+mn-ea"/>
+                <a:cs typeface="+mn-cs"/>
+              </a:defRPr>
+            </a:lvl6pPr>
+            <a:lvl7pPr marL="2971800" indent="-228600" algn="l" defTabSz="914400" rtl="0" eaLnBrk="1" latinLnBrk="0" hangingPunct="1">
+              <a:spcBef>
+                <a:spcPct val="20000"/>
+              </a:spcBef>
+              <a:buFont typeface="Arial" pitchFamily="34" charset="0"/>
+              <a:buChar char="•"/>
+              <a:defRPr sz="2000" kern="1200">
+                <a:solidFill>
+                  <a:schemeClr val="tx1"/>
+                </a:solidFill>
+                <a:latin typeface="+mn-lt"/>
+                <a:ea typeface="+mn-ea"/>
+                <a:cs typeface="+mn-cs"/>
+              </a:defRPr>
+            </a:lvl7pPr>
+            <a:lvl8pPr marL="3429000" indent="-228600" algn="l" defTabSz="914400" rtl="0" eaLnBrk="1" latinLnBrk="0" hangingPunct="1">
+              <a:spcBef>
+                <a:spcPct val="20000"/>
+              </a:spcBef>
+              <a:buFont typeface="Arial" pitchFamily="34" charset="0"/>
+              <a:buChar char="•"/>
+              <a:defRPr sz="2000" kern="1200">
+                <a:solidFill>
+                  <a:schemeClr val="tx1"/>
+                </a:solidFill>
+                <a:latin typeface="+mn-lt"/>
+                <a:ea typeface="+mn-ea"/>
+                <a:cs typeface="+mn-cs"/>
+              </a:defRPr>
+            </a:lvl8pPr>
+            <a:lvl9pPr marL="3886200" indent="-228600" algn="l" defTabSz="914400" rtl="0" eaLnBrk="1" latinLnBrk="0" hangingPunct="1">
+              <a:spcBef>
+                <a:spcPct val="20000"/>
+              </a:spcBef>
+              <a:buFont typeface="Arial" pitchFamily="34" charset="0"/>
+              <a:buChar char="•"/>
+              <a:defRPr sz="2000" kern="1200">
+                <a:solidFill>
+                  <a:schemeClr val="tx1"/>
+                </a:solidFill>
+                <a:latin typeface="+mn-lt"/>
+                <a:ea typeface="+mn-ea"/>
+                <a:cs typeface="+mn-cs"/>
+              </a:defRPr>
+            </a:lvl9pPr>
+          </a:lstStyle>
           <a:p>
             <a:pPr marL="0" indent="0">
               <a:buNone/>
             </a:pPr>
-            <a:endParaRPr lang="en-US" sz="3600" b="1" dirty="0" smtClean="0"/>
+            <a:r>
+              <a:rPr lang="en-US" sz="4000" b="1" dirty="0">
+                <a:solidFill>
+                  <a:srgbClr val="00B050"/>
+                </a:solidFill>
+              </a:rPr>
+              <a:t>console&gt;</a:t>
+            </a:r>
+            <a:r>
+              <a:rPr lang="en-US" sz="4000" dirty="0">
+                <a:solidFill>
+                  <a:srgbClr val="00B050"/>
+                </a:solidFill>
+              </a:rPr>
+              <a:t> </a:t>
+            </a:r>
+            <a:r>
+              <a:rPr lang="en-US" sz="4000" dirty="0"/>
+              <a:t>chrome.exe </a:t>
+            </a:r>
+            <a:endParaRPr lang="en-US" sz="4000" dirty="0" smtClean="0"/>
           </a:p>
           <a:p>
             <a:pPr marL="0" indent="0">
               <a:buNone/>
             </a:pPr>
             <a:r>
-              <a:rPr lang="en-US" sz="3600" b="1" dirty="0" smtClean="0"/>
-              <a:t>about</a:t>
-            </a:r>
-            <a:r>
-              <a:rPr lang="en-US" sz="3600" b="1" dirty="0"/>
-              <a:t>://tracing</a:t>
-            </a:r>
-            <a:r>
-              <a:rPr lang="en-US" sz="3600" b="1" dirty="0" smtClean="0"/>
-              <a:t>/ </a:t>
-            </a:r>
+              <a:rPr lang="en-US" sz="4000" dirty="0" smtClean="0"/>
+              <a:t>	--</a:t>
+            </a:r>
+            <a:r>
+              <a:rPr lang="en-US" sz="4000" dirty="0"/>
+              <a:t>enable-threaded-compositing </a:t>
+            </a:r>
+            <a:endParaRPr lang="en-US" sz="4000" dirty="0" smtClean="0"/>
           </a:p>
           <a:p>
             <a:pPr marL="0" indent="0">
               <a:buNone/>
             </a:pPr>
-            <a:endParaRPr lang="en-US" sz="3600" b="1" dirty="0" smtClean="0"/>
+            <a:r>
+              <a:rPr lang="en-US" sz="4000" dirty="0" smtClean="0"/>
+              <a:t>	--</a:t>
+            </a:r>
+            <a:r>
+              <a:rPr lang="en-US" sz="4000" dirty="0"/>
+              <a:t>force-compositing-mode </a:t>
+            </a:r>
+            <a:endParaRPr lang="en-US" sz="4000" dirty="0" smtClean="0"/>
           </a:p>
           <a:p>
             <a:pPr marL="0" indent="0">
               <a:buNone/>
             </a:pPr>
-            <a:endParaRPr lang="en-US" sz="3600" b="1" dirty="0"/>
+            <a:r>
+              <a:rPr lang="en-US" sz="4000" dirty="0" smtClean="0"/>
+              <a:t>	--</a:t>
+            </a:r>
+            <a:r>
+              <a:rPr lang="en-US" sz="4000" dirty="0"/>
+              <a:t>enable-</a:t>
+            </a:r>
+            <a:r>
+              <a:rPr lang="en-US" sz="4000" dirty="0" err="1"/>
+              <a:t>impl</a:t>
+            </a:r>
+            <a:r>
+              <a:rPr lang="en-US" sz="4000" dirty="0"/>
+              <a:t>-side-painting </a:t>
+            </a:r>
+            <a:endParaRPr lang="en-US" sz="4000" dirty="0" smtClean="0"/>
           </a:p>
           <a:p>
             <a:pPr marL="0" indent="0">
               <a:buNone/>
             </a:pPr>
             <a:r>
-              <a:rPr lang="en-US" sz="3600" b="1" dirty="0" smtClean="0"/>
-              <a:t>Read more: </a:t>
-            </a:r>
-            <a:r>
-              <a:rPr lang="en-US" sz="3600" dirty="0" smtClean="0">
-                <a:hlinkClick r:id="rId2"/>
-              </a:rPr>
-              <a:t>http://dev.chromium.org/developers/how-tos/trace-event-profiling-tool</a:t>
-            </a:r>
-            <a:endParaRPr lang="en-US" sz="3600" dirty="0" smtClean="0"/>
+              <a:rPr lang="en-US" sz="4000" dirty="0" smtClean="0"/>
+              <a:t>	--</a:t>
+            </a:r>
+            <a:r>
+              <a:rPr lang="en-US" sz="4000" dirty="0"/>
+              <a:t>enable-</a:t>
+            </a:r>
+            <a:r>
+              <a:rPr lang="en-US" sz="4000" dirty="0" err="1"/>
+              <a:t>skia</a:t>
+            </a:r>
+            <a:r>
+              <a:rPr lang="en-US" sz="4000" dirty="0"/>
+              <a:t>-benchmarking </a:t>
+            </a:r>
+            <a:endParaRPr lang="en-US" sz="4000" dirty="0" smtClean="0"/>
           </a:p>
           <a:p>
             <a:pPr marL="0" indent="0">
               <a:buNone/>
             </a:pPr>
-            <a:endParaRPr lang="en-US" sz="3600" dirty="0"/>
-          </a:p>
-        </p:txBody>
-      </p:sp>
+            <a:r>
+              <a:rPr lang="en-US" sz="4000" dirty="0" smtClean="0"/>
+              <a:t>	--</a:t>
+            </a:r>
+            <a:r>
+              <a:rPr lang="en-US" sz="4000" dirty="0"/>
+              <a:t>allow-</a:t>
+            </a:r>
+            <a:r>
+              <a:rPr lang="en-US" sz="4000" dirty="0" err="1"/>
+              <a:t>webui</a:t>
+            </a:r>
+            <a:r>
+              <a:rPr lang="en-US" sz="4000" dirty="0"/>
+              <a:t>-compositing</a:t>
+            </a:r>
+          </a:p>
+        </p:txBody>
+      </p:sp>
+      <p:sp>
+        <p:nvSpPr>
+          <p:cNvPr id="2" name="Title 1"/>
+          <p:cNvSpPr>
+            <a:spLocks noGrp="1"/>
+          </p:cNvSpPr>
+          <p:nvPr>
+            <p:ph type="title"/>
+          </p:nvPr>
+        </p:nvSpPr>
+        <p:spPr/>
+        <p:txBody>
+          <a:bodyPr/>
+          <a:lstStyle/>
+          <a:p>
+            <a:r>
+              <a:rPr lang="en-US" dirty="0" smtClean="0"/>
+              <a:t>Google Chrome Canary</a:t>
+            </a:r>
+            <a:endParaRPr lang="en-US" dirty="0"/>
+          </a:p>
+        </p:txBody>
+      </p:sp>
+      <p:pic>
+        <p:nvPicPr>
+          <p:cNvPr id="2051" name="Picture 3" descr="D:\javascript\chromeInternals\0-canary-intro.png"/>
+          <p:cNvPicPr>
+            <a:picLocks noChangeAspect="1" noChangeArrowheads="1"/>
+          </p:cNvPicPr>
+          <p:nvPr/>
+        </p:nvPicPr>
+        <p:blipFill>
+          <a:blip r:embed="rId2" cstate="print">
+            <a:extLst>
+              <a:ext uri="{28A0092B-C50C-407E-A947-70E740481C1C}">
+                <a14:useLocalDpi xmlns:a14="http://schemas.microsoft.com/office/drawing/2010/main" val="0"/>
+              </a:ext>
+            </a:extLst>
+          </a:blip>
+          <a:srcRect/>
+          <a:stretch>
+            <a:fillRect/>
+          </a:stretch>
+        </p:blipFill>
+        <p:spPr bwMode="auto">
+          <a:xfrm>
+            <a:off x="7696200" y="228600"/>
+            <a:ext cx="1219200" cy="1219200"/>
+          </a:xfrm>
+          <a:prstGeom prst="rect">
+            <a:avLst/>
+          </a:prstGeom>
+          <a:noFill/>
+          <a:extLst>
+            <a:ext uri="{909E8E84-426E-40DD-AFC4-6F175D3DCCD1}">
+              <a14:hiddenFill xmlns:a14="http://schemas.microsoft.com/office/drawing/2010/main">
+                <a:solidFill>
+                  <a:srgbClr val="FFFFFF"/>
+                </a:solidFill>
+              </a14:hiddenFill>
+            </a:ext>
+          </a:extLst>
+        </p:spPr>
+      </p:pic>
     </p:spTree>
     <p:extLst>
       <p:ext uri="{BB962C8B-B14F-4D97-AF65-F5344CB8AC3E}">
-        <p14:creationId xmlns:p14="http://schemas.microsoft.com/office/powerpoint/2010/main" val="4086123633"/>
+        <p14:creationId xmlns:p14="http://schemas.microsoft.com/office/powerpoint/2010/main" val="1730325560"/>
       </p:ext>
     </p:extLst>
   </p:cSld>
@@ -4397,9 +4749,80 @@
   <p:timing>
     <p:tnLst>
       <p:par>
-        <p:cTn id="1" dur="indefinite" restart="never" nodeType="tmRoot"/>
+        <p:cTn id="1" dur="indefinite" restart="never" nodeType="tmRoot">
+          <p:childTnLst>
+            <p:seq concurrent="1" nextAc="seek">
+              <p:cTn id="2" dur="indefinite" nodeType="mainSeq">
+                <p:childTnLst>
+                  <p:par>
+                    <p:cTn id="3" fill="hold">
+                      <p:stCondLst>
+                        <p:cond delay="indefinite"/>
+                      </p:stCondLst>
+                      <p:childTnLst>
+                        <p:par>
+                          <p:cTn id="4" fill="hold">
+                            <p:stCondLst>
+                              <p:cond delay="0"/>
+                            </p:stCondLst>
+                            <p:childTnLst>
+                              <p:par>
+                                <p:cTn id="5" presetID="1" presetClass="entr" presetSubtype="0" fill="hold" grpId="0" nodeType="clickEffect">
+                                  <p:stCondLst>
+                                    <p:cond delay="0"/>
+                                  </p:stCondLst>
+                                  <p:childTnLst>
+                                    <p:set>
+                                      <p:cBhvr>
+                                        <p:cTn id="6" dur="1" fill="hold">
+                                          <p:stCondLst>
+                                            <p:cond delay="0"/>
+                                          </p:stCondLst>
+                                        </p:cTn>
+                                        <p:tgtEl>
+                                          <p:spTgt spid="7"/>
+                                        </p:tgtEl>
+                                        <p:attrNameLst>
+                                          <p:attrName>style.visibility</p:attrName>
+                                        </p:attrNameLst>
+                                      </p:cBhvr>
+                                      <p:to>
+                                        <p:strVal val="visible"/>
+                                      </p:to>
+                                    </p:set>
+                                  </p:childTnLst>
+                                </p:cTn>
+                              </p:par>
+                            </p:childTnLst>
+                          </p:cTn>
+                        </p:par>
+                      </p:childTnLst>
+                    </p:cTn>
+                  </p:par>
+                </p:childTnLst>
+              </p:cTn>
+              <p:prevCondLst>
+                <p:cond evt="onPrev" delay="0">
+                  <p:tgtEl>
+                    <p:sldTgt/>
+                  </p:tgtEl>
+                </p:cond>
+              </p:prevCondLst>
+              <p:nextCondLst>
+                <p:cond evt="onNext" delay="0">
+                  <p:tgtEl>
+                    <p:sldTgt/>
+                  </p:tgtEl>
+                </p:cond>
+              </p:nextCondLst>
+            </p:seq>
+          </p:childTnLst>
+        </p:cTn>
       </p:par>
     </p:tnLst>
+    <p:bldLst>
+      <p:bldP spid="7" grpId="0" animBg="1"/>
+    </p:bldLst>
   </p:timing>
 </p:sld>
 </file>
@@ -4423,6 +4846,147 @@
       </p:grpSpPr>
       <p:sp>
         <p:nvSpPr>
+          <p:cNvPr id="2" name="Title 1"/>
+          <p:cNvSpPr>
+            <a:spLocks noGrp="1"/>
+          </p:cNvSpPr>
+          <p:nvPr>
+            <p:ph type="title"/>
+          </p:nvPr>
+        </p:nvSpPr>
+        <p:spPr/>
+        <p:txBody>
+          <a:bodyPr>
+            <a:normAutofit/>
+          </a:bodyPr>
+          <a:lstStyle/>
+          <a:p>
+            <a:r>
+              <a:rPr lang="en-US" b="1" dirty="0"/>
+              <a:t>Trace Event Profiling </a:t>
+            </a:r>
+            <a:r>
+              <a:rPr lang="en-US" b="1" dirty="0" smtClean="0"/>
+              <a:t>Tool</a:t>
+            </a:r>
+            <a:endParaRPr lang="en-US" dirty="0"/>
+          </a:p>
+        </p:txBody>
+      </p:sp>
+      <p:sp>
+        <p:nvSpPr>
+          <p:cNvPr id="3" name="Content Placeholder 2"/>
+          <p:cNvSpPr>
+            <a:spLocks noGrp="1"/>
+          </p:cNvSpPr>
+          <p:nvPr>
+            <p:ph idx="1"/>
+          </p:nvPr>
+        </p:nvSpPr>
+        <p:spPr/>
+        <p:txBody>
+          <a:bodyPr>
+            <a:noAutofit/>
+          </a:bodyPr>
+          <a:lstStyle/>
+          <a:p>
+            <a:pPr marL="0" indent="0">
+              <a:buNone/>
+            </a:pPr>
+            <a:endParaRPr lang="en-US" sz="3600" b="1" dirty="0" smtClean="0"/>
+          </a:p>
+          <a:p>
+            <a:pPr marL="0" indent="0">
+              <a:buNone/>
+            </a:pPr>
+            <a:r>
+              <a:rPr lang="en-US" sz="3600" b="1" dirty="0" smtClean="0"/>
+              <a:t>about</a:t>
+            </a:r>
+            <a:r>
+              <a:rPr lang="en-US" sz="3600" b="1" dirty="0"/>
+              <a:t>://tracing</a:t>
+            </a:r>
+            <a:r>
+              <a:rPr lang="en-US" sz="3600" b="1" dirty="0" smtClean="0"/>
+              <a:t>/ </a:t>
+            </a:r>
+          </a:p>
+          <a:p>
+            <a:pPr marL="0" indent="0">
+              <a:buNone/>
+            </a:pPr>
+            <a:endParaRPr lang="en-US" sz="3600" b="1" dirty="0" smtClean="0"/>
+          </a:p>
+          <a:p>
+            <a:pPr marL="0" indent="0">
+              <a:buNone/>
+            </a:pPr>
+            <a:endParaRPr lang="en-US" sz="3600" b="1" dirty="0"/>
+          </a:p>
+          <a:p>
+            <a:pPr marL="0" indent="0">
+              <a:buNone/>
+            </a:pPr>
+            <a:r>
+              <a:rPr lang="en-US" sz="3600" b="1" dirty="0" smtClean="0"/>
+              <a:t>Read more: </a:t>
+            </a:r>
+            <a:r>
+              <a:rPr lang="en-US" sz="3600" dirty="0" smtClean="0">
+                <a:hlinkClick r:id="rId2"/>
+              </a:rPr>
+              <a:t>http://dev.chromium.org/developers/how-tos/trace-event-profiling-tool</a:t>
+            </a:r>
+            <a:endParaRPr lang="en-US" sz="3600" dirty="0" smtClean="0"/>
+          </a:p>
+          <a:p>
+            <a:pPr marL="0" indent="0">
+              <a:buNone/>
+            </a:pPr>
+            <a:endParaRPr lang="en-US" sz="3600" dirty="0"/>
+          </a:p>
+        </p:txBody>
+      </p:sp>
+    </p:spTree>
+    <p:extLst>
+      <p:ext uri="{BB962C8B-B14F-4D97-AF65-F5344CB8AC3E}">
+        <p14:creationId xmlns:p14="http://schemas.microsoft.com/office/powerpoint/2010/main" val="4086123633"/>
+      </p:ext>
+    </p:extLst>
+  </p:cSld>
+  <p:clrMapOvr>
+    <a:masterClrMapping/>
+  </p:clrMapOvr>
+  <p:timing>
+    <p:tnLst>
+      <p:par>
+        <p:cTn id="1" dur="indefinite" restart="never" nodeType="tmRoot"/>
+      </p:par>
+    </p:tnLst>
+  </p:timing>
+</p:sld>
+</file>
+
+<file path=ppt/slides/slide12.xml><?xml version="1.0" encoding="utf-8"?>
+<p:sld xmlns:a="http://schemas.openxmlformats.org/drawingml/2006/main" xmlns:r="http://schemas.openxmlformats.org/officeDocument/2006/relationships" xmlns:p="http://schemas.openxmlformats.org/presentationml/2006/main">
+  <p:cSld>
+    <p:spTree>
+      <p:nvGrpSpPr>
+        <p:cNvPr id="1" name=""/>
+        <p:cNvGrpSpPr/>
+        <p:nvPr/>
+      </p:nvGrpSpPr>
+      <p:grpSpPr>
+        <a:xfrm>
+          <a:off x="0" y="0"/>
+          <a:ext cx="0" cy="0"/>
+          <a:chOff x="0" y="0"/>
+          <a:chExt cx="0" cy="0"/>
+        </a:xfrm>
+      </p:grpSpPr>
+      <p:sp>
+        <p:nvSpPr>
           <p:cNvPr id="2" name="Заголовок 1"/>
           <p:cNvSpPr>
             <a:spLocks noGrp="1"/>
@@ -4471,7 +5035,7 @@
 </p:sld>
 </file>
 
-<file path=ppt/slides/slide12.xml><?xml version="1.0" encoding="utf-8"?>
+<file path=ppt/slides/slide13.xml><?xml version="1.0" encoding="utf-8"?>
 <p:sld xmlns:a="http://schemas.openxmlformats.org/drawingml/2006/main" xmlns:r="http://schemas.openxmlformats.org/officeDocument/2006/relationships" xmlns:p="http://schemas.openxmlformats.org/presentationml/2006/main">
   <p:cSld>
     <p:spTree>
@@ -4762,7 +5326,7 @@
 </p:sld>
 </file>
 
-<file path=ppt/slides/slide13.xml><?xml version="1.0" encoding="utf-8"?>
+<file path=ppt/slides/slide14.xml><?xml version="1.0" encoding="utf-8"?>
 <p:sld xmlns:a="http://schemas.openxmlformats.org/drawingml/2006/main" xmlns:r="http://schemas.openxmlformats.org/officeDocument/2006/relationships" xmlns:p="http://schemas.openxmlformats.org/presentationml/2006/main">
   <p:cSld>
     <p:spTree>
@@ -4965,7 +5529,7 @@
 </p:sld>
 </file>
 
-<file path=ppt/slides/slide14.xml><?xml version="1.0" encoding="utf-8"?>
+<file path=ppt/slides/slide15.xml><?xml version="1.0" encoding="utf-8"?>
 <p:sld xmlns:a="http://schemas.openxmlformats.org/drawingml/2006/main" xmlns:r="http://schemas.openxmlformats.org/officeDocument/2006/relationships" xmlns:p="http://schemas.openxmlformats.org/presentationml/2006/main">
   <p:cSld>
     <p:spTree>
@@ -5733,7 +6297,7 @@
 </p:sld>
 </file>
 
-<file path=ppt/slides/slide15.xml><?xml version="1.0" encoding="utf-8"?>
+<file path=ppt/slides/slide16.xml><?xml version="1.0" encoding="utf-8"?>
 <p:sld xmlns:a="http://schemas.openxmlformats.org/drawingml/2006/main" xmlns:r="http://schemas.openxmlformats.org/officeDocument/2006/relationships" xmlns:p="http://schemas.openxmlformats.org/presentationml/2006/main">
   <p:cSld>
     <p:spTree>
@@ -5967,7 +6531,7 @@
 </p:sld>
 </file>
 
-<file path=ppt/slides/slide16.xml><?xml version="1.0" encoding="utf-8"?>
+<file path=ppt/slides/slide17.xml><?xml version="1.0" encoding="utf-8"?>
 <p:sld xmlns:a="http://schemas.openxmlformats.org/drawingml/2006/main" xmlns:r="http://schemas.openxmlformats.org/officeDocument/2006/relationships" xmlns:p="http://schemas.openxmlformats.org/presentationml/2006/main">
   <p:cSld>
     <p:spTree>
@@ -6062,7 +6626,7 @@
 </p:sld>
 </file>
 
-<file path=ppt/slides/slide17.xml><?xml version="1.0" encoding="utf-8"?>
+<file path=ppt/slides/slide18.xml><?xml version="1.0" encoding="utf-8"?>
 <p:sld xmlns:a="http://schemas.openxmlformats.org/drawingml/2006/main" xmlns:r="http://schemas.openxmlformats.org/officeDocument/2006/relationships" xmlns:p="http://schemas.openxmlformats.org/presentationml/2006/main">
   <p:cSld>
     <p:spTree>
@@ -6598,7 +7162,7 @@
 </p:sld>
 </file>
 
-<file path=ppt/slides/slide18.xml><?xml version="1.0" encoding="utf-8"?>
+<file path=ppt/slides/slide19.xml><?xml version="1.0" encoding="utf-8"?>
 <p:sld xmlns:a="http://schemas.openxmlformats.org/drawingml/2006/main" xmlns:r="http://schemas.openxmlformats.org/officeDocument/2006/relationships" xmlns:p="http://schemas.openxmlformats.org/presentationml/2006/main">
   <p:cSld>
     <p:spTree>
@@ -6660,7 +7224,74 @@
 </p:sld>
 </file>
 
-<file path=ppt/slides/slide19.xml><?xml version="1.0" encoding="utf-8"?>
+<file path=ppt/slides/slide2.xml><?xml version="1.0" encoding="utf-8"?>
+<p:sld xmlns:a="http://schemas.openxmlformats.org/drawingml/2006/main" xmlns:r="http://schemas.openxmlformats.org/officeDocument/2006/relationships" xmlns:p="http://schemas.openxmlformats.org/presentationml/2006/main">
+  <p:cSld>
+    <p:spTree>
+      <p:nvGrpSpPr>
+        <p:cNvPr id="1" name=""/>
+        <p:cNvGrpSpPr/>
+        <p:nvPr/>
+      </p:nvGrpSpPr>
+      <p:grpSpPr>
+        <a:xfrm>
+          <a:off x="0" y="0"/>
+          <a:ext cx="0" cy="0"/>
+          <a:chOff x="0" y="0"/>
+          <a:chExt cx="0" cy="0"/>
+        </a:xfrm>
+      </p:grpSpPr>
+      <p:sp>
+        <p:nvSpPr>
+          <p:cNvPr id="2" name="Заголовок 1"/>
+          <p:cNvSpPr>
+            <a:spLocks noGrp="1"/>
+          </p:cNvSpPr>
+          <p:nvPr>
+            <p:ph type="title"/>
+          </p:nvPr>
+        </p:nvSpPr>
+        <p:spPr>
+          <a:xfrm>
+            <a:off x="0" y="4495800"/>
+            <a:ext cx="9144000" cy="1143000"/>
+          </a:xfrm>
+        </p:spPr>
+        <p:txBody>
+          <a:bodyPr>
+            <a:normAutofit/>
+          </a:bodyPr>
+          <a:lstStyle/>
+          <a:p>
+            <a:r>
+              <a:rPr lang="en-US" sz="5400" b="1" dirty="0" smtClean="0"/>
+              <a:t>Demo </a:t>
+            </a:r>
+            <a:endParaRPr lang="ru-RU" sz="5400" dirty="0"/>
+          </a:p>
+        </p:txBody>
+      </p:sp>
+    </p:spTree>
+    <p:extLst>
+      <p:ext uri="{BB962C8B-B14F-4D97-AF65-F5344CB8AC3E}">
+        <p14:creationId xmlns:p14="http://schemas.microsoft.com/office/powerpoint/2010/main" val="2330853664"/>
+      </p:ext>
+    </p:extLst>
+  </p:cSld>
+  <p:clrMapOvr>
+    <a:masterClrMapping/>
+  </p:clrMapOvr>
+  <p:timing>
+    <p:tnLst>
+      <p:par>
+        <p:cTn id="1" dur="indefinite" restart="never" nodeType="tmRoot"/>
+      </p:par>
+    </p:tnLst>
+  </p:timing>
+</p:sld>
+</file>
+
+<file path=ppt/slides/slide20.xml><?xml version="1.0" encoding="utf-8"?>
 <p:sld xmlns:a="http://schemas.openxmlformats.org/drawingml/2006/main" xmlns:r="http://schemas.openxmlformats.org/officeDocument/2006/relationships" xmlns:p="http://schemas.openxmlformats.org/presentationml/2006/main">
   <p:cSld>
     <p:spTree>
@@ -6786,160 +7417,6 @@
 </p:sld>
 </file>
 
-<file path=ppt/slides/slide2.xml><?xml version="1.0" encoding="utf-8"?>
-<p:sld xmlns:a="http://schemas.openxmlformats.org/drawingml/2006/main" xmlns:r="http://schemas.openxmlformats.org/officeDocument/2006/relationships" xmlns:p="http://schemas.openxmlformats.org/presentationml/2006/main">
-  <p:cSld>
-    <p:spTree>
-      <p:nvGrpSpPr>
-        <p:cNvPr id="1" name=""/>
-        <p:cNvGrpSpPr/>
-        <p:nvPr/>
-      </p:nvGrpSpPr>
-      <p:grpSpPr>
-        <a:xfrm>
-          <a:off x="0" y="0"/>
-          <a:ext cx="0" cy="0"/>
-          <a:chOff x="0" y="0"/>
-          <a:chExt cx="0" cy="0"/>
-        </a:xfrm>
-      </p:grpSpPr>
-      <p:sp>
-        <p:nvSpPr>
-          <p:cNvPr id="2" name="Заголовок 1"/>
-          <p:cNvSpPr>
-            <a:spLocks noGrp="1"/>
-          </p:cNvSpPr>
-          <p:nvPr>
-            <p:ph type="title"/>
-          </p:nvPr>
-        </p:nvSpPr>
-        <p:spPr>
-          <a:xfrm>
-            <a:off x="0" y="4495800"/>
-            <a:ext cx="9144000" cy="1143000"/>
-          </a:xfrm>
-        </p:spPr>
-        <p:txBody>
-          <a:bodyPr>
-            <a:normAutofit/>
-          </a:bodyPr>
-          <a:lstStyle/>
-          <a:p>
-            <a:r>
-              <a:rPr lang="en-US" sz="5400" b="1" dirty="0" smtClean="0"/>
-              <a:t>Demo </a:t>
-            </a:r>
-            <a:endParaRPr lang="ru-RU" sz="5400" dirty="0"/>
-          </a:p>
-        </p:txBody>
-      </p:sp>
-    </p:spTree>
-    <p:extLst>
-      <p:ext uri="{BB962C8B-B14F-4D97-AF65-F5344CB8AC3E}">
-        <p14:creationId xmlns:p14="http://schemas.microsoft.com/office/powerpoint/2010/main" val="2330853664"/>
-      </p:ext>
-    </p:extLst>
-  </p:cSld>
-  <p:clrMapOvr>
-    <a:masterClrMapping/>
-  </p:clrMapOvr>
-  <p:timing>
-    <p:tnLst>
-      <p:par>
-        <p:cTn id="1" dur="indefinite" restart="never" nodeType="tmRoot"/>
-      </p:par>
-    </p:tnLst>
-  </p:timing>
-</p:sld>
-</file>
-
-<file path=ppt/slides/slide20.xml><?xml version="1.0" encoding="utf-8"?>
-<p:sld xmlns:a="http://schemas.openxmlformats.org/drawingml/2006/main" xmlns:r="http://schemas.openxmlformats.org/officeDocument/2006/relationships" xmlns:p="http://schemas.openxmlformats.org/presentationml/2006/main">
-  <p:cSld>
-    <p:spTree>
-      <p:nvGrpSpPr>
-        <p:cNvPr id="1" name=""/>
-        <p:cNvGrpSpPr/>
-        <p:nvPr/>
-      </p:nvGrpSpPr>
-      <p:grpSpPr>
-        <a:xfrm>
-          <a:off x="0" y="0"/>
-          <a:ext cx="0" cy="0"/>
-          <a:chOff x="0" y="0"/>
-          <a:chExt cx="0" cy="0"/>
-        </a:xfrm>
-      </p:grpSpPr>
-      <p:sp>
-        <p:nvSpPr>
-          <p:cNvPr id="2" name="Заголовок 1"/>
-          <p:cNvSpPr>
-            <a:spLocks noGrp="1"/>
-          </p:cNvSpPr>
-          <p:nvPr>
-            <p:ph type="title"/>
-          </p:nvPr>
-        </p:nvSpPr>
-        <p:spPr/>
-        <p:txBody>
-          <a:bodyPr>
-            <a:normAutofit/>
-          </a:bodyPr>
-          <a:lstStyle/>
-          <a:p>
-            <a:r>
-              <a:rPr lang="en-US" b="1" dirty="0" smtClean="0"/>
-              <a:t>Accelerated compositing mode</a:t>
-            </a:r>
-            <a:endParaRPr lang="ru-RU" dirty="0"/>
-          </a:p>
-        </p:txBody>
-      </p:sp>
-      <p:sp>
-        <p:nvSpPr>
-          <p:cNvPr id="3" name="Содержимое 2"/>
-          <p:cNvSpPr>
-            <a:spLocks noGrp="1"/>
-          </p:cNvSpPr>
-          <p:nvPr>
-            <p:ph idx="1"/>
-          </p:nvPr>
-        </p:nvSpPr>
-        <p:spPr/>
-        <p:txBody>
-          <a:bodyPr/>
-          <a:lstStyle/>
-          <a:p>
-            <a:pPr>
-              <a:buNone/>
-            </a:pPr>
-            <a:r>
-              <a:rPr lang="en-US" b="1" dirty="0" smtClean="0"/>
-              <a:t>Layer</a:t>
-            </a:r>
-            <a:r>
-              <a:rPr lang="en-US" dirty="0" smtClean="0"/>
-              <a:t> bitmaps are transferred to the GPU, combined ("composited"), and drawn on the screen.</a:t>
-            </a:r>
-            <a:endParaRPr lang="ru-RU" dirty="0"/>
-          </a:p>
-        </p:txBody>
-      </p:sp>
-    </p:spTree>
-  </p:cSld>
-  <p:clrMapOvr>
-    <a:masterClrMapping/>
-  </p:clrMapOvr>
-  <p:timing>
-    <p:tnLst>
-      <p:par>
-        <p:cTn id="1" dur="indefinite" restart="never" nodeType="tmRoot"/>
-      </p:par>
-    </p:tnLst>
-  </p:timing>
-</p:sld>
-</file>
-
 <file path=ppt/slides/slide21.xml><?xml version="1.0" encoding="utf-8"?>
 <p:sld xmlns:a="http://schemas.openxmlformats.org/drawingml/2006/main" xmlns:r="http://schemas.openxmlformats.org/officeDocument/2006/relationships" xmlns:p="http://schemas.openxmlformats.org/presentationml/2006/main">
   <p:cSld>
@@ -6976,7 +7453,7 @@
           <a:p>
             <a:r>
               <a:rPr lang="en-US" b="1" dirty="0" smtClean="0"/>
-              <a:t>Layer</a:t>
+              <a:t>Accelerated compositing mode</a:t>
             </a:r>
             <a:endParaRPr lang="ru-RU" dirty="0"/>
           </a:p>
@@ -7001,16 +7478,12 @@
               <a:buNone/>
             </a:pPr>
             <a:r>
+              <a:rPr lang="en-US" b="1" dirty="0" smtClean="0"/>
+              <a:t>Layer</a:t>
+            </a:r>
+            <a:r>
               <a:rPr lang="en-US" dirty="0" smtClean="0"/>
-              <a:t>Layer: section of the page, </a:t>
-            </a:r>
-            <a:r>
-              <a:rPr lang="en-US" dirty="0" err="1" smtClean="0"/>
-              <a:t>subtree</a:t>
-            </a:r>
-            <a:r>
-              <a:rPr lang="en-US" dirty="0" smtClean="0"/>
-              <a:t> of the DOM. Painted independently, composited on the GPU, and can stretch, move, and fade without repainting.</a:t>
+              <a:t> bitmaps are transferred to the GPU, combined ("composited"), and drawn on the screen.</a:t>
             </a:r>
             <a:endParaRPr lang="ru-RU" dirty="0"/>
           </a:p>
@@ -7032,6 +7505,97 @@
 </file>
 
 <file path=ppt/slides/slide22.xml><?xml version="1.0" encoding="utf-8"?>
+<p:sld xmlns:a="http://schemas.openxmlformats.org/drawingml/2006/main" xmlns:r="http://schemas.openxmlformats.org/officeDocument/2006/relationships" xmlns:p="http://schemas.openxmlformats.org/presentationml/2006/main">
+  <p:cSld>
+    <p:spTree>
+      <p:nvGrpSpPr>
+        <p:cNvPr id="1" name=""/>
+        <p:cNvGrpSpPr/>
+        <p:nvPr/>
+      </p:nvGrpSpPr>
+      <p:grpSpPr>
+        <a:xfrm>
+          <a:off x="0" y="0"/>
+          <a:ext cx="0" cy="0"/>
+          <a:chOff x="0" y="0"/>
+          <a:chExt cx="0" cy="0"/>
+        </a:xfrm>
+      </p:grpSpPr>
+      <p:sp>
+        <p:nvSpPr>
+          <p:cNvPr id="2" name="Заголовок 1"/>
+          <p:cNvSpPr>
+            <a:spLocks noGrp="1"/>
+          </p:cNvSpPr>
+          <p:nvPr>
+            <p:ph type="title"/>
+          </p:nvPr>
+        </p:nvSpPr>
+        <p:spPr/>
+        <p:txBody>
+          <a:bodyPr>
+            <a:normAutofit/>
+          </a:bodyPr>
+          <a:lstStyle/>
+          <a:p>
+            <a:r>
+              <a:rPr lang="en-US" b="1" dirty="0" smtClean="0"/>
+              <a:t>Layer</a:t>
+            </a:r>
+            <a:endParaRPr lang="ru-RU" dirty="0"/>
+          </a:p>
+        </p:txBody>
+      </p:sp>
+      <p:sp>
+        <p:nvSpPr>
+          <p:cNvPr id="3" name="Содержимое 2"/>
+          <p:cNvSpPr>
+            <a:spLocks noGrp="1"/>
+          </p:cNvSpPr>
+          <p:nvPr>
+            <p:ph idx="1"/>
+          </p:nvPr>
+        </p:nvSpPr>
+        <p:spPr/>
+        <p:txBody>
+          <a:bodyPr/>
+          <a:lstStyle/>
+          <a:p>
+            <a:pPr>
+              <a:buNone/>
+            </a:pPr>
+            <a:r>
+              <a:rPr lang="en-US" dirty="0" smtClean="0"/>
+              <a:t>Layer: section of the page, </a:t>
+            </a:r>
+            <a:r>
+              <a:rPr lang="en-US" dirty="0" err="1" smtClean="0"/>
+              <a:t>subtree</a:t>
+            </a:r>
+            <a:r>
+              <a:rPr lang="en-US" dirty="0" smtClean="0"/>
+              <a:t> of the DOM. Painted independently, composited on the GPU, and can stretch, move, and fade without repainting.</a:t>
+            </a:r>
+            <a:endParaRPr lang="ru-RU" dirty="0"/>
+          </a:p>
+        </p:txBody>
+      </p:sp>
+    </p:spTree>
+  </p:cSld>
+  <p:clrMapOvr>
+    <a:masterClrMapping/>
+  </p:clrMapOvr>
+  <p:timing>
+    <p:tnLst>
+      <p:par>
+        <p:cTn id="1" dur="indefinite" restart="never" nodeType="tmRoot"/>
+      </p:par>
+    </p:tnLst>
+  </p:timing>
+</p:sld>
+</file>
+
+<file path=ppt/slides/slide23.xml><?xml version="1.0" encoding="utf-8"?>
 <p:sld xmlns:a="http://schemas.openxmlformats.org/drawingml/2006/main" xmlns:r="http://schemas.openxmlformats.org/officeDocument/2006/relationships" xmlns:p="http://schemas.openxmlformats.org/presentationml/2006/main">
   <p:cSld>
     <p:spTree>
@@ -7451,93 +8015,6 @@
 </p:sld>
 </file>
 
-<file path=ppt/slides/slide23.xml><?xml version="1.0" encoding="utf-8"?>
-<p:sld xmlns:a="http://schemas.openxmlformats.org/drawingml/2006/main" xmlns:r="http://schemas.openxmlformats.org/officeDocument/2006/relationships" xmlns:p="http://schemas.openxmlformats.org/presentationml/2006/main">
-  <p:cSld>
-    <p:spTree>
-      <p:nvGrpSpPr>
-        <p:cNvPr id="1" name=""/>
-        <p:cNvGrpSpPr/>
-        <p:nvPr/>
-      </p:nvGrpSpPr>
-      <p:grpSpPr>
-        <a:xfrm>
-          <a:off x="0" y="0"/>
-          <a:ext cx="0" cy="0"/>
-          <a:chOff x="0" y="0"/>
-          <a:chExt cx="0" cy="0"/>
-        </a:xfrm>
-      </p:grpSpPr>
-      <p:sp>
-        <p:nvSpPr>
-          <p:cNvPr id="2" name="Заголовок 1"/>
-          <p:cNvSpPr>
-            <a:spLocks noGrp="1"/>
-          </p:cNvSpPr>
-          <p:nvPr>
-            <p:ph type="title"/>
-          </p:nvPr>
-        </p:nvSpPr>
-        <p:spPr/>
-        <p:txBody>
-          <a:bodyPr>
-            <a:normAutofit/>
-          </a:bodyPr>
-          <a:lstStyle/>
-          <a:p>
-            <a:r>
-              <a:rPr lang="en-US" b="1" dirty="0" smtClean="0"/>
-              <a:t>The cost of too many layers:</a:t>
-            </a:r>
-            <a:endParaRPr lang="ru-RU" dirty="0"/>
-          </a:p>
-        </p:txBody>
-      </p:sp>
-      <p:sp>
-        <p:nvSpPr>
-          <p:cNvPr id="3" name="Содержимое 2"/>
-          <p:cNvSpPr>
-            <a:spLocks noGrp="1"/>
-          </p:cNvSpPr>
-          <p:nvPr>
-            <p:ph idx="1"/>
-          </p:nvPr>
-        </p:nvSpPr>
-        <p:spPr/>
-        <p:txBody>
-          <a:bodyPr/>
-          <a:lstStyle/>
-          <a:p>
-            <a:pPr>
-              <a:buNone/>
-            </a:pPr>
-            <a:r>
-              <a:rPr lang="en-US" dirty="0"/>
-              <a:t>A</a:t>
-            </a:r>
-            <a:r>
-              <a:rPr lang="en-US" dirty="0" smtClean="0"/>
-              <a:t>dditional GPU and memory usage</a:t>
-            </a:r>
-            <a:endParaRPr lang="ru-RU" dirty="0"/>
-          </a:p>
-        </p:txBody>
-      </p:sp>
-    </p:spTree>
-  </p:cSld>
-  <p:clrMapOvr>
-    <a:masterClrMapping/>
-  </p:clrMapOvr>
-  <p:timing>
-    <p:tnLst>
-      <p:par>
-        <p:cTn id="1" dur="indefinite" restart="never" nodeType="tmRoot"/>
-      </p:par>
-    </p:tnLst>
-  </p:timing>
-</p:sld>
-</file>
-
 <file path=ppt/slides/slide24.xml><?xml version="1.0" encoding="utf-8"?>
 <p:sld xmlns:a="http://schemas.openxmlformats.org/drawingml/2006/main" xmlns:r="http://schemas.openxmlformats.org/officeDocument/2006/relationships" xmlns:p="http://schemas.openxmlformats.org/presentationml/2006/main">
   <p:cSld>
@@ -7574,7 +8051,7 @@
           <a:p>
             <a:r>
               <a:rPr lang="en-US" b="1" dirty="0" smtClean="0"/>
-              <a:t>Render profiling tools</a:t>
+              <a:t>The cost of too many layers:</a:t>
             </a:r>
             <a:endParaRPr lang="ru-RU" dirty="0"/>
           </a:p>
@@ -7595,44 +8072,22 @@
           <a:bodyPr/>
           <a:lstStyle/>
           <a:p>
+            <a:pPr>
+              <a:buNone/>
+            </a:pPr>
+            <a:r>
+              <a:rPr lang="en-US" dirty="0"/>
+              <a:t>A</a:t>
+            </a:r>
             <a:r>
               <a:rPr lang="en-US" dirty="0" smtClean="0"/>
-              <a:t>Show FPS </a:t>
-            </a:r>
-          </a:p>
-          <a:p>
-            <a:r>
-              <a:rPr lang="en-US" dirty="0" smtClean="0"/>
-              <a:t>Show paint rectangles</a:t>
-            </a:r>
-          </a:p>
-          <a:p>
-            <a:r>
-              <a:rPr lang="en-US" dirty="0" smtClean="0"/>
-              <a:t>Continuous page repainting</a:t>
-            </a:r>
-          </a:p>
-          <a:p>
-            <a:r>
-              <a:rPr lang="en-US" dirty="0" smtClean="0"/>
-              <a:t>Show composited layer borders</a:t>
-            </a:r>
-          </a:p>
-          <a:p>
-            <a:r>
-              <a:rPr lang="en-US" dirty="0" smtClean="0"/>
-              <a:t>Timeline -&gt; Frames</a:t>
+              <a:t>dditional GPU and memory usage</a:t>
             </a:r>
             <a:endParaRPr lang="ru-RU" dirty="0"/>
           </a:p>
         </p:txBody>
       </p:sp>
     </p:spTree>
-    <p:extLst>
-      <p:ext uri="{BB962C8B-B14F-4D97-AF65-F5344CB8AC3E}">
-        <p14:creationId xmlns:p14="http://schemas.microsoft.com/office/powerpoint/2010/main" val="465766718"/>
-      </p:ext>
-    </p:extLst>
   </p:cSld>
   <p:clrMapOvr>
     <a:masterClrMapping/>
@@ -7666,7 +8121,7 @@
       </p:grpSpPr>
       <p:sp>
         <p:nvSpPr>
-          <p:cNvPr id="2" name="Title 1"/>
+          <p:cNvPr id="2" name="Заголовок 1"/>
           <p:cNvSpPr>
             <a:spLocks noGrp="1"/>
           </p:cNvSpPr>
@@ -7674,35 +8129,72 @@
             <p:ph type="title"/>
           </p:nvPr>
         </p:nvSpPr>
-        <p:spPr>
-          <a:xfrm>
-            <a:off x="0" y="2819400"/>
-            <a:ext cx="9144000" cy="1143000"/>
-          </a:xfrm>
-        </p:spPr>
+        <p:spPr/>
         <p:txBody>
           <a:bodyPr>
-            <a:noAutofit/>
+            <a:normAutofit/>
           </a:bodyPr>
           <a:lstStyle/>
           <a:p>
-            <a:pPr algn="ctr"/>
-            <a:r>
-              <a:rPr lang="en-US" sz="9600" b="1" dirty="0"/>
-              <a:t>Questions</a:t>
-            </a:r>
-            <a:r>
-              <a:rPr lang="en-US" sz="9600" b="1" dirty="0" smtClean="0"/>
-              <a:t>?</a:t>
-            </a:r>
-            <a:endParaRPr lang="en-US" sz="9600" dirty="0"/>
+            <a:r>
+              <a:rPr lang="en-US" b="1" dirty="0" smtClean="0"/>
+              <a:t>Render profiling tools</a:t>
+            </a:r>
+            <a:endParaRPr lang="ru-RU" dirty="0"/>
+          </a:p>
+        </p:txBody>
+      </p:sp>
+      <p:sp>
+        <p:nvSpPr>
+          <p:cNvPr id="3" name="Содержимое 2"/>
+          <p:cNvSpPr>
+            <a:spLocks noGrp="1"/>
+          </p:cNvSpPr>
+          <p:nvPr>
+            <p:ph idx="1"/>
+          </p:nvPr>
+        </p:nvSpPr>
+        <p:spPr/>
+        <p:txBody>
+          <a:bodyPr/>
+          <a:lstStyle/>
+          <a:p>
+            <a:r>
+              <a:rPr lang="en-US" dirty="0" smtClean="0"/>
+              <a:t>Show FPS </a:t>
+            </a:r>
+          </a:p>
+          <a:p>
+            <a:r>
+              <a:rPr lang="en-US" dirty="0" smtClean="0"/>
+              <a:t>Show paint rectangles</a:t>
+            </a:r>
+          </a:p>
+          <a:p>
+            <a:r>
+              <a:rPr lang="en-US" dirty="0" smtClean="0"/>
+              <a:t>Continuous page repainting</a:t>
+            </a:r>
+          </a:p>
+          <a:p>
+            <a:r>
+              <a:rPr lang="en-US" dirty="0" smtClean="0"/>
+              <a:t>Show composited layer borders</a:t>
+            </a:r>
+          </a:p>
+          <a:p>
+            <a:r>
+              <a:rPr lang="en-US" dirty="0" smtClean="0"/>
+              <a:t>Timeline -&gt; Frames</a:t>
+            </a:r>
+            <a:endParaRPr lang="ru-RU" dirty="0"/>
           </a:p>
         </p:txBody>
       </p:sp>
     </p:spTree>
     <p:extLst>
       <p:ext uri="{BB962C8B-B14F-4D97-AF65-F5344CB8AC3E}">
-        <p14:creationId xmlns:p14="http://schemas.microsoft.com/office/powerpoint/2010/main" val="2052721824"/>
+        <p14:creationId xmlns:p14="http://schemas.microsoft.com/office/powerpoint/2010/main" val="465766718"/>
       </p:ext>
     </p:extLst>
   </p:cSld>
@@ -7738,7 +8230,7 @@
       </p:grpSpPr>
       <p:sp>
         <p:nvSpPr>
-          <p:cNvPr id="2" name="Заголовок 1"/>
+          <p:cNvPr id="2" name="Title 1"/>
           <p:cNvSpPr>
             <a:spLocks noGrp="1"/>
           </p:cNvSpPr>
@@ -7748,22 +8240,24 @@
         </p:nvSpPr>
         <p:spPr/>
         <p:txBody>
-          <a:bodyPr>
-            <a:normAutofit/>
-          </a:bodyPr>
+          <a:bodyPr/>
           <a:lstStyle/>
           <a:p>
             <a:r>
-              <a:rPr lang="en-US" b="1" dirty="0" smtClean="0"/>
-              <a:t>Resources</a:t>
-            </a:r>
-            <a:endParaRPr lang="ru-RU" dirty="0"/>
-          </a:p>
-        </p:txBody>
-      </p:sp>
-      <p:sp>
-        <p:nvSpPr>
-          <p:cNvPr id="3" name="Содержимое 2"/>
+              <a:rPr lang="en-US"/>
+              <a:t>R</a:t>
+            </a:r>
+            <a:r>
+              <a:rPr lang="en-US" smtClean="0"/>
+              <a:t>ecommendation</a:t>
+            </a:r>
+            <a:endParaRPr lang="en-US" dirty="0"/>
+          </a:p>
+        </p:txBody>
+      </p:sp>
+      <p:sp>
+        <p:nvSpPr>
+          <p:cNvPr id="3" name="Content Placeholder 2"/>
           <p:cNvSpPr>
             <a:spLocks noGrp="1"/>
           </p:cNvSpPr>
@@ -7771,130 +8265,32 @@
             <p:ph idx="1"/>
           </p:nvPr>
         </p:nvSpPr>
-        <p:spPr>
-          <a:xfrm>
-            <a:off x="0" y="1600200"/>
-            <a:ext cx="9144000" cy="5257800"/>
-          </a:xfrm>
-        </p:spPr>
-        <p:txBody>
-          <a:bodyPr>
-            <a:normAutofit fontScale="92500" lnSpcReduction="20000"/>
-          </a:bodyPr>
+        <p:spPr/>
+        <p:txBody>
+          <a:bodyPr/>
           <a:lstStyle/>
           <a:p>
-            <a:r>
-              <a:rPr lang="en-US" dirty="0" smtClean="0">
-                <a:hlinkClick r:id="rId2"/>
-              </a:rPr>
-              <a:t>How Browsers Work</a:t>
-            </a:r>
-            <a:endParaRPr lang="en-US" dirty="0" smtClean="0"/>
-          </a:p>
-          <a:p>
-            <a:r>
-              <a:rPr lang="en-US" dirty="0" smtClean="0">
-                <a:hlinkClick r:id="rId3"/>
-              </a:rPr>
-              <a:t>http://jankfree.org/</a:t>
-            </a:r>
-            <a:endParaRPr lang="en-US" dirty="0" smtClean="0"/>
-          </a:p>
-          <a:p>
-            <a:r>
-              <a:rPr lang="en-US" dirty="0" err="1" smtClean="0">
-                <a:hlinkClick r:id="rId4"/>
-              </a:rPr>
-              <a:t>Jank</a:t>
-            </a:r>
-            <a:r>
-              <a:rPr lang="en-US" dirty="0" smtClean="0">
-                <a:hlinkClick r:id="rId4"/>
-              </a:rPr>
-              <a:t> Free: Chrome Rendering Performance</a:t>
-            </a:r>
-            <a:endParaRPr lang="en-US" dirty="0" smtClean="0"/>
-          </a:p>
-          <a:p>
-            <a:r>
-              <a:rPr lang="en-US" dirty="0" smtClean="0">
-                <a:hlinkClick r:id="rId5"/>
-              </a:rPr>
-              <a:t>Compositing in Blink and </a:t>
-            </a:r>
-            <a:r>
-              <a:rPr lang="en-US" dirty="0" err="1" smtClean="0">
-                <a:hlinkClick r:id="rId5"/>
-              </a:rPr>
-              <a:t>WebKit</a:t>
-            </a:r>
-            <a:endParaRPr lang="en-US" dirty="0" smtClean="0"/>
-          </a:p>
-          <a:p>
-            <a:r>
-              <a:rPr lang="en-US" dirty="0" smtClean="0">
-                <a:hlinkClick r:id="rId6"/>
-              </a:rPr>
-              <a:t>Trace Event Profiling Tool (</a:t>
-            </a:r>
-            <a:r>
-              <a:rPr lang="en-US" dirty="0" err="1" smtClean="0">
-                <a:hlinkClick r:id="rId6"/>
-              </a:rPr>
-              <a:t>about:tracing</a:t>
-            </a:r>
-            <a:r>
-              <a:rPr lang="en-US" dirty="0" smtClean="0">
-                <a:hlinkClick r:id="rId6"/>
-              </a:rPr>
-              <a:t>)</a:t>
-            </a:r>
-            <a:endParaRPr lang="en-US" dirty="0" smtClean="0"/>
-          </a:p>
-          <a:p>
-            <a:r>
-              <a:rPr lang="en-US" dirty="0" smtClean="0">
-                <a:hlinkClick r:id="rId7"/>
-              </a:rPr>
-              <a:t>GPU Accelerated Compositing in Chrome</a:t>
-            </a:r>
-            <a:endParaRPr lang="en-US" dirty="0" smtClean="0"/>
-          </a:p>
-          <a:p>
-            <a:r>
-              <a:rPr lang="en-US" dirty="0" smtClean="0">
-                <a:hlinkClick r:id="rId8"/>
-              </a:rPr>
-              <a:t>CSS Paint Times and Page Render Weight</a:t>
-            </a:r>
-            <a:endParaRPr lang="en-US" dirty="0" smtClean="0"/>
-          </a:p>
-          <a:p>
-            <a:r>
-              <a:rPr lang="en-US" dirty="0">
-                <a:hlinkClick r:id="rId9"/>
-              </a:rPr>
-              <a:t>http://dev.chromium.org/developers/tech-talk-videos</a:t>
-            </a:r>
-            <a:endParaRPr lang="en-US" dirty="0" smtClean="0"/>
-          </a:p>
-          <a:p>
-            <a:endParaRPr lang="en-US" dirty="0" smtClean="0"/>
+            <a:pPr marL="0" indent="0">
+              <a:buNone/>
+            </a:pPr>
+            <a:r>
+              <a:rPr lang="en-US" dirty="0" smtClean="0"/>
+              <a:t>Keep the DOM as small as possible.</a:t>
+            </a:r>
+            <a:endParaRPr lang="en-US" dirty="0"/>
           </a:p>
         </p:txBody>
       </p:sp>
     </p:spTree>
+    <p:extLst>
+      <p:ext uri="{BB962C8B-B14F-4D97-AF65-F5344CB8AC3E}">
+        <p14:creationId xmlns:p14="http://schemas.microsoft.com/office/powerpoint/2010/main" val="2188086101"/>
+      </p:ext>
+    </p:extLst>
   </p:cSld>
   <p:clrMapOvr>
     <a:masterClrMapping/>
   </p:clrMapOvr>
-  <p:timing>
-    <p:tnLst>
-      <p:par>
-        <p:cTn id="1" dur="indefinite" restart="never" nodeType="tmRoot"/>
-      </p:par>
-    </p:tnLst>
-  </p:timing>
 </p:sld>
 </file>
 
@@ -7939,66 +8335,21 @@
           <a:p>
             <a:pPr algn="ctr"/>
             <a:r>
+              <a:rPr lang="en-US" sz="9600" b="1" dirty="0"/>
+              <a:t>Questions</a:t>
+            </a:r>
+            <a:r>
               <a:rPr lang="en-US" sz="9600" b="1" dirty="0" smtClean="0"/>
-              <a:t>Thanks!</a:t>
+              <a:t>?</a:t>
             </a:r>
             <a:endParaRPr lang="en-US" sz="9600" dirty="0"/>
-          </a:p>
-        </p:txBody>
-      </p:sp>
-      <p:sp>
-        <p:nvSpPr>
-          <p:cNvPr id="3" name="TextBox 2"/>
-          <p:cNvSpPr txBox="1"/>
-          <p:nvPr/>
-        </p:nvSpPr>
-        <p:spPr>
-          <a:xfrm>
-            <a:off x="0" y="6273225"/>
-            <a:ext cx="9296400" cy="584775"/>
-          </a:xfrm>
-          <a:prstGeom prst="rect">
-            <a:avLst/>
-          </a:prstGeom>
-          <a:solidFill>
-            <a:schemeClr val="tx1">
-              <a:alpha val="55000"/>
-            </a:schemeClr>
-          </a:solidFill>
-        </p:spPr>
-        <p:txBody>
-          <a:bodyPr wrap="square" rIns="274320" rtlCol="0" anchor="ctr">
-            <a:spAutoFit/>
-          </a:bodyPr>
-          <a:lstStyle/>
-          <a:p>
-            <a:pPr lvl="1" algn="r"/>
-            <a:r>
-              <a:rPr lang="en-US" sz="3200" dirty="0" smtClean="0">
-                <a:solidFill>
-                  <a:schemeClr val="bg1"/>
-                </a:solidFill>
-                <a:latin typeface="+mj-lt"/>
-                <a:ea typeface="Verdana" pitchFamily="34" charset="0"/>
-                <a:cs typeface="Arial" pitchFamily="34" charset="0"/>
-              </a:rPr>
-              <a:t>Dzmitry.Varabei@gmail.com</a:t>
-            </a:r>
-            <a:endParaRPr lang="en-US" sz="3200" dirty="0">
-              <a:solidFill>
-                <a:schemeClr val="bg1"/>
-              </a:solidFill>
-              <a:latin typeface="+mj-lt"/>
-              <a:ea typeface="Verdana" pitchFamily="34" charset="0"/>
-              <a:cs typeface="Arial" pitchFamily="34" charset="0"/>
-            </a:endParaRPr>
           </a:p>
         </p:txBody>
       </p:sp>
     </p:spTree>
     <p:extLst>
       <p:ext uri="{BB962C8B-B14F-4D97-AF65-F5344CB8AC3E}">
-        <p14:creationId xmlns:p14="http://schemas.microsoft.com/office/powerpoint/2010/main" val="732571543"/>
+        <p14:creationId xmlns:p14="http://schemas.microsoft.com/office/powerpoint/2010/main" val="2052721824"/>
       </p:ext>
     </p:extLst>
   </p:cSld>
@@ -8012,6 +8363,280 @@
       </p:par>
     </p:tnLst>
   </p:timing>
+</p:sld>
+</file>
+
+<file path=ppt/slides/slide28.xml><?xml version="1.0" encoding="utf-8"?>
+<p:sld xmlns:a="http://schemas.openxmlformats.org/drawingml/2006/main" xmlns:r="http://schemas.openxmlformats.org/officeDocument/2006/relationships" xmlns:p="http://schemas.openxmlformats.org/presentationml/2006/main">
+  <p:cSld>
+    <p:spTree>
+      <p:nvGrpSpPr>
+        <p:cNvPr id="1" name=""/>
+        <p:cNvGrpSpPr/>
+        <p:nvPr/>
+      </p:nvGrpSpPr>
+      <p:grpSpPr>
+        <a:xfrm>
+          <a:off x="0" y="0"/>
+          <a:ext cx="0" cy="0"/>
+          <a:chOff x="0" y="0"/>
+          <a:chExt cx="0" cy="0"/>
+        </a:xfrm>
+      </p:grpSpPr>
+      <p:sp>
+        <p:nvSpPr>
+          <p:cNvPr id="2" name="Заголовок 1"/>
+          <p:cNvSpPr>
+            <a:spLocks noGrp="1"/>
+          </p:cNvSpPr>
+          <p:nvPr>
+            <p:ph type="title"/>
+          </p:nvPr>
+        </p:nvSpPr>
+        <p:spPr/>
+        <p:txBody>
+          <a:bodyPr>
+            <a:normAutofit/>
+          </a:bodyPr>
+          <a:lstStyle/>
+          <a:p>
+            <a:r>
+              <a:rPr lang="en-US" b="1" dirty="0" smtClean="0"/>
+              <a:t>Resources</a:t>
+            </a:r>
+            <a:endParaRPr lang="ru-RU" dirty="0"/>
+          </a:p>
+        </p:txBody>
+      </p:sp>
+      <p:sp>
+        <p:nvSpPr>
+          <p:cNvPr id="3" name="Содержимое 2"/>
+          <p:cNvSpPr>
+            <a:spLocks noGrp="1"/>
+          </p:cNvSpPr>
+          <p:nvPr>
+            <p:ph idx="1"/>
+          </p:nvPr>
+        </p:nvSpPr>
+        <p:spPr>
+          <a:xfrm>
+            <a:off x="0" y="1600200"/>
+            <a:ext cx="9144000" cy="5257800"/>
+          </a:xfrm>
+        </p:spPr>
+        <p:txBody>
+          <a:bodyPr>
+            <a:normAutofit fontScale="92500" lnSpcReduction="20000"/>
+          </a:bodyPr>
+          <a:lstStyle/>
+          <a:p>
+            <a:r>
+              <a:rPr lang="en-US" dirty="0" smtClean="0">
+                <a:hlinkClick r:id="rId2"/>
+              </a:rPr>
+              <a:t>How Browsers Work</a:t>
+            </a:r>
+            <a:endParaRPr lang="en-US" dirty="0" smtClean="0"/>
+          </a:p>
+          <a:p>
+            <a:r>
+              <a:rPr lang="en-US" dirty="0" smtClean="0">
+                <a:hlinkClick r:id="rId3"/>
+              </a:rPr>
+              <a:t>http://jankfree.org/</a:t>
+            </a:r>
+            <a:endParaRPr lang="en-US" dirty="0" smtClean="0"/>
+          </a:p>
+          <a:p>
+            <a:r>
+              <a:rPr lang="en-US" dirty="0" err="1" smtClean="0">
+                <a:hlinkClick r:id="rId4"/>
+              </a:rPr>
+              <a:t>Jank</a:t>
+            </a:r>
+            <a:r>
+              <a:rPr lang="en-US" dirty="0" smtClean="0">
+                <a:hlinkClick r:id="rId4"/>
+              </a:rPr>
+              <a:t> Free: Chrome Rendering Performance</a:t>
+            </a:r>
+            <a:endParaRPr lang="en-US" dirty="0" smtClean="0"/>
+          </a:p>
+          <a:p>
+            <a:r>
+              <a:rPr lang="en-US" dirty="0" smtClean="0">
+                <a:hlinkClick r:id="rId5"/>
+              </a:rPr>
+              <a:t>Compositing in Blink and </a:t>
+            </a:r>
+            <a:r>
+              <a:rPr lang="en-US" dirty="0" err="1" smtClean="0">
+                <a:hlinkClick r:id="rId5"/>
+              </a:rPr>
+              <a:t>WebKit</a:t>
+            </a:r>
+            <a:endParaRPr lang="en-US" dirty="0" smtClean="0"/>
+          </a:p>
+          <a:p>
+            <a:r>
+              <a:rPr lang="en-US" dirty="0" smtClean="0">
+                <a:hlinkClick r:id="rId6"/>
+              </a:rPr>
+              <a:t>Trace Event Profiling Tool (</a:t>
+            </a:r>
+            <a:r>
+              <a:rPr lang="en-US" dirty="0" err="1" smtClean="0">
+                <a:hlinkClick r:id="rId6"/>
+              </a:rPr>
+              <a:t>about:tracing</a:t>
+            </a:r>
+            <a:r>
+              <a:rPr lang="en-US" dirty="0" smtClean="0">
+                <a:hlinkClick r:id="rId6"/>
+              </a:rPr>
+              <a:t>)</a:t>
+            </a:r>
+            <a:endParaRPr lang="en-US" dirty="0" smtClean="0"/>
+          </a:p>
+          <a:p>
+            <a:r>
+              <a:rPr lang="en-US" dirty="0" smtClean="0">
+                <a:hlinkClick r:id="rId7"/>
+              </a:rPr>
+              <a:t>GPU Accelerated Compositing in Chrome</a:t>
+            </a:r>
+            <a:endParaRPr lang="en-US" dirty="0" smtClean="0"/>
+          </a:p>
+          <a:p>
+            <a:r>
+              <a:rPr lang="en-US" dirty="0" smtClean="0">
+                <a:hlinkClick r:id="rId8"/>
+              </a:rPr>
+              <a:t>CSS Paint Times and Page Render Weight</a:t>
+            </a:r>
+            <a:endParaRPr lang="en-US" dirty="0" smtClean="0"/>
+          </a:p>
+          <a:p>
+            <a:r>
+              <a:rPr lang="en-US" dirty="0">
+                <a:hlinkClick r:id="rId9"/>
+              </a:rPr>
+              <a:t>http://dev.chromium.org/developers/tech-talk-videos</a:t>
+            </a:r>
+            <a:endParaRPr lang="en-US" dirty="0" smtClean="0"/>
+          </a:p>
+          <a:p>
+            <a:endParaRPr lang="en-US" dirty="0" smtClean="0"/>
+          </a:p>
+        </p:txBody>
+      </p:sp>
+    </p:spTree>
+  </p:cSld>
+  <p:clrMapOvr>
+    <a:masterClrMapping/>
+  </p:clrMapOvr>
+  <p:timing>
+    <p:tnLst>
+      <p:par>
+        <p:cTn id="1" dur="indefinite" restart="never" nodeType="tmRoot"/>
+      </p:par>
+    </p:tnLst>
+  </p:timing>
+</p:sld>
+</file>
+
+<file path=ppt/slides/slide29.xml><?xml version="1.0" encoding="utf-8"?>
+<p:sld xmlns:a="http://schemas.openxmlformats.org/drawingml/2006/main" xmlns:r="http://schemas.openxmlformats.org/officeDocument/2006/relationships" xmlns:p="http://schemas.openxmlformats.org/presentationml/2006/main">
+  <p:cSld>
+    <p:spTree>
+      <p:nvGrpSpPr>
+        <p:cNvPr id="1" name=""/>
+        <p:cNvGrpSpPr/>
+        <p:nvPr/>
+      </p:nvGrpSpPr>
+      <p:grpSpPr>
+        <a:xfrm>
+          <a:off x="0" y="0"/>
+          <a:ext cx="0" cy="0"/>
+          <a:chOff x="0" y="0"/>
+          <a:chExt cx="0" cy="0"/>
+        </a:xfrm>
+      </p:grpSpPr>
+      <p:sp>
+        <p:nvSpPr>
+          <p:cNvPr id="2" name="Title 1"/>
+          <p:cNvSpPr>
+            <a:spLocks noGrp="1"/>
+          </p:cNvSpPr>
+          <p:nvPr>
+            <p:ph type="title"/>
+          </p:nvPr>
+        </p:nvSpPr>
+        <p:spPr/>
+        <p:txBody>
+          <a:bodyPr>
+            <a:normAutofit/>
+          </a:bodyPr>
+          <a:lstStyle/>
+          <a:p>
+            <a:r>
+              <a:rPr lang="en-US" dirty="0" smtClean="0"/>
+              <a:t>Layout boundaries</a:t>
+            </a:r>
+            <a:endParaRPr lang="en-US" dirty="0"/>
+          </a:p>
+        </p:txBody>
+      </p:sp>
+      <p:sp>
+        <p:nvSpPr>
+          <p:cNvPr id="3" name="Content Placeholder 2"/>
+          <p:cNvSpPr>
+            <a:spLocks noGrp="1"/>
+          </p:cNvSpPr>
+          <p:nvPr>
+            <p:ph idx="1"/>
+          </p:nvPr>
+        </p:nvSpPr>
+        <p:spPr/>
+        <p:txBody>
+          <a:bodyPr/>
+          <a:lstStyle/>
+          <a:p>
+            <a:pPr marL="0" indent="0">
+              <a:buNone/>
+            </a:pPr>
+            <a:r>
+              <a:rPr lang="en-US" dirty="0">
+                <a:hlinkClick r:id="rId2"/>
+              </a:rPr>
+              <a:t>http://wilsonpage.co.uk/introducing-layout-boundaries</a:t>
+            </a:r>
+            <a:r>
+              <a:rPr lang="en-US" dirty="0" smtClean="0">
+                <a:hlinkClick r:id="rId2"/>
+              </a:rPr>
+              <a:t>/</a:t>
+            </a:r>
+            <a:endParaRPr lang="en-US" dirty="0" smtClean="0"/>
+          </a:p>
+          <a:p>
+            <a:pPr marL="0" indent="0">
+              <a:buNone/>
+            </a:pPr>
+            <a:endParaRPr lang="en-US" dirty="0"/>
+          </a:p>
+        </p:txBody>
+      </p:sp>
+    </p:spTree>
+    <p:extLst>
+      <p:ext uri="{BB962C8B-B14F-4D97-AF65-F5344CB8AC3E}">
+        <p14:creationId xmlns:p14="http://schemas.microsoft.com/office/powerpoint/2010/main" val="1013595594"/>
+      </p:ext>
+    </p:extLst>
+  </p:cSld>
+  <p:clrMapOvr>
+    <a:masterClrMapping/>
+  </p:clrMapOvr>
 </p:sld>
 </file>
 
@@ -8086,8 +8711,18 @@
           <a:lstStyle/>
           <a:p>
             <a:r>
+              <a:rPr lang="en-US" dirty="0" smtClean="0"/>
+              <a:t>Request a page from server</a:t>
+            </a:r>
+          </a:p>
+          <a:p>
+            <a:r>
+              <a:rPr lang="en-US" dirty="0" smtClean="0"/>
+              <a:t>Parse </a:t>
+            </a:r>
+            <a:r>
               <a:rPr lang="en-US" dirty="0"/>
-              <a:t>Parse HTML and CSS </a:t>
+              <a:t>HTML and CSS </a:t>
             </a:r>
             <a:r>
               <a:rPr lang="en-US" dirty="0" smtClean="0"/>
@@ -8096,13 +8731,14 @@
           </a:p>
           <a:p>
             <a:r>
-              <a:rPr lang="en-US" dirty="0"/>
-              <a:t>Build the </a:t>
-            </a:r>
-            <a:r>
               <a:rPr lang="en-US" dirty="0" smtClean="0"/>
-              <a:t>DOM</a:t>
-            </a:r>
+              <a:t>Construct</a:t>
+            </a:r>
+            <a:r>
+              <a:rPr lang="en-US" dirty="0" smtClean="0"/>
+              <a:t> DOM tree</a:t>
+            </a:r>
+            <a:endParaRPr lang="en-US" dirty="0" smtClean="0"/>
           </a:p>
         </p:txBody>
       </p:sp>
@@ -8152,7 +8788,7 @@
                                         <p:tgtEl>
                                           <p:spTgt spid="3">
                                             <p:txEl>
-                                              <p:pRg st="1" end="1"/>
+                                              <p:pRg st="2" end="2"/>
                                             </p:txEl>
                                           </p:spTgt>
                                         </p:tgtEl>
@@ -8198,6 +8834,218 @@
 </p:sld>
 </file>
 
+<file path=ppt/slides/slide30.xml><?xml version="1.0" encoding="utf-8"?>
+<p:sld xmlns:a="http://schemas.openxmlformats.org/drawingml/2006/main" xmlns:r="http://schemas.openxmlformats.org/officeDocument/2006/relationships" xmlns:p="http://schemas.openxmlformats.org/presentationml/2006/main">
+  <p:cSld>
+    <p:spTree>
+      <p:nvGrpSpPr>
+        <p:cNvPr id="1" name=""/>
+        <p:cNvGrpSpPr/>
+        <p:nvPr/>
+      </p:nvGrpSpPr>
+      <p:grpSpPr>
+        <a:xfrm>
+          <a:off x="0" y="0"/>
+          <a:ext cx="0" cy="0"/>
+          <a:chOff x="0" y="0"/>
+          <a:chExt cx="0" cy="0"/>
+        </a:xfrm>
+      </p:grpSpPr>
+      <p:sp>
+        <p:nvSpPr>
+          <p:cNvPr id="2" name="Title 1"/>
+          <p:cNvSpPr>
+            <a:spLocks noGrp="1"/>
+          </p:cNvSpPr>
+          <p:nvPr>
+            <p:ph type="title"/>
+          </p:nvPr>
+        </p:nvSpPr>
+        <p:spPr/>
+        <p:txBody>
+          <a:bodyPr>
+            <a:normAutofit/>
+          </a:bodyPr>
+          <a:lstStyle/>
+          <a:p>
+            <a:r>
+              <a:rPr lang="en-US" dirty="0" smtClean="0"/>
+              <a:t>CSS Triggers</a:t>
+            </a:r>
+            <a:endParaRPr lang="en-US" dirty="0"/>
+          </a:p>
+        </p:txBody>
+      </p:sp>
+      <p:sp>
+        <p:nvSpPr>
+          <p:cNvPr id="3" name="Content Placeholder 2"/>
+          <p:cNvSpPr>
+            <a:spLocks noGrp="1"/>
+          </p:cNvSpPr>
+          <p:nvPr>
+            <p:ph idx="1"/>
+          </p:nvPr>
+        </p:nvSpPr>
+        <p:spPr/>
+        <p:txBody>
+          <a:bodyPr/>
+          <a:lstStyle/>
+          <a:p>
+            <a:pPr marL="0" indent="0">
+              <a:buNone/>
+            </a:pPr>
+            <a:r>
+              <a:rPr lang="en-US" dirty="0">
+                <a:hlinkClick r:id="rId2"/>
+              </a:rPr>
+              <a:t>http://csstriggers.com</a:t>
+            </a:r>
+            <a:r>
+              <a:rPr lang="en-US" dirty="0" smtClean="0">
+                <a:hlinkClick r:id="rId2"/>
+              </a:rPr>
+              <a:t>/</a:t>
+            </a:r>
+            <a:endParaRPr lang="en-US" dirty="0" smtClean="0"/>
+          </a:p>
+          <a:p>
+            <a:pPr marL="0" indent="0">
+              <a:buNone/>
+            </a:pPr>
+            <a:endParaRPr lang="en-US" dirty="0"/>
+          </a:p>
+        </p:txBody>
+      </p:sp>
+    </p:spTree>
+    <p:extLst>
+      <p:ext uri="{BB962C8B-B14F-4D97-AF65-F5344CB8AC3E}">
+        <p14:creationId xmlns:p14="http://schemas.microsoft.com/office/powerpoint/2010/main" val="1962945837"/>
+      </p:ext>
+    </p:extLst>
+  </p:cSld>
+  <p:clrMapOvr>
+    <a:masterClrMapping/>
+  </p:clrMapOvr>
+</p:sld>
+</file>
+
+<file path=ppt/slides/slide31.xml><?xml version="1.0" encoding="utf-8"?>
+<p:sld xmlns:a="http://schemas.openxmlformats.org/drawingml/2006/main" xmlns:r="http://schemas.openxmlformats.org/officeDocument/2006/relationships" xmlns:p="http://schemas.openxmlformats.org/presentationml/2006/main">
+  <p:cSld>
+    <p:spTree>
+      <p:nvGrpSpPr>
+        <p:cNvPr id="1" name=""/>
+        <p:cNvGrpSpPr/>
+        <p:nvPr/>
+      </p:nvGrpSpPr>
+      <p:grpSpPr>
+        <a:xfrm>
+          <a:off x="0" y="0"/>
+          <a:ext cx="0" cy="0"/>
+          <a:chOff x="0" y="0"/>
+          <a:chExt cx="0" cy="0"/>
+        </a:xfrm>
+      </p:grpSpPr>
+      <p:sp>
+        <p:nvSpPr>
+          <p:cNvPr id="2" name="Title 1"/>
+          <p:cNvSpPr>
+            <a:spLocks noGrp="1"/>
+          </p:cNvSpPr>
+          <p:nvPr>
+            <p:ph type="title"/>
+          </p:nvPr>
+        </p:nvSpPr>
+        <p:spPr>
+          <a:xfrm>
+            <a:off x="0" y="2819400"/>
+            <a:ext cx="9144000" cy="1143000"/>
+          </a:xfrm>
+        </p:spPr>
+        <p:txBody>
+          <a:bodyPr>
+            <a:noAutofit/>
+          </a:bodyPr>
+          <a:lstStyle/>
+          <a:p>
+            <a:pPr algn="ctr"/>
+            <a:r>
+              <a:rPr lang="en-US" sz="9600" b="1" dirty="0" smtClean="0"/>
+              <a:t>Thanks!</a:t>
+            </a:r>
+            <a:endParaRPr lang="en-US" sz="9600" dirty="0"/>
+          </a:p>
+        </p:txBody>
+      </p:sp>
+      <p:sp>
+        <p:nvSpPr>
+          <p:cNvPr id="3" name="TextBox 2"/>
+          <p:cNvSpPr txBox="1"/>
+          <p:nvPr/>
+        </p:nvSpPr>
+        <p:spPr>
+          <a:xfrm>
+            <a:off x="0" y="6273225"/>
+            <a:ext cx="9296400" cy="584775"/>
+          </a:xfrm>
+          <a:prstGeom prst="rect">
+            <a:avLst/>
+          </a:prstGeom>
+          <a:solidFill>
+            <a:schemeClr val="tx1">
+              <a:alpha val="55000"/>
+            </a:schemeClr>
+          </a:solidFill>
+        </p:spPr>
+        <p:txBody>
+          <a:bodyPr wrap="square" rIns="274320" rtlCol="0" anchor="ctr">
+            <a:spAutoFit/>
+          </a:bodyPr>
+          <a:lstStyle/>
+          <a:p>
+            <a:pPr lvl="1" algn="r"/>
+            <a:r>
+              <a:rPr lang="en-US" sz="3200" dirty="0" smtClean="0">
+                <a:solidFill>
+                  <a:schemeClr val="bg1"/>
+                </a:solidFill>
+                <a:latin typeface="+mj-lt"/>
+                <a:ea typeface="Verdana" pitchFamily="34" charset="0"/>
+                <a:cs typeface="Arial" pitchFamily="34" charset="0"/>
+              </a:rPr>
+              <a:t>Dzmitry.Varabei@gmail.com</a:t>
+            </a:r>
+            <a:endParaRPr lang="en-US" sz="3200" dirty="0">
+              <a:solidFill>
+                <a:schemeClr val="bg1"/>
+              </a:solidFill>
+              <a:latin typeface="+mj-lt"/>
+              <a:ea typeface="Verdana" pitchFamily="34" charset="0"/>
+              <a:cs typeface="Arial" pitchFamily="34" charset="0"/>
+            </a:endParaRPr>
+          </a:p>
+        </p:txBody>
+      </p:sp>
+    </p:spTree>
+    <p:extLst>
+      <p:ext uri="{BB962C8B-B14F-4D97-AF65-F5344CB8AC3E}">
+        <p14:creationId xmlns:p14="http://schemas.microsoft.com/office/powerpoint/2010/main" val="732571543"/>
+      </p:ext>
+    </p:extLst>
+  </p:cSld>
+  <p:clrMapOvr>
+    <a:masterClrMapping/>
+  </p:clrMapOvr>
+  <p:timing>
+    <p:tnLst>
+      <p:par>
+        <p:cTn id="1" dur="indefinite" restart="never" nodeType="tmRoot"/>
+      </p:par>
+    </p:tnLst>
+  </p:timing>
+</p:sld>
+</file>
+
 <file path=ppt/slides/slide4.xml><?xml version="1.0" encoding="utf-8"?>
 <p:sld xmlns:a="http://schemas.openxmlformats.org/drawingml/2006/main" xmlns:r="http://schemas.openxmlformats.org/officeDocument/2006/relationships" xmlns:p="http://schemas.openxmlformats.org/presentationml/2006/main">
   <p:cSld>
@@ -8750,66 +9598,76 @@
           <a:lstStyle/>
           <a:p>
             <a:r>
-              <a:rPr lang="en-US" dirty="0">
+              <a:rPr lang="en-US" sz="3200" dirty="0">
                 <a:solidFill>
                   <a:schemeClr val="bg1">
                     <a:lumMod val="50000"/>
                   </a:schemeClr>
                 </a:solidFill>
               </a:rPr>
-              <a:t>Parse HTML and CSS </a:t>
-            </a:r>
-            <a:r>
-              <a:rPr lang="en-US" dirty="0" smtClean="0">
+              <a:t>Request a page from server</a:t>
+            </a:r>
+          </a:p>
+          <a:p>
+            <a:r>
+              <a:rPr lang="en-US" sz="3200" dirty="0">
                 <a:solidFill>
                   <a:schemeClr val="bg1">
                     <a:lumMod val="50000"/>
                   </a:schemeClr>
                 </a:solidFill>
               </a:rPr>
-              <a:t>files</a:t>
-            </a:r>
-          </a:p>
-          <a:p>
-            <a:r>
-              <a:rPr lang="en-US" dirty="0">
+              <a:t>Parse HTML and CSS files</a:t>
+            </a:r>
+          </a:p>
+          <a:p>
+            <a:r>
+              <a:rPr lang="en-US" sz="3200" dirty="0">
                 <a:solidFill>
                   <a:schemeClr val="bg1">
                     <a:lumMod val="50000"/>
                   </a:schemeClr>
                 </a:solidFill>
               </a:rPr>
-              <a:t>Build the </a:t>
-            </a:r>
-            <a:r>
-              <a:rPr lang="en-US" dirty="0" smtClean="0">
-                <a:solidFill>
-                  <a:schemeClr val="bg1">
-                    <a:lumMod val="50000"/>
-                  </a:schemeClr>
-                </a:solidFill>
-              </a:rPr>
-              <a:t>DOM</a:t>
-            </a:r>
-          </a:p>
-          <a:p>
-            <a:r>
-              <a:rPr lang="en-US" dirty="0"/>
-              <a:t>Calculate CSS property </a:t>
-            </a:r>
-            <a:r>
-              <a:rPr lang="en-US" dirty="0" smtClean="0"/>
-              <a:t>values</a:t>
-            </a:r>
-          </a:p>
-          <a:p>
-            <a:r>
-              <a:rPr lang="en-US" dirty="0"/>
-              <a:t>Build the rendering </a:t>
-            </a:r>
-            <a:r>
-              <a:rPr lang="en-US" dirty="0" smtClean="0"/>
-              <a:t>tree</a:t>
+              <a:t>Construct DOM tree</a:t>
+            </a:r>
+          </a:p>
+          <a:p>
+            <a:r>
+              <a:rPr lang="en-US" sz="3200" dirty="0" smtClean="0"/>
+              <a:t>Construct CSSOM (from </a:t>
+            </a:r>
+            <a:r>
+              <a:rPr lang="en-US" sz="3200" dirty="0"/>
+              <a:t>user agent and style </a:t>
+            </a:r>
+            <a:r>
+              <a:rPr lang="en-US" sz="3200" dirty="0" smtClean="0"/>
+              <a:t>sheets)</a:t>
+            </a:r>
+          </a:p>
+          <a:p>
+            <a:r>
+              <a:rPr lang="en-US" sz="3200" dirty="0"/>
+              <a:t>C</a:t>
+            </a:r>
+            <a:r>
+              <a:rPr lang="en-US" sz="3200" dirty="0" smtClean="0"/>
+              <a:t>ombine </a:t>
+            </a:r>
+            <a:r>
+              <a:rPr lang="en-US" sz="3200" dirty="0"/>
+              <a:t>DOM and </a:t>
+            </a:r>
+            <a:r>
+              <a:rPr lang="en-US" sz="3200" dirty="0" smtClean="0"/>
+              <a:t>CSSOM (aka recalculate styles)</a:t>
+            </a:r>
+          </a:p>
+          <a:p>
+            <a:r>
+              <a:rPr lang="en-US" sz="3200" dirty="0"/>
+              <a:t>Build the rendering tree</a:t>
             </a:r>
           </a:p>
         </p:txBody>
@@ -9589,135 +10447,304 @@
         </p:spPr>
         <p:txBody>
           <a:bodyPr>
-            <a:normAutofit fontScale="85000" lnSpcReduction="10000"/>
+            <a:normAutofit/>
           </a:bodyPr>
           <a:lstStyle/>
           <a:p>
             <a:r>
-              <a:rPr lang="en-US" dirty="0">
+              <a:rPr lang="en-US" sz="3600" dirty="0" smtClean="0">
                 <a:solidFill>
                   <a:schemeClr val="bg1">
                     <a:lumMod val="50000"/>
                   </a:schemeClr>
                 </a:solidFill>
               </a:rPr>
-              <a:t>Parse HTML and CSS </a:t>
-            </a:r>
-            <a:r>
-              <a:rPr lang="en-US" dirty="0" smtClean="0">
+              <a:t>Build </a:t>
+            </a:r>
+            <a:r>
+              <a:rPr lang="en-US" sz="3600" dirty="0">
                 <a:solidFill>
                   <a:schemeClr val="bg1">
                     <a:lumMod val="50000"/>
                   </a:schemeClr>
                 </a:solidFill>
               </a:rPr>
-              <a:t>files</a:t>
-            </a:r>
-          </a:p>
-          <a:p>
-            <a:r>
-              <a:rPr lang="en-US" dirty="0">
+              <a:t>the rendering </a:t>
+            </a:r>
+            <a:r>
+              <a:rPr lang="en-US" sz="3600" dirty="0" smtClean="0">
                 <a:solidFill>
                   <a:schemeClr val="bg1">
                     <a:lumMod val="50000"/>
                   </a:schemeClr>
                 </a:solidFill>
               </a:rPr>
-              <a:t>Build the </a:t>
-            </a:r>
-            <a:r>
-              <a:rPr lang="en-US" dirty="0" smtClean="0">
-                <a:solidFill>
-                  <a:schemeClr val="bg1">
-                    <a:lumMod val="50000"/>
-                  </a:schemeClr>
-                </a:solidFill>
-              </a:rPr>
-              <a:t>DOM</a:t>
-            </a:r>
-          </a:p>
-          <a:p>
-            <a:r>
-              <a:rPr lang="en-US" dirty="0">
-                <a:solidFill>
-                  <a:schemeClr val="bg1">
-                    <a:lumMod val="50000"/>
-                  </a:schemeClr>
-                </a:solidFill>
-              </a:rPr>
-              <a:t>Calculate CSS property </a:t>
-            </a:r>
-            <a:r>
-              <a:rPr lang="en-US" dirty="0" smtClean="0">
-                <a:solidFill>
-                  <a:schemeClr val="bg1">
-                    <a:lumMod val="50000"/>
-                  </a:schemeClr>
-                </a:solidFill>
-              </a:rPr>
-              <a:t>values</a:t>
-            </a:r>
-          </a:p>
-          <a:p>
-            <a:r>
-              <a:rPr lang="en-US" dirty="0">
-                <a:solidFill>
-                  <a:schemeClr val="bg1">
-                    <a:lumMod val="50000"/>
-                  </a:schemeClr>
-                </a:solidFill>
-              </a:rPr>
-              <a:t>Build the rendering </a:t>
-            </a:r>
-            <a:r>
-              <a:rPr lang="en-US" dirty="0" smtClean="0">
-                <a:solidFill>
-                  <a:schemeClr val="bg1">
-                    <a:lumMod val="50000"/>
-                  </a:schemeClr>
-                </a:solidFill>
-              </a:rPr>
               <a:t>tree</a:t>
             </a:r>
           </a:p>
           <a:p>
             <a:r>
-              <a:rPr lang="en-US" dirty="0"/>
+              <a:rPr lang="en-US" sz="3600" dirty="0"/>
               <a:t>Calculate </a:t>
             </a:r>
             <a:r>
-              <a:rPr lang="en-US" dirty="0" smtClean="0"/>
-              <a:t>layout</a:t>
-            </a:r>
-          </a:p>
-          <a:p>
-            <a:r>
-              <a:rPr lang="en-US" dirty="0" smtClean="0"/>
+              <a:rPr lang="en-US" sz="3600" dirty="0" smtClean="0"/>
+              <a:t>layout (or calculate how many space </a:t>
+            </a:r>
+            <a:r>
+              <a:rPr lang="en-US" sz="3600" dirty="0"/>
+              <a:t>is needed for </a:t>
+            </a:r>
+            <a:r>
+              <a:rPr lang="en-US" sz="3600" dirty="0" smtClean="0"/>
+              <a:t>each </a:t>
+            </a:r>
+            <a:r>
+              <a:rPr lang="en-US" sz="3600" dirty="0" err="1"/>
+              <a:t>renderTree</a:t>
+            </a:r>
+            <a:r>
+              <a:rPr lang="en-US" sz="3600" dirty="0"/>
+              <a:t> </a:t>
+            </a:r>
+            <a:r>
+              <a:rPr lang="en-US" sz="3600" dirty="0" smtClean="0"/>
+              <a:t>element </a:t>
+            </a:r>
+            <a:r>
+              <a:rPr lang="en-US" sz="3600" dirty="0" smtClean="0"/>
+              <a:t>)</a:t>
+            </a:r>
+          </a:p>
+          <a:p>
+            <a:r>
+              <a:rPr lang="en-US" sz="3600" dirty="0" smtClean="0"/>
+              <a:t>Rasterization</a:t>
+            </a:r>
+          </a:p>
+          <a:p>
+            <a:r>
+              <a:rPr lang="en-US" sz="3600" dirty="0" smtClean="0"/>
               <a:t>Paint</a:t>
             </a:r>
-          </a:p>
-          <a:p>
-            <a:r>
-              <a:rPr lang="en-US" dirty="0" smtClean="0"/>
-              <a:t>Composite</a:t>
-            </a:r>
-          </a:p>
-          <a:p>
-            <a:r>
-              <a:rPr lang="en-US" dirty="0" smtClean="0"/>
-              <a:t>Draw </a:t>
-            </a:r>
-            <a:r>
-              <a:rPr lang="en-US" dirty="0"/>
-              <a:t>the final screen image onto the screen</a:t>
-            </a:r>
-          </a:p>
-        </p:txBody>
-      </p:sp>
+            <a:endParaRPr lang="en-US" sz="3600" dirty="0" smtClean="0"/>
+          </a:p>
+        </p:txBody>
+      </p:sp>
+      <p:pic>
+        <p:nvPicPr>
+          <p:cNvPr id="4" name="Picture 3"/>
+          <p:cNvPicPr>
+            <a:picLocks noChangeAspect="1"/>
+          </p:cNvPicPr>
+          <p:nvPr/>
+        </p:nvPicPr>
+        <p:blipFill>
+          <a:blip r:embed="rId3">
+            <a:extLst>
+              <a:ext uri="{28A0092B-C50C-407E-A947-70E740481C1C}">
+                <a14:useLocalDpi xmlns:a14="http://schemas.microsoft.com/office/drawing/2010/main" val="0"/>
+              </a:ext>
+            </a:extLst>
+          </a:blip>
+          <a:stretch>
+            <a:fillRect/>
+          </a:stretch>
+        </p:blipFill>
+        <p:spPr>
+          <a:xfrm>
+            <a:off x="3581400" y="4191000"/>
+            <a:ext cx="2734056" cy="1106424"/>
+          </a:xfrm>
+          <a:prstGeom prst="rect">
+            <a:avLst/>
+          </a:prstGeom>
+        </p:spPr>
+      </p:pic>
     </p:spTree>
     <p:extLst>
       <p:ext uri="{BB962C8B-B14F-4D97-AF65-F5344CB8AC3E}">
         <p14:creationId xmlns:p14="http://schemas.microsoft.com/office/powerpoint/2010/main" val="159276485"/>
+      </p:ext>
+    </p:extLst>
+  </p:cSld>
+  <p:clrMapOvr>
+    <a:masterClrMapping/>
+  </p:clrMapOvr>
+  <p:timing>
+    <p:tnLst>
+      <p:par>
+        <p:cTn id="1" dur="indefinite" restart="never" nodeType="tmRoot"/>
+      </p:par>
+    </p:tnLst>
+  </p:timing>
+</p:sld>
+</file>
+
+<file path=ppt/slides/slide8.xml><?xml version="1.0" encoding="utf-8"?>
+<p:sld xmlns:a="http://schemas.openxmlformats.org/drawingml/2006/main" xmlns:r="http://schemas.openxmlformats.org/officeDocument/2006/relationships" xmlns:p="http://schemas.openxmlformats.org/presentationml/2006/main">
+  <p:cSld>
+    <p:spTree>
+      <p:nvGrpSpPr>
+        <p:cNvPr id="1" name=""/>
+        <p:cNvGrpSpPr/>
+        <p:nvPr/>
+      </p:nvGrpSpPr>
+      <p:grpSpPr>
+        <a:xfrm>
+          <a:off x="0" y="0"/>
+          <a:ext cx="0" cy="0"/>
+          <a:chOff x="0" y="0"/>
+          <a:chExt cx="0" cy="0"/>
+        </a:xfrm>
+      </p:grpSpPr>
+      <p:sp>
+        <p:nvSpPr>
+          <p:cNvPr id="2" name="Title 1"/>
+          <p:cNvSpPr>
+            <a:spLocks noGrp="1"/>
+          </p:cNvSpPr>
+          <p:nvPr>
+            <p:ph type="title"/>
+          </p:nvPr>
+        </p:nvSpPr>
+        <p:spPr/>
+        <p:txBody>
+          <a:bodyPr/>
+          <a:lstStyle/>
+          <a:p>
+            <a:r>
+              <a:rPr lang="en-US" b="1" dirty="0" smtClean="0">
+                <a:solidFill>
+                  <a:srgbClr val="FFFF00"/>
+                </a:solidFill>
+              </a:rPr>
+              <a:t>Page Rendering Cycle</a:t>
+            </a:r>
+            <a:endParaRPr lang="en-US" b="1" dirty="0">
+              <a:solidFill>
+                <a:srgbClr val="FFFF00"/>
+              </a:solidFill>
+            </a:endParaRPr>
+          </a:p>
+        </p:txBody>
+      </p:sp>
+      <p:sp>
+        <p:nvSpPr>
+          <p:cNvPr id="3" name="Content Placeholder 2"/>
+          <p:cNvSpPr>
+            <a:spLocks noGrp="1"/>
+          </p:cNvSpPr>
+          <p:nvPr>
+            <p:ph idx="1"/>
+          </p:nvPr>
+        </p:nvSpPr>
+        <p:spPr>
+          <a:xfrm>
+            <a:off x="0" y="1600200"/>
+            <a:ext cx="9144000" cy="4648200"/>
+          </a:xfrm>
+        </p:spPr>
+        <p:txBody>
+          <a:bodyPr>
+            <a:normAutofit fontScale="92500" lnSpcReduction="10000"/>
+          </a:bodyPr>
+          <a:lstStyle/>
+          <a:p>
+            <a:r>
+              <a:rPr lang="en-US" dirty="0" smtClean="0">
+                <a:solidFill>
+                  <a:schemeClr val="bg1">
+                    <a:lumMod val="50000"/>
+                  </a:schemeClr>
+                </a:solidFill>
+              </a:rPr>
+              <a:t>Build </a:t>
+            </a:r>
+            <a:r>
+              <a:rPr lang="en-US" dirty="0">
+                <a:solidFill>
+                  <a:schemeClr val="bg1">
+                    <a:lumMod val="50000"/>
+                  </a:schemeClr>
+                </a:solidFill>
+              </a:rPr>
+              <a:t>the rendering </a:t>
+            </a:r>
+            <a:r>
+              <a:rPr lang="en-US" dirty="0" smtClean="0">
+                <a:solidFill>
+                  <a:schemeClr val="bg1">
+                    <a:lumMod val="50000"/>
+                  </a:schemeClr>
+                </a:solidFill>
+              </a:rPr>
+              <a:t>tree</a:t>
+            </a:r>
+          </a:p>
+          <a:p>
+            <a:r>
+              <a:rPr lang="en-US" dirty="0"/>
+              <a:t>Calculate </a:t>
+            </a:r>
+            <a:r>
+              <a:rPr lang="en-US" dirty="0" smtClean="0"/>
+              <a:t>layout (or calculate how many space </a:t>
+            </a:r>
+            <a:r>
+              <a:rPr lang="en-US" dirty="0"/>
+              <a:t>is needed for </a:t>
+            </a:r>
+            <a:r>
+              <a:rPr lang="en-US" dirty="0" smtClean="0"/>
+              <a:t>each </a:t>
+            </a:r>
+            <a:r>
+              <a:rPr lang="en-US" dirty="0" err="1"/>
+              <a:t>renderTree</a:t>
+            </a:r>
+            <a:r>
+              <a:rPr lang="en-US" dirty="0"/>
+              <a:t> </a:t>
+            </a:r>
+            <a:r>
+              <a:rPr lang="en-US" dirty="0" smtClean="0"/>
+              <a:t>element </a:t>
+            </a:r>
+            <a:r>
+              <a:rPr lang="en-US" dirty="0" smtClean="0"/>
+              <a:t>)</a:t>
+            </a:r>
+            <a:endParaRPr lang="en-US" dirty="0" smtClean="0"/>
+          </a:p>
+          <a:p>
+            <a:r>
+              <a:rPr lang="en-US" dirty="0" smtClean="0"/>
+              <a:t>Paint</a:t>
+            </a:r>
+          </a:p>
+          <a:p>
+            <a:r>
+              <a:rPr lang="en-US" dirty="0" smtClean="0"/>
+              <a:t>Composite</a:t>
+            </a:r>
+          </a:p>
+          <a:p>
+            <a:r>
+              <a:rPr lang="en-US" dirty="0" smtClean="0"/>
+              <a:t>Draw </a:t>
+            </a:r>
+            <a:r>
+              <a:rPr lang="en-US" dirty="0"/>
+              <a:t>the final screen image onto the screen</a:t>
+            </a:r>
+          </a:p>
+        </p:txBody>
+      </p:sp>
+    </p:spTree>
+    <p:extLst>
+      <p:ext uri="{BB962C8B-B14F-4D97-AF65-F5344CB8AC3E}">
+        <p14:creationId xmlns:p14="http://schemas.microsoft.com/office/powerpoint/2010/main" val="1381702477"/>
       </p:ext>
     </p:extLst>
   </p:cSld>
@@ -9760,7 +10787,7 @@
                                         <p:tgtEl>
                                           <p:spTgt spid="3">
                                             <p:txEl>
-                                              <p:pRg st="5" end="5"/>
+                                              <p:pRg st="2" end="2"/>
                                             </p:txEl>
                                           </p:spTgt>
                                         </p:tgtEl>
@@ -9809,7 +10836,7 @@
                                         <p:tgtEl>
                                           <p:spTgt spid="3">
                                             <p:txEl>
-                                              <p:pRg st="6" end="6"/>
+                                              <p:pRg st="3" end="3"/>
                                             </p:txEl>
                                           </p:spTgt>
                                         </p:tgtEl>
@@ -9858,7 +10885,7 @@
                                         <p:tgtEl>
                                           <p:spTgt spid="3">
                                             <p:txEl>
-                                              <p:pRg st="7" end="7"/>
+                                              <p:pRg st="4" end="4"/>
                                             </p:txEl>
                                           </p:spTgt>
                                         </p:tgtEl>
@@ -9903,7 +10930,7 @@
                                         <p:tgtEl>
                                           <p:spTgt spid="3">
                                             <p:txEl>
-                                              <p:pRg st="5" end="5"/>
+                                              <p:pRg st="2" end="2"/>
                                             </p:txEl>
                                           </p:spTgt>
                                         </p:tgtEl>
@@ -9930,7 +10957,7 @@
                                         <p:tgtEl>
                                           <p:spTgt spid="3">
                                             <p:txEl>
-                                              <p:pRg st="6" end="6"/>
+                                              <p:pRg st="3" end="3"/>
                                             </p:txEl>
                                           </p:spTgt>
                                         </p:tgtEl>
@@ -9976,7 +11003,7 @@
 </p:sld>
 </file>
 
-<file path=ppt/slides/slide8.xml><?xml version="1.0" encoding="utf-8"?>
+<file path=ppt/slides/slide9.xml><?xml version="1.0" encoding="utf-8"?>
 <p:sld xmlns:a="http://schemas.openxmlformats.org/drawingml/2006/main" xmlns:r="http://schemas.openxmlformats.org/officeDocument/2006/relationships" xmlns:p="http://schemas.openxmlformats.org/presentationml/2006/main">
   <p:cSld>
     <p:spTree>
@@ -10048,8 +11075,21 @@
                   <a:srgbClr val="00B050"/>
                 </a:solidFill>
               </a:rPr>
-              <a:t>~ 60Hz</a:t>
-            </a:r>
+              <a:t>~ </a:t>
+            </a:r>
+            <a:r>
+              <a:rPr lang="en-US" sz="5400" b="1" dirty="0" smtClean="0">
+                <a:solidFill>
+                  <a:srgbClr val="00B050"/>
+                </a:solidFill>
+              </a:rPr>
+              <a:t>60Hz or 60 FPS</a:t>
+            </a:r>
+            <a:endParaRPr lang="en-US" sz="5400" b="1" dirty="0" smtClean="0">
+              <a:solidFill>
+                <a:srgbClr val="00B050"/>
+              </a:solidFill>
+            </a:endParaRPr>
           </a:p>
           <a:p>
             <a:pPr algn="ctr">
@@ -10070,7 +11110,23 @@
                   <a:srgbClr val="00B050"/>
                 </a:solidFill>
               </a:rPr>
-              <a:t>~16.6ms</a:t>
+              <a:t>~</a:t>
+            </a:r>
+            <a:r>
+              <a:rPr lang="en-US" sz="5400" b="1" dirty="0" smtClean="0">
+                <a:solidFill>
+                  <a:srgbClr val="00B050"/>
+                </a:solidFill>
+              </a:rPr>
+              <a:t>16.6ms </a:t>
+            </a:r>
+            <a:r>
+              <a:rPr lang="en-US" sz="5400" b="1" dirty="0" smtClean="0">
+                <a:solidFill>
+                  <a:srgbClr val="FF0000"/>
+                </a:solidFill>
+              </a:rPr>
+              <a:t>(10)</a:t>
             </a:r>
             <a:r>
               <a:rPr lang="en-US" sz="5400" dirty="0" smtClean="0">
@@ -10082,7 +11138,11 @@
             </a:r>
             <a:r>
               <a:rPr lang="en-US" sz="5400" dirty="0" smtClean="0"/>
-              <a:t>to make a frame</a:t>
+              <a:t>to make a </a:t>
+            </a:r>
+            <a:r>
+              <a:rPr lang="en-US" sz="5400" dirty="0" smtClean="0"/>
+              <a:t>frame</a:t>
             </a:r>
             <a:endParaRPr lang="en-US" sz="5400" dirty="0"/>
           </a:p>
@@ -10207,462 +11267,6 @@
         </p:cTn>
       </p:par>
     </p:tnLst>
-  </p:timing>
-</p:sld>
-</file>
-
-<file path=ppt/slides/slide9.xml><?xml version="1.0" encoding="utf-8"?>
-<p:sld xmlns:a="http://schemas.openxmlformats.org/drawingml/2006/main" xmlns:r="http://schemas.openxmlformats.org/officeDocument/2006/relationships" xmlns:p="http://schemas.openxmlformats.org/presentationml/2006/main">
-  <p:cSld>
-    <p:spTree>
-      <p:nvGrpSpPr>
-        <p:cNvPr id="1" name=""/>
-        <p:cNvGrpSpPr/>
-        <p:nvPr/>
-      </p:nvGrpSpPr>
-      <p:grpSpPr>
-        <a:xfrm>
-          <a:off x="0" y="0"/>
-          <a:ext cx="0" cy="0"/>
-          <a:chOff x="0" y="0"/>
-          <a:chExt cx="0" cy="0"/>
-        </a:xfrm>
-      </p:grpSpPr>
-      <p:sp>
-        <p:nvSpPr>
-          <p:cNvPr id="7" name="Content Placeholder 2"/>
-          <p:cNvSpPr txBox="1">
-            <a:spLocks/>
-          </p:cNvSpPr>
-          <p:nvPr/>
-        </p:nvSpPr>
-        <p:spPr>
-          <a:xfrm>
-            <a:off x="0" y="1600200"/>
-            <a:ext cx="9144000" cy="4648200"/>
-          </a:xfrm>
-          <a:prstGeom prst="rect">
-            <a:avLst/>
-          </a:prstGeom>
-          <a:solidFill>
-            <a:schemeClr val="tx1">
-              <a:alpha val="70000"/>
-            </a:schemeClr>
-          </a:solidFill>
-        </p:spPr>
-        <p:txBody>
-          <a:bodyPr vert="horz" lIns="540000" tIns="45720" rIns="91440" bIns="45720" rtlCol="0">
-            <a:normAutofit/>
-          </a:bodyPr>
-          <a:lstStyle>
-            <a:lvl1pPr marL="342900" indent="-342900" algn="l" defTabSz="914400" rtl="0" eaLnBrk="1" latinLnBrk="0" hangingPunct="1">
-              <a:spcBef>
-                <a:spcPct val="20000"/>
-              </a:spcBef>
-              <a:buFont typeface="Arial" pitchFamily="34" charset="0"/>
-              <a:buChar char="•"/>
-              <a:defRPr sz="3200" kern="1200">
-                <a:solidFill>
-                  <a:schemeClr val="bg1"/>
-                </a:solidFill>
-                <a:latin typeface="+mn-lt"/>
-                <a:ea typeface="+mn-ea"/>
-                <a:cs typeface="+mn-cs"/>
-              </a:defRPr>
-            </a:lvl1pPr>
-            <a:lvl2pPr marL="742950" indent="-285750" algn="l" defTabSz="914400" rtl="0" eaLnBrk="1" latinLnBrk="0" hangingPunct="1">
-              <a:spcBef>
-                <a:spcPct val="20000"/>
-              </a:spcBef>
-              <a:buFont typeface="Arial" pitchFamily="34" charset="0"/>
-              <a:buChar char="–"/>
-              <a:defRPr sz="2800" kern="1200">
-                <a:solidFill>
-                  <a:schemeClr val="bg1"/>
-                </a:solidFill>
-                <a:latin typeface="+mn-lt"/>
-                <a:ea typeface="+mn-ea"/>
-                <a:cs typeface="+mn-cs"/>
-              </a:defRPr>
-            </a:lvl2pPr>
-            <a:lvl3pPr marL="1143000" indent="-228600" algn="l" defTabSz="914400" rtl="0" eaLnBrk="1" latinLnBrk="0" hangingPunct="1">
-              <a:spcBef>
-                <a:spcPct val="20000"/>
-              </a:spcBef>
-              <a:buFont typeface="Arial" pitchFamily="34" charset="0"/>
-              <a:buChar char="•"/>
-              <a:defRPr sz="2400" kern="1200">
-                <a:solidFill>
-                  <a:schemeClr val="bg1"/>
-                </a:solidFill>
-                <a:latin typeface="+mn-lt"/>
-                <a:ea typeface="+mn-ea"/>
-                <a:cs typeface="+mn-cs"/>
-              </a:defRPr>
-            </a:lvl3pPr>
-            <a:lvl4pPr marL="1600200" indent="-228600" algn="l" defTabSz="914400" rtl="0" eaLnBrk="1" latinLnBrk="0" hangingPunct="1">
-              <a:spcBef>
-                <a:spcPct val="20000"/>
-              </a:spcBef>
-              <a:buFont typeface="Arial" pitchFamily="34" charset="0"/>
-              <a:buChar char="–"/>
-              <a:defRPr sz="2000" kern="1200">
-                <a:solidFill>
-                  <a:schemeClr val="bg1"/>
-                </a:solidFill>
-                <a:latin typeface="+mn-lt"/>
-                <a:ea typeface="+mn-ea"/>
-                <a:cs typeface="+mn-cs"/>
-              </a:defRPr>
-            </a:lvl4pPr>
-            <a:lvl5pPr marL="2057400" indent="-228600" algn="l" defTabSz="914400" rtl="0" eaLnBrk="1" latinLnBrk="0" hangingPunct="1">
-              <a:spcBef>
-                <a:spcPct val="20000"/>
-              </a:spcBef>
-              <a:buFont typeface="Arial" pitchFamily="34" charset="0"/>
-              <a:buChar char="»"/>
-              <a:defRPr sz="2000" kern="1200">
-                <a:solidFill>
-                  <a:schemeClr val="bg1"/>
-                </a:solidFill>
-                <a:latin typeface="+mn-lt"/>
-                <a:ea typeface="+mn-ea"/>
-                <a:cs typeface="+mn-cs"/>
-              </a:defRPr>
-            </a:lvl5pPr>
-            <a:lvl6pPr marL="2514600" indent="-228600" algn="l" defTabSz="914400" rtl="0" eaLnBrk="1" latinLnBrk="0" hangingPunct="1">
-              <a:spcBef>
-                <a:spcPct val="20000"/>
-              </a:spcBef>
-              <a:buFont typeface="Arial" pitchFamily="34" charset="0"/>
-              <a:buChar char="•"/>
-              <a:defRPr sz="2000" kern="1200">
-                <a:solidFill>
-                  <a:schemeClr val="tx1"/>
-                </a:solidFill>
-                <a:latin typeface="+mn-lt"/>
-                <a:ea typeface="+mn-ea"/>
-                <a:cs typeface="+mn-cs"/>
-              </a:defRPr>
-            </a:lvl6pPr>
-            <a:lvl7pPr marL="2971800" indent="-228600" algn="l" defTabSz="914400" rtl="0" eaLnBrk="1" latinLnBrk="0" hangingPunct="1">
-              <a:spcBef>
-                <a:spcPct val="20000"/>
-              </a:spcBef>
-              <a:buFont typeface="Arial" pitchFamily="34" charset="0"/>
-              <a:buChar char="•"/>
-              <a:defRPr sz="2000" kern="1200">
-                <a:solidFill>
-                  <a:schemeClr val="tx1"/>
-                </a:solidFill>
-                <a:latin typeface="+mn-lt"/>
-                <a:ea typeface="+mn-ea"/>
-                <a:cs typeface="+mn-cs"/>
-              </a:defRPr>
-            </a:lvl7pPr>
-            <a:lvl8pPr marL="3429000" indent="-228600" algn="l" defTabSz="914400" rtl="0" eaLnBrk="1" latinLnBrk="0" hangingPunct="1">
-              <a:spcBef>
-                <a:spcPct val="20000"/>
-              </a:spcBef>
-              <a:buFont typeface="Arial" pitchFamily="34" charset="0"/>
-              <a:buChar char="•"/>
-              <a:defRPr sz="2000" kern="1200">
-                <a:solidFill>
-                  <a:schemeClr val="tx1"/>
-                </a:solidFill>
-                <a:latin typeface="+mn-lt"/>
-                <a:ea typeface="+mn-ea"/>
-                <a:cs typeface="+mn-cs"/>
-              </a:defRPr>
-            </a:lvl8pPr>
-            <a:lvl9pPr marL="3886200" indent="-228600" algn="l" defTabSz="914400" rtl="0" eaLnBrk="1" latinLnBrk="0" hangingPunct="1">
-              <a:spcBef>
-                <a:spcPct val="20000"/>
-              </a:spcBef>
-              <a:buFont typeface="Arial" pitchFamily="34" charset="0"/>
-              <a:buChar char="•"/>
-              <a:defRPr sz="2000" kern="1200">
-                <a:solidFill>
-                  <a:schemeClr val="tx1"/>
-                </a:solidFill>
-                <a:latin typeface="+mn-lt"/>
-                <a:ea typeface="+mn-ea"/>
-                <a:cs typeface="+mn-cs"/>
-              </a:defRPr>
-            </a:lvl9pPr>
-          </a:lstStyle>
-          <a:p>
-            <a:pPr marL="0" indent="0">
-              <a:buNone/>
-            </a:pPr>
-            <a:r>
-              <a:rPr lang="en-US" sz="4000" b="1" dirty="0">
-                <a:solidFill>
-                  <a:srgbClr val="00B050"/>
-                </a:solidFill>
-              </a:rPr>
-              <a:t>console&gt;</a:t>
-            </a:r>
-            <a:r>
-              <a:rPr lang="en-US" sz="4000" dirty="0">
-                <a:solidFill>
-                  <a:srgbClr val="00B050"/>
-                </a:solidFill>
-              </a:rPr>
-              <a:t> </a:t>
-            </a:r>
-            <a:r>
-              <a:rPr lang="en-US" sz="4000" dirty="0"/>
-              <a:t>chrome.exe </a:t>
-            </a:r>
-            <a:endParaRPr lang="en-US" sz="4000" dirty="0" smtClean="0"/>
-          </a:p>
-          <a:p>
-            <a:pPr marL="0" indent="0">
-              <a:buNone/>
-            </a:pPr>
-            <a:r>
-              <a:rPr lang="en-US" sz="4000" dirty="0" smtClean="0"/>
-              <a:t>	--</a:t>
-            </a:r>
-            <a:r>
-              <a:rPr lang="en-US" sz="4000" dirty="0"/>
-              <a:t>enable-threaded-compositing </a:t>
-            </a:r>
-            <a:endParaRPr lang="en-US" sz="4000" dirty="0" smtClean="0"/>
-          </a:p>
-          <a:p>
-            <a:pPr marL="0" indent="0">
-              <a:buNone/>
-            </a:pPr>
-            <a:r>
-              <a:rPr lang="en-US" sz="4000" dirty="0" smtClean="0"/>
-              <a:t>	--</a:t>
-            </a:r>
-            <a:r>
-              <a:rPr lang="en-US" sz="4000" dirty="0"/>
-              <a:t>force-compositing-mode </a:t>
-            </a:r>
-            <a:endParaRPr lang="en-US" sz="4000" dirty="0" smtClean="0"/>
-          </a:p>
-          <a:p>
-            <a:pPr marL="0" indent="0">
-              <a:buNone/>
-            </a:pPr>
-            <a:r>
-              <a:rPr lang="en-US" sz="4000" dirty="0" smtClean="0"/>
-              <a:t>	--</a:t>
-            </a:r>
-            <a:r>
-              <a:rPr lang="en-US" sz="4000" dirty="0"/>
-              <a:t>enable-</a:t>
-            </a:r>
-            <a:r>
-              <a:rPr lang="en-US" sz="4000" dirty="0" err="1"/>
-              <a:t>impl</a:t>
-            </a:r>
-            <a:r>
-              <a:rPr lang="en-US" sz="4000" dirty="0"/>
-              <a:t>-side-painting </a:t>
-            </a:r>
-            <a:endParaRPr lang="en-US" sz="4000" dirty="0" smtClean="0"/>
-          </a:p>
-          <a:p>
-            <a:pPr marL="0" indent="0">
-              <a:buNone/>
-            </a:pPr>
-            <a:r>
-              <a:rPr lang="en-US" sz="4000" dirty="0" smtClean="0"/>
-              <a:t>	--</a:t>
-            </a:r>
-            <a:r>
-              <a:rPr lang="en-US" sz="4000" dirty="0"/>
-              <a:t>enable-</a:t>
-            </a:r>
-            <a:r>
-              <a:rPr lang="en-US" sz="4000" dirty="0" err="1"/>
-              <a:t>skia</a:t>
-            </a:r>
-            <a:r>
-              <a:rPr lang="en-US" sz="4000" dirty="0"/>
-              <a:t>-benchmarking </a:t>
-            </a:r>
-            <a:endParaRPr lang="en-US" sz="4000" dirty="0" smtClean="0"/>
-          </a:p>
-          <a:p>
-            <a:pPr marL="0" indent="0">
-              <a:buNone/>
-            </a:pPr>
-            <a:r>
-              <a:rPr lang="en-US" sz="4000" dirty="0" smtClean="0"/>
-              <a:t>	--</a:t>
-            </a:r>
-            <a:r>
-              <a:rPr lang="en-US" sz="4000" dirty="0"/>
-              <a:t>allow-</a:t>
-            </a:r>
-            <a:r>
-              <a:rPr lang="en-US" sz="4000" dirty="0" err="1"/>
-              <a:t>webui</a:t>
-            </a:r>
-            <a:r>
-              <a:rPr lang="en-US" sz="4000" dirty="0"/>
-              <a:t>-compositing</a:t>
-            </a:r>
-          </a:p>
-        </p:txBody>
-      </p:sp>
-      <p:sp>
-        <p:nvSpPr>
-          <p:cNvPr id="2" name="Title 1"/>
-          <p:cNvSpPr>
-            <a:spLocks noGrp="1"/>
-          </p:cNvSpPr>
-          <p:nvPr>
-            <p:ph type="title"/>
-          </p:nvPr>
-        </p:nvSpPr>
-        <p:spPr/>
-        <p:txBody>
-          <a:bodyPr/>
-          <a:lstStyle/>
-          <a:p>
-            <a:r>
-              <a:rPr lang="en-US" dirty="0" smtClean="0"/>
-              <a:t>Google Chrome Canary</a:t>
-            </a:r>
-            <a:endParaRPr lang="en-US" dirty="0"/>
-          </a:p>
-        </p:txBody>
-      </p:sp>
-      <p:pic>
-        <p:nvPicPr>
-          <p:cNvPr id="2051" name="Picture 3" descr="D:\javascript\chromeInternals\0-canary-intro.png"/>
-          <p:cNvPicPr>
-            <a:picLocks noChangeAspect="1" noChangeArrowheads="1"/>
-          </p:cNvPicPr>
-          <p:nvPr/>
-        </p:nvPicPr>
-        <p:blipFill>
-          <a:blip r:embed="rId2" cstate="print">
-            <a:extLst>
-              <a:ext uri="{28A0092B-C50C-407E-A947-70E740481C1C}">
-                <a14:useLocalDpi xmlns:a14="http://schemas.microsoft.com/office/drawing/2010/main" val="0"/>
-              </a:ext>
-            </a:extLst>
-          </a:blip>
-          <a:srcRect/>
-          <a:stretch>
-            <a:fillRect/>
-          </a:stretch>
-        </p:blipFill>
-        <p:spPr bwMode="auto">
-          <a:xfrm>
-            <a:off x="7696200" y="228600"/>
-            <a:ext cx="1219200" cy="1219200"/>
-          </a:xfrm>
-          <a:prstGeom prst="rect">
-            <a:avLst/>
-          </a:prstGeom>
-          <a:noFill/>
-          <a:extLst>
-            <a:ext uri="{909E8E84-426E-40DD-AFC4-6F175D3DCCD1}">
-              <a14:hiddenFill xmlns:a14="http://schemas.microsoft.com/office/drawing/2010/main">
-                <a:solidFill>
-                  <a:srgbClr val="FFFFFF"/>
-                </a:solidFill>
-              </a14:hiddenFill>
-            </a:ext>
-          </a:extLst>
-        </p:spPr>
-      </p:pic>
-    </p:spTree>
-    <p:extLst>
-      <p:ext uri="{BB962C8B-B14F-4D97-AF65-F5344CB8AC3E}">
-        <p14:creationId xmlns:p14="http://schemas.microsoft.com/office/powerpoint/2010/main" val="1730325560"/>
-      </p:ext>
-    </p:extLst>
-  </p:cSld>
-  <p:clrMapOvr>
-    <a:masterClrMapping/>
-  </p:clrMapOvr>
-  <p:timing>
-    <p:tnLst>
-      <p:par>
-        <p:cTn id="1" dur="indefinite" restart="never" nodeType="tmRoot">
-          <p:childTnLst>
-            <p:seq concurrent="1" nextAc="seek">
-              <p:cTn id="2" dur="indefinite" nodeType="mainSeq">
-                <p:childTnLst>
-                  <p:par>
-                    <p:cTn id="3" fill="hold">
-                      <p:stCondLst>
-                        <p:cond delay="indefinite"/>
-                      </p:stCondLst>
-                      <p:childTnLst>
-                        <p:par>
-                          <p:cTn id="4" fill="hold">
-                            <p:stCondLst>
-                              <p:cond delay="0"/>
-                            </p:stCondLst>
-                            <p:childTnLst>
-                              <p:par>
-                                <p:cTn id="5" presetID="1" presetClass="entr" presetSubtype="0" fill="hold" grpId="0" nodeType="clickEffect">
-                                  <p:stCondLst>
-                                    <p:cond delay="0"/>
-                                  </p:stCondLst>
-                                  <p:childTnLst>
-                                    <p:set>
-                                      <p:cBhvr>
-                                        <p:cTn id="6" dur="1" fill="hold">
-                                          <p:stCondLst>
-                                            <p:cond delay="0"/>
-                                          </p:stCondLst>
-                                        </p:cTn>
-                                        <p:tgtEl>
-                                          <p:spTgt spid="7"/>
-                                        </p:tgtEl>
-                                        <p:attrNameLst>
-                                          <p:attrName>style.visibility</p:attrName>
-                                        </p:attrNameLst>
-                                      </p:cBhvr>
-                                      <p:to>
-                                        <p:strVal val="visible"/>
-                                      </p:to>
-                                    </p:set>
-                                  </p:childTnLst>
-                                </p:cTn>
-                              </p:par>
-                            </p:childTnLst>
-                          </p:cTn>
-                        </p:par>
-                      </p:childTnLst>
-                    </p:cTn>
-                  </p:par>
-                </p:childTnLst>
-              </p:cTn>
-              <p:prevCondLst>
-                <p:cond evt="onPrev" delay="0">
-                  <p:tgtEl>
-                    <p:sldTgt/>
-                  </p:tgtEl>
-                </p:cond>
-              </p:prevCondLst>
-              <p:nextCondLst>
-                <p:cond evt="onNext" delay="0">
-                  <p:tgtEl>
-                    <p:sldTgt/>
-                  </p:tgtEl>
-                </p:cond>
-              </p:nextCondLst>
-            </p:seq>
-          </p:childTnLst>
-        </p:cTn>
-      </p:par>
-    </p:tnLst>
-    <p:bldLst>
-      <p:bldP spid="7" grpId="0" animBg="1"/>
-    </p:bldLst>
   </p:timing>
 </p:sld>
 </file>

--- a/chrome-paint-and-compositing/ChromeInternalsPaint.pptx
+++ b/chrome-paint-and-compositing/ChromeInternalsPaint.pptx
@@ -5,10 +5,10 @@
     <p:sldMasterId id="2147483648" r:id="rId1"/>
   </p:sldMasterIdLst>
   <p:notesMasterIdLst>
-    <p:notesMasterId r:id="rId33"/>
+    <p:notesMasterId r:id="rId34"/>
   </p:notesMasterIdLst>
   <p:handoutMasterIdLst>
-    <p:handoutMasterId r:id="rId34"/>
+    <p:handoutMasterId r:id="rId35"/>
   </p:handoutMasterIdLst>
   <p:sldIdLst>
     <p:sldId id="262" r:id="rId2"/>
@@ -41,7 +41,8 @@
     <p:sldId id="282" r:id="rId29"/>
     <p:sldId id="305" r:id="rId30"/>
     <p:sldId id="307" r:id="rId31"/>
-    <p:sldId id="304" r:id="rId32"/>
+    <p:sldId id="309" r:id="rId32"/>
+    <p:sldId id="304" r:id="rId33"/>
   </p:sldIdLst>
   <p:sldSz cx="9144000" cy="6858000" type="screen4x3"/>
   <p:notesSz cx="6858000" cy="9144000"/>
@@ -241,7 +242,7 @@
           <a:p>
             <a:fld id="{0AAA4132-CCD7-4EB5-AF56-B9A22EBA9AE4}" type="datetimeFigureOut">
               <a:rPr lang="en-US" smtClean="0"/>
-              <a:t>10/20/2015</a:t>
+              <a:t>11/3/2015</a:t>
             </a:fld>
             <a:endParaRPr lang="en-US"/>
           </a:p>
@@ -408,7 +409,7 @@
             <a:fld id="{928A82D0-2502-48B7-BAAF-1F7402C3E98F}" type="datetimeFigureOut">
               <a:rPr lang="en-US" smtClean="0"/>
               <a:pPr/>
-              <a:t>10/20/2015</a:t>
+              <a:t>11/3/2015</a:t>
             </a:fld>
             <a:endParaRPr lang="en-US"/>
           </a:p>
@@ -1238,7 +1239,7 @@
             <a:fld id="{C341EFBF-27E5-4028-B172-9514F1C51946}" type="datetime1">
               <a:rPr lang="en-US" smtClean="0"/>
               <a:pPr/>
-              <a:t>10/20/2015</a:t>
+              <a:t>11/3/2015</a:t>
             </a:fld>
             <a:endParaRPr lang="en-US"/>
           </a:p>
@@ -1412,7 +1413,7 @@
             <a:fld id="{A920291D-745D-4357-A7E8-47781745E9BE}" type="datetime1">
               <a:rPr lang="en-US" smtClean="0"/>
               <a:pPr/>
-              <a:t>10/20/2015</a:t>
+              <a:t>11/3/2015</a:t>
             </a:fld>
             <a:endParaRPr lang="en-US"/>
           </a:p>
@@ -1589,7 +1590,7 @@
             <a:fld id="{B95D3C83-F629-458A-88FC-15F9EDEDA4DE}" type="datetime1">
               <a:rPr lang="en-US" smtClean="0"/>
               <a:pPr/>
-              <a:t>10/20/2015</a:t>
+              <a:t>11/3/2015</a:t>
             </a:fld>
             <a:endParaRPr lang="en-US"/>
           </a:p>
@@ -1845,7 +1846,7 @@
             <a:fld id="{2A1B2E8A-0E21-4580-BA9A-2D8B14C3BFF5}" type="datetime1">
               <a:rPr lang="en-US" smtClean="0"/>
               <a:pPr/>
-              <a:t>10/20/2015</a:t>
+              <a:t>11/3/2015</a:t>
             </a:fld>
             <a:endParaRPr lang="en-US"/>
           </a:p>
@@ -2071,7 +2072,7 @@
             <a:fld id="{7FC4CC44-329D-4B53-8CEE-0F51F5D3EFDD}" type="datetime1">
               <a:rPr lang="en-US" smtClean="0"/>
               <a:pPr/>
-              <a:t>10/20/2015</a:t>
+              <a:t>11/3/2015</a:t>
             </a:fld>
             <a:endParaRPr lang="en-US"/>
           </a:p>
@@ -2363,7 +2364,7 @@
             <a:fld id="{D66B6793-FB83-43A0-91B9-D92665BBB307}" type="datetime1">
               <a:rPr lang="en-US" smtClean="0"/>
               <a:pPr/>
-              <a:t>10/20/2015</a:t>
+              <a:t>11/3/2015</a:t>
             </a:fld>
             <a:endParaRPr lang="en-US"/>
           </a:p>
@@ -2789,7 +2790,7 @@
             <a:fld id="{A6AA700A-F224-4670-A7D5-682771CEC697}" type="datetime1">
               <a:rPr lang="en-US" smtClean="0"/>
               <a:pPr/>
-              <a:t>10/20/2015</a:t>
+              <a:t>11/3/2015</a:t>
             </a:fld>
             <a:endParaRPr lang="en-US"/>
           </a:p>
@@ -2904,7 +2905,7 @@
             <a:fld id="{8C415ADC-E976-4ACE-8A89-EC7B966EC765}" type="datetime1">
               <a:rPr lang="en-US" smtClean="0"/>
               <a:pPr/>
-              <a:t>10/20/2015</a:t>
+              <a:t>11/3/2015</a:t>
             </a:fld>
             <a:endParaRPr lang="en-US"/>
           </a:p>
@@ -2996,7 +2997,7 @@
             <a:fld id="{2BDD193C-0A9D-4379-940E-CB07DA2018EF}" type="datetime1">
               <a:rPr lang="en-US" smtClean="0"/>
               <a:pPr/>
-              <a:t>10/20/2015</a:t>
+              <a:t>11/3/2015</a:t>
             </a:fld>
             <a:endParaRPr lang="en-US"/>
           </a:p>
@@ -3270,7 +3271,7 @@
             <a:fld id="{F5A6C827-EE3B-4901-8B61-4F0D185445F2}" type="datetime1">
               <a:rPr lang="en-US" smtClean="0"/>
               <a:pPr/>
-              <a:t>10/20/2015</a:t>
+              <a:t>11/3/2015</a:t>
             </a:fld>
             <a:endParaRPr lang="en-US"/>
           </a:p>
@@ -3520,7 +3521,7 @@
             <a:fld id="{6216DDB4-708C-44D7-A68B-01FA166BBD53}" type="datetime1">
               <a:rPr lang="en-US" smtClean="0"/>
               <a:pPr/>
-              <a:t>10/20/2015</a:t>
+              <a:t>11/3/2015</a:t>
             </a:fld>
             <a:endParaRPr lang="en-US"/>
           </a:p>
@@ -3740,7 +3741,7 @@
             <a:fld id="{98A443B8-2819-4D75-8B11-995C0527A765}" type="datetime1">
               <a:rPr lang="en-US" smtClean="0"/>
               <a:pPr/>
-              <a:t>10/20/2015</a:t>
+              <a:t>11/3/2015</a:t>
             </a:fld>
             <a:endParaRPr lang="en-US"/>
           </a:p>
@@ -8732,13 +8733,8 @@
           <a:p>
             <a:r>
               <a:rPr lang="en-US" dirty="0" smtClean="0"/>
-              <a:t>Construct</a:t>
-            </a:r>
-            <a:r>
-              <a:rPr lang="en-US" dirty="0" smtClean="0"/>
-              <a:t> DOM tree</a:t>
-            </a:r>
-            <a:endParaRPr lang="en-US" dirty="0" smtClean="0"/>
+              <a:t>Construct DOM tree</a:t>
+            </a:r>
           </a:p>
         </p:txBody>
       </p:sp>
@@ -8930,6 +8926,99 @@
 </file>
 
 <file path=ppt/slides/slide31.xml><?xml version="1.0" encoding="utf-8"?>
+<p:sld xmlns:a="http://schemas.openxmlformats.org/drawingml/2006/main" xmlns:r="http://schemas.openxmlformats.org/officeDocument/2006/relationships" xmlns:p="http://schemas.openxmlformats.org/presentationml/2006/main">
+  <p:cSld>
+    <p:spTree>
+      <p:nvGrpSpPr>
+        <p:cNvPr id="1" name=""/>
+        <p:cNvGrpSpPr/>
+        <p:nvPr/>
+      </p:nvGrpSpPr>
+      <p:grpSpPr>
+        <a:xfrm>
+          <a:off x="0" y="0"/>
+          <a:ext cx="0" cy="0"/>
+          <a:chOff x="0" y="0"/>
+          <a:chExt cx="0" cy="0"/>
+        </a:xfrm>
+      </p:grpSpPr>
+      <p:sp>
+        <p:nvSpPr>
+          <p:cNvPr id="2" name="Title 1"/>
+          <p:cNvSpPr>
+            <a:spLocks noGrp="1"/>
+          </p:cNvSpPr>
+          <p:nvPr>
+            <p:ph type="title"/>
+          </p:nvPr>
+        </p:nvSpPr>
+        <p:spPr/>
+        <p:txBody>
+          <a:bodyPr/>
+          <a:lstStyle/>
+          <a:p>
+            <a:r>
+              <a:rPr lang="en-US" dirty="0" smtClean="0"/>
+              <a:t>FLIP</a:t>
+            </a:r>
+            <a:endParaRPr lang="en-US" dirty="0"/>
+          </a:p>
+        </p:txBody>
+      </p:sp>
+      <p:sp>
+        <p:nvSpPr>
+          <p:cNvPr id="3" name="Content Placeholder 2"/>
+          <p:cNvSpPr>
+            <a:spLocks noGrp="1"/>
+          </p:cNvSpPr>
+          <p:nvPr>
+            <p:ph idx="1"/>
+          </p:nvPr>
+        </p:nvSpPr>
+        <p:spPr/>
+        <p:txBody>
+          <a:bodyPr/>
+          <a:lstStyle/>
+          <a:p>
+            <a:pPr marL="0" indent="0">
+              <a:buNone/>
+            </a:pPr>
+            <a:r>
+              <a:rPr lang="en-US" dirty="0">
+                <a:hlinkClick r:id="rId2"/>
+              </a:rPr>
+              <a:t>https://aerotwist.com/blog/flip-your-animations</a:t>
+            </a:r>
+            <a:r>
+              <a:rPr lang="en-US" dirty="0" smtClean="0">
+                <a:hlinkClick r:id="rId2"/>
+              </a:rPr>
+              <a:t>/</a:t>
+            </a:r>
+            <a:endParaRPr lang="en-US" dirty="0" smtClean="0"/>
+          </a:p>
+          <a:p>
+            <a:pPr marL="0" indent="0">
+              <a:buNone/>
+            </a:pPr>
+            <a:endParaRPr lang="en-US" dirty="0"/>
+          </a:p>
+        </p:txBody>
+      </p:sp>
+    </p:spTree>
+    <p:extLst>
+      <p:ext uri="{BB962C8B-B14F-4D97-AF65-F5344CB8AC3E}">
+        <p14:creationId xmlns:p14="http://schemas.microsoft.com/office/powerpoint/2010/main" val="3522781362"/>
+      </p:ext>
+    </p:extLst>
+  </p:cSld>
+  <p:clrMapOvr>
+    <a:masterClrMapping/>
+  </p:clrMapOvr>
+</p:sld>
+</file>
+
+<file path=ppt/slides/slide32.xml><?xml version="1.0" encoding="utf-8"?>
 <p:sld xmlns:a="http://schemas.openxmlformats.org/drawingml/2006/main" xmlns:r="http://schemas.openxmlformats.org/officeDocument/2006/relationships" xmlns:p="http://schemas.openxmlformats.org/presentationml/2006/main">
   <p:cSld>
     <p:spTree>
@@ -10509,11 +10598,7 @@
             </a:r>
             <a:r>
               <a:rPr lang="en-US" sz="3600" dirty="0" smtClean="0"/>
-              <a:t>element </a:t>
-            </a:r>
-            <a:r>
-              <a:rPr lang="en-US" sz="3600" dirty="0" smtClean="0"/>
-              <a:t>)</a:t>
+              <a:t>element )</a:t>
             </a:r>
           </a:p>
           <a:p>
@@ -10527,7 +10612,6 @@
               <a:rPr lang="en-US" sz="3600" dirty="0" smtClean="0"/>
               <a:t>Paint</a:t>
             </a:r>
-            <a:endParaRPr lang="en-US" sz="3600" dirty="0" smtClean="0"/>
           </a:p>
         </p:txBody>
       </p:sp>
@@ -10709,13 +10793,8 @@
             </a:r>
             <a:r>
               <a:rPr lang="en-US" dirty="0" smtClean="0"/>
-              <a:t>element </a:t>
-            </a:r>
-            <a:r>
-              <a:rPr lang="en-US" dirty="0" smtClean="0"/>
-              <a:t>)</a:t>
-            </a:r>
-            <a:endParaRPr lang="en-US" dirty="0" smtClean="0"/>
+              <a:t>element )</a:t>
+            </a:r>
           </a:p>
           <a:p>
             <a:r>
@@ -11075,21 +11154,8 @@
                   <a:srgbClr val="00B050"/>
                 </a:solidFill>
               </a:rPr>
-              <a:t>~ </a:t>
-            </a:r>
-            <a:r>
-              <a:rPr lang="en-US" sz="5400" b="1" dirty="0" smtClean="0">
-                <a:solidFill>
-                  <a:srgbClr val="00B050"/>
-                </a:solidFill>
-              </a:rPr>
-              <a:t>60Hz or 60 FPS</a:t>
-            </a:r>
-            <a:endParaRPr lang="en-US" sz="5400" b="1" dirty="0" smtClean="0">
-              <a:solidFill>
-                <a:srgbClr val="00B050"/>
-              </a:solidFill>
-            </a:endParaRPr>
+              <a:t>~ 60Hz or 60 FPS</a:t>
+            </a:r>
           </a:p>
           <a:p>
             <a:pPr algn="ctr">
@@ -11110,15 +11176,7 @@
                   <a:srgbClr val="00B050"/>
                 </a:solidFill>
               </a:rPr>
-              <a:t>~</a:t>
-            </a:r>
-            <a:r>
-              <a:rPr lang="en-US" sz="5400" b="1" dirty="0" smtClean="0">
-                <a:solidFill>
-                  <a:srgbClr val="00B050"/>
-                </a:solidFill>
-              </a:rPr>
-              <a:t>16.6ms </a:t>
+              <a:t>~16.6ms </a:t>
             </a:r>
             <a:r>
               <a:rPr lang="en-US" sz="5400" b="1" dirty="0" smtClean="0">
@@ -11138,11 +11196,7 @@
             </a:r>
             <a:r>
               <a:rPr lang="en-US" sz="5400" dirty="0" smtClean="0"/>
-              <a:t>to make a </a:t>
-            </a:r>
-            <a:r>
-              <a:rPr lang="en-US" sz="5400" dirty="0" smtClean="0"/>
-              <a:t>frame</a:t>
+              <a:t>to make a frame</a:t>
             </a:r>
             <a:endParaRPr lang="en-US" sz="5400" dirty="0"/>
           </a:p>

--- a/chrome-paint-and-compositing/ChromeInternalsPaint.pptx
+++ b/chrome-paint-and-compositing/ChromeInternalsPaint.pptx
@@ -5,44 +5,58 @@
     <p:sldMasterId id="2147483648" r:id="rId1"/>
   </p:sldMasterIdLst>
   <p:notesMasterIdLst>
-    <p:notesMasterId r:id="rId34"/>
+    <p:notesMasterId r:id="rId48"/>
   </p:notesMasterIdLst>
   <p:handoutMasterIdLst>
-    <p:handoutMasterId r:id="rId35"/>
+    <p:handoutMasterId r:id="rId49"/>
   </p:handoutMasterIdLst>
   <p:sldIdLst>
     <p:sldId id="262" r:id="rId2"/>
     <p:sldId id="302" r:id="rId3"/>
     <p:sldId id="266" r:id="rId4"/>
     <p:sldId id="295" r:id="rId5"/>
-    <p:sldId id="297" r:id="rId6"/>
-    <p:sldId id="296" r:id="rId7"/>
-    <p:sldId id="298" r:id="rId8"/>
-    <p:sldId id="306" r:id="rId9"/>
-    <p:sldId id="267" r:id="rId10"/>
-    <p:sldId id="285" r:id="rId11"/>
-    <p:sldId id="286" r:id="rId12"/>
-    <p:sldId id="290" r:id="rId13"/>
-    <p:sldId id="263" r:id="rId14"/>
-    <p:sldId id="268" r:id="rId15"/>
-    <p:sldId id="292" r:id="rId16"/>
-    <p:sldId id="287" r:id="rId17"/>
-    <p:sldId id="303" r:id="rId18"/>
-    <p:sldId id="275" r:id="rId19"/>
-    <p:sldId id="277" r:id="rId20"/>
-    <p:sldId id="291" r:id="rId21"/>
-    <p:sldId id="278" r:id="rId22"/>
-    <p:sldId id="279" r:id="rId23"/>
-    <p:sldId id="280" r:id="rId24"/>
-    <p:sldId id="281" r:id="rId25"/>
-    <p:sldId id="288" r:id="rId26"/>
-    <p:sldId id="308" r:id="rId27"/>
-    <p:sldId id="301" r:id="rId28"/>
-    <p:sldId id="282" r:id="rId29"/>
-    <p:sldId id="305" r:id="rId30"/>
-    <p:sldId id="307" r:id="rId31"/>
-    <p:sldId id="309" r:id="rId32"/>
-    <p:sldId id="304" r:id="rId33"/>
+    <p:sldId id="310" r:id="rId6"/>
+    <p:sldId id="297" r:id="rId7"/>
+    <p:sldId id="296" r:id="rId8"/>
+    <p:sldId id="298" r:id="rId9"/>
+    <p:sldId id="311" r:id="rId10"/>
+    <p:sldId id="312" r:id="rId11"/>
+    <p:sldId id="306" r:id="rId12"/>
+    <p:sldId id="313" r:id="rId13"/>
+    <p:sldId id="314" r:id="rId14"/>
+    <p:sldId id="315" r:id="rId15"/>
+    <p:sldId id="316" r:id="rId16"/>
+    <p:sldId id="317" r:id="rId17"/>
+    <p:sldId id="318" r:id="rId18"/>
+    <p:sldId id="319" r:id="rId19"/>
+    <p:sldId id="320" r:id="rId20"/>
+    <p:sldId id="321" r:id="rId21"/>
+    <p:sldId id="322" r:id="rId22"/>
+    <p:sldId id="323" r:id="rId23"/>
+    <p:sldId id="267" r:id="rId24"/>
+    <p:sldId id="285" r:id="rId25"/>
+    <p:sldId id="286" r:id="rId26"/>
+    <p:sldId id="290" r:id="rId27"/>
+    <p:sldId id="263" r:id="rId28"/>
+    <p:sldId id="268" r:id="rId29"/>
+    <p:sldId id="292" r:id="rId30"/>
+    <p:sldId id="287" r:id="rId31"/>
+    <p:sldId id="303" r:id="rId32"/>
+    <p:sldId id="275" r:id="rId33"/>
+    <p:sldId id="277" r:id="rId34"/>
+    <p:sldId id="291" r:id="rId35"/>
+    <p:sldId id="278" r:id="rId36"/>
+    <p:sldId id="279" r:id="rId37"/>
+    <p:sldId id="280" r:id="rId38"/>
+    <p:sldId id="281" r:id="rId39"/>
+    <p:sldId id="288" r:id="rId40"/>
+    <p:sldId id="308" r:id="rId41"/>
+    <p:sldId id="301" r:id="rId42"/>
+    <p:sldId id="282" r:id="rId43"/>
+    <p:sldId id="305" r:id="rId44"/>
+    <p:sldId id="307" r:id="rId45"/>
+    <p:sldId id="309" r:id="rId46"/>
+    <p:sldId id="304" r:id="rId47"/>
   </p:sldIdLst>
   <p:sldSz cx="9144000" cy="6858000" type="screen4x3"/>
   <p:notesSz cx="6858000" cy="9144000"/>
@@ -242,7 +256,7 @@
           <a:p>
             <a:fld id="{0AAA4132-CCD7-4EB5-AF56-B9A22EBA9AE4}" type="datetimeFigureOut">
               <a:rPr lang="en-US" smtClean="0"/>
-              <a:t>11/3/2015</a:t>
+              <a:t>11/4/2015</a:t>
             </a:fld>
             <a:endParaRPr lang="en-US"/>
           </a:p>
@@ -409,7 +423,7 @@
             <a:fld id="{928A82D0-2502-48B7-BAAF-1F7402C3E98F}" type="datetimeFigureOut">
               <a:rPr lang="en-US" smtClean="0"/>
               <a:pPr/>
-              <a:t>11/3/2015</a:t>
+              <a:t>11/4/2015</a:t>
             </a:fld>
             <a:endParaRPr lang="en-US"/>
           </a:p>
@@ -1239,7 +1253,7 @@
             <a:fld id="{C341EFBF-27E5-4028-B172-9514F1C51946}" type="datetime1">
               <a:rPr lang="en-US" smtClean="0"/>
               <a:pPr/>
-              <a:t>11/3/2015</a:t>
+              <a:t>11/4/2015</a:t>
             </a:fld>
             <a:endParaRPr lang="en-US"/>
           </a:p>
@@ -1413,7 +1427,7 @@
             <a:fld id="{A920291D-745D-4357-A7E8-47781745E9BE}" type="datetime1">
               <a:rPr lang="en-US" smtClean="0"/>
               <a:pPr/>
-              <a:t>11/3/2015</a:t>
+              <a:t>11/4/2015</a:t>
             </a:fld>
             <a:endParaRPr lang="en-US"/>
           </a:p>
@@ -1590,7 +1604,7 @@
             <a:fld id="{B95D3C83-F629-458A-88FC-15F9EDEDA4DE}" type="datetime1">
               <a:rPr lang="en-US" smtClean="0"/>
               <a:pPr/>
-              <a:t>11/3/2015</a:t>
+              <a:t>11/4/2015</a:t>
             </a:fld>
             <a:endParaRPr lang="en-US"/>
           </a:p>
@@ -1846,7 +1860,7 @@
             <a:fld id="{2A1B2E8A-0E21-4580-BA9A-2D8B14C3BFF5}" type="datetime1">
               <a:rPr lang="en-US" smtClean="0"/>
               <a:pPr/>
-              <a:t>11/3/2015</a:t>
+              <a:t>11/4/2015</a:t>
             </a:fld>
             <a:endParaRPr lang="en-US"/>
           </a:p>
@@ -2072,7 +2086,7 @@
             <a:fld id="{7FC4CC44-329D-4B53-8CEE-0F51F5D3EFDD}" type="datetime1">
               <a:rPr lang="en-US" smtClean="0"/>
               <a:pPr/>
-              <a:t>11/3/2015</a:t>
+              <a:t>11/4/2015</a:t>
             </a:fld>
             <a:endParaRPr lang="en-US"/>
           </a:p>
@@ -2364,7 +2378,7 @@
             <a:fld id="{D66B6793-FB83-43A0-91B9-D92665BBB307}" type="datetime1">
               <a:rPr lang="en-US" smtClean="0"/>
               <a:pPr/>
-              <a:t>11/3/2015</a:t>
+              <a:t>11/4/2015</a:t>
             </a:fld>
             <a:endParaRPr lang="en-US"/>
           </a:p>
@@ -2790,7 +2804,7 @@
             <a:fld id="{A6AA700A-F224-4670-A7D5-682771CEC697}" type="datetime1">
               <a:rPr lang="en-US" smtClean="0"/>
               <a:pPr/>
-              <a:t>11/3/2015</a:t>
+              <a:t>11/4/2015</a:t>
             </a:fld>
             <a:endParaRPr lang="en-US"/>
           </a:p>
@@ -2905,7 +2919,7 @@
             <a:fld id="{8C415ADC-E976-4ACE-8A89-EC7B966EC765}" type="datetime1">
               <a:rPr lang="en-US" smtClean="0"/>
               <a:pPr/>
-              <a:t>11/3/2015</a:t>
+              <a:t>11/4/2015</a:t>
             </a:fld>
             <a:endParaRPr lang="en-US"/>
           </a:p>
@@ -2997,7 +3011,7 @@
             <a:fld id="{2BDD193C-0A9D-4379-940E-CB07DA2018EF}" type="datetime1">
               <a:rPr lang="en-US" smtClean="0"/>
               <a:pPr/>
-              <a:t>11/3/2015</a:t>
+              <a:t>11/4/2015</a:t>
             </a:fld>
             <a:endParaRPr lang="en-US"/>
           </a:p>
@@ -3271,7 +3285,7 @@
             <a:fld id="{F5A6C827-EE3B-4901-8B61-4F0D185445F2}" type="datetime1">
               <a:rPr lang="en-US" smtClean="0"/>
               <a:pPr/>
-              <a:t>11/3/2015</a:t>
+              <a:t>11/4/2015</a:t>
             </a:fld>
             <a:endParaRPr lang="en-US"/>
           </a:p>
@@ -3521,7 +3535,7 @@
             <a:fld id="{6216DDB4-708C-44D7-A68B-01FA166BBD53}" type="datetime1">
               <a:rPr lang="en-US" smtClean="0"/>
               <a:pPr/>
-              <a:t>11/3/2015</a:t>
+              <a:t>11/4/2015</a:t>
             </a:fld>
             <a:endParaRPr lang="en-US"/>
           </a:p>
@@ -3741,7 +3755,7 @@
             <a:fld id="{98A443B8-2819-4D75-8B11-995C0527A765}" type="datetime1">
               <a:rPr lang="en-US" smtClean="0"/>
               <a:pPr/>
-              <a:t>11/3/2015</a:t>
+              <a:t>11/4/2015</a:t>
             </a:fld>
             <a:endParaRPr lang="en-US"/>
           </a:p>
@@ -4391,6 +4405,1828 @@
       </p:grpSpPr>
       <p:sp>
         <p:nvSpPr>
+          <p:cNvPr id="2" name="Title 1"/>
+          <p:cNvSpPr>
+            <a:spLocks noGrp="1"/>
+          </p:cNvSpPr>
+          <p:nvPr>
+            <p:ph type="title"/>
+          </p:nvPr>
+        </p:nvSpPr>
+        <p:spPr/>
+        <p:txBody>
+          <a:bodyPr/>
+          <a:lstStyle/>
+          <a:p>
+            <a:r>
+              <a:rPr lang="en-US" dirty="0" smtClean="0"/>
+              <a:t>Re </a:t>
+            </a:r>
+            <a:r>
+              <a:rPr lang="en-US" dirty="0" err="1" smtClean="0"/>
+              <a:t>Layour</a:t>
+            </a:r>
+            <a:endParaRPr lang="en-US" dirty="0"/>
+          </a:p>
+        </p:txBody>
+      </p:sp>
+      <p:sp>
+        <p:nvSpPr>
+          <p:cNvPr id="3" name="Content Placeholder 2"/>
+          <p:cNvSpPr>
+            <a:spLocks noGrp="1"/>
+          </p:cNvSpPr>
+          <p:nvPr>
+            <p:ph idx="1"/>
+          </p:nvPr>
+        </p:nvSpPr>
+        <p:spPr/>
+        <p:txBody>
+          <a:bodyPr/>
+          <a:lstStyle/>
+          <a:p>
+            <a:pPr marL="0" indent="0">
+              <a:buNone/>
+            </a:pPr>
+            <a:r>
+              <a:rPr lang="en-US" i="1" dirty="0"/>
+              <a:t>layout can be triggered by device orientation change on mobile, a window resize, or any other action that modifies the content of the DOM - e.g. adding or removing content from the DOM tree, toggling CSSOM properties on a node, and so on!</a:t>
+            </a:r>
+            <a:endParaRPr lang="en-US" dirty="0"/>
+          </a:p>
+        </p:txBody>
+      </p:sp>
+    </p:spTree>
+    <p:extLst>
+      <p:ext uri="{BB962C8B-B14F-4D97-AF65-F5344CB8AC3E}">
+        <p14:creationId xmlns:p14="http://schemas.microsoft.com/office/powerpoint/2010/main" val="708950169"/>
+      </p:ext>
+    </p:extLst>
+  </p:cSld>
+  <p:clrMapOvr>
+    <a:masterClrMapping/>
+  </p:clrMapOvr>
+</p:sld>
+</file>
+
+<file path=ppt/slides/slide11.xml><?xml version="1.0" encoding="utf-8"?>
+<p:sld xmlns:a="http://schemas.openxmlformats.org/drawingml/2006/main" xmlns:r="http://schemas.openxmlformats.org/officeDocument/2006/relationships" xmlns:p="http://schemas.openxmlformats.org/presentationml/2006/main">
+  <p:cSld>
+    <p:spTree>
+      <p:nvGrpSpPr>
+        <p:cNvPr id="1" name=""/>
+        <p:cNvGrpSpPr/>
+        <p:nvPr/>
+      </p:nvGrpSpPr>
+      <p:grpSpPr>
+        <a:xfrm>
+          <a:off x="0" y="0"/>
+          <a:ext cx="0" cy="0"/>
+          <a:chOff x="0" y="0"/>
+          <a:chExt cx="0" cy="0"/>
+        </a:xfrm>
+      </p:grpSpPr>
+      <p:sp>
+        <p:nvSpPr>
+          <p:cNvPr id="2" name="Title 1"/>
+          <p:cNvSpPr>
+            <a:spLocks noGrp="1"/>
+          </p:cNvSpPr>
+          <p:nvPr>
+            <p:ph type="title"/>
+          </p:nvPr>
+        </p:nvSpPr>
+        <p:spPr/>
+        <p:txBody>
+          <a:bodyPr/>
+          <a:lstStyle/>
+          <a:p>
+            <a:r>
+              <a:rPr lang="en-US" b="1" dirty="0" smtClean="0">
+                <a:solidFill>
+                  <a:srgbClr val="FFFF00"/>
+                </a:solidFill>
+              </a:rPr>
+              <a:t>Page Rendering Cycle</a:t>
+            </a:r>
+            <a:endParaRPr lang="en-US" b="1" dirty="0">
+              <a:solidFill>
+                <a:srgbClr val="FFFF00"/>
+              </a:solidFill>
+            </a:endParaRPr>
+          </a:p>
+        </p:txBody>
+      </p:sp>
+      <p:sp>
+        <p:nvSpPr>
+          <p:cNvPr id="3" name="Content Placeholder 2"/>
+          <p:cNvSpPr>
+            <a:spLocks noGrp="1"/>
+          </p:cNvSpPr>
+          <p:nvPr>
+            <p:ph idx="1"/>
+          </p:nvPr>
+        </p:nvSpPr>
+        <p:spPr>
+          <a:xfrm>
+            <a:off x="0" y="1600200"/>
+            <a:ext cx="9144000" cy="4648200"/>
+          </a:xfrm>
+        </p:spPr>
+        <p:txBody>
+          <a:bodyPr>
+            <a:normAutofit fontScale="92500" lnSpcReduction="10000"/>
+          </a:bodyPr>
+          <a:lstStyle/>
+          <a:p>
+            <a:r>
+              <a:rPr lang="en-US" dirty="0" smtClean="0">
+                <a:solidFill>
+                  <a:schemeClr val="bg1">
+                    <a:lumMod val="50000"/>
+                  </a:schemeClr>
+                </a:solidFill>
+              </a:rPr>
+              <a:t>Build </a:t>
+            </a:r>
+            <a:r>
+              <a:rPr lang="en-US" dirty="0">
+                <a:solidFill>
+                  <a:schemeClr val="bg1">
+                    <a:lumMod val="50000"/>
+                  </a:schemeClr>
+                </a:solidFill>
+              </a:rPr>
+              <a:t>the rendering </a:t>
+            </a:r>
+            <a:r>
+              <a:rPr lang="en-US" dirty="0" smtClean="0">
+                <a:solidFill>
+                  <a:schemeClr val="bg1">
+                    <a:lumMod val="50000"/>
+                  </a:schemeClr>
+                </a:solidFill>
+              </a:rPr>
+              <a:t>tree</a:t>
+            </a:r>
+          </a:p>
+          <a:p>
+            <a:r>
+              <a:rPr lang="en-US" dirty="0"/>
+              <a:t>Calculate </a:t>
+            </a:r>
+            <a:r>
+              <a:rPr lang="en-US" dirty="0" smtClean="0"/>
+              <a:t>layout (or calculate how many space </a:t>
+            </a:r>
+            <a:r>
+              <a:rPr lang="en-US" dirty="0"/>
+              <a:t>is needed for </a:t>
+            </a:r>
+            <a:r>
+              <a:rPr lang="en-US" dirty="0" smtClean="0"/>
+              <a:t>each </a:t>
+            </a:r>
+            <a:r>
+              <a:rPr lang="en-US" dirty="0" err="1"/>
+              <a:t>renderTree</a:t>
+            </a:r>
+            <a:r>
+              <a:rPr lang="en-US" dirty="0"/>
+              <a:t> </a:t>
+            </a:r>
+            <a:r>
+              <a:rPr lang="en-US" dirty="0" smtClean="0"/>
+              <a:t>element )</a:t>
+            </a:r>
+          </a:p>
+          <a:p>
+            <a:r>
+              <a:rPr lang="en-US" dirty="0" smtClean="0"/>
+              <a:t>Paint</a:t>
+            </a:r>
+          </a:p>
+          <a:p>
+            <a:r>
+              <a:rPr lang="en-US" dirty="0" smtClean="0"/>
+              <a:t>Composite</a:t>
+            </a:r>
+          </a:p>
+          <a:p>
+            <a:r>
+              <a:rPr lang="en-US" dirty="0" smtClean="0"/>
+              <a:t>Draw </a:t>
+            </a:r>
+            <a:r>
+              <a:rPr lang="en-US" dirty="0"/>
+              <a:t>the final screen image onto the screen</a:t>
+            </a:r>
+          </a:p>
+        </p:txBody>
+      </p:sp>
+    </p:spTree>
+    <p:extLst>
+      <p:ext uri="{BB962C8B-B14F-4D97-AF65-F5344CB8AC3E}">
+        <p14:creationId xmlns:p14="http://schemas.microsoft.com/office/powerpoint/2010/main" val="1381702477"/>
+      </p:ext>
+    </p:extLst>
+  </p:cSld>
+  <p:clrMapOvr>
+    <a:masterClrMapping/>
+  </p:clrMapOvr>
+  <p:timing>
+    <p:tnLst>
+      <p:par>
+        <p:cTn id="1" dur="indefinite" restart="never" nodeType="tmRoot">
+          <p:childTnLst>
+            <p:seq concurrent="1" nextAc="seek">
+              <p:cTn id="2" dur="indefinite" nodeType="mainSeq">
+                <p:childTnLst>
+                  <p:par>
+                    <p:cTn id="3" fill="hold">
+                      <p:stCondLst>
+                        <p:cond delay="indefinite"/>
+                      </p:stCondLst>
+                      <p:childTnLst>
+                        <p:par>
+                          <p:cTn id="4" fill="hold">
+                            <p:stCondLst>
+                              <p:cond delay="0"/>
+                            </p:stCondLst>
+                            <p:childTnLst>
+                              <p:par>
+                                <p:cTn id="5" presetID="1" presetClass="entr" presetSubtype="0" fill="hold" nodeType="clickEffect">
+                                  <p:stCondLst>
+                                    <p:cond delay="0"/>
+                                  </p:stCondLst>
+                                  <p:childTnLst>
+                                    <p:set>
+                                      <p:cBhvr>
+                                        <p:cTn id="6" dur="1" fill="hold">
+                                          <p:stCondLst>
+                                            <p:cond delay="0"/>
+                                          </p:stCondLst>
+                                        </p:cTn>
+                                        <p:tgtEl>
+                                          <p:spTgt spid="3">
+                                            <p:txEl>
+                                              <p:pRg st="2" end="2"/>
+                                            </p:txEl>
+                                          </p:spTgt>
+                                        </p:tgtEl>
+                                        <p:attrNameLst>
+                                          <p:attrName>style.visibility</p:attrName>
+                                        </p:attrNameLst>
+                                      </p:cBhvr>
+                                      <p:to>
+                                        <p:strVal val="visible"/>
+                                      </p:to>
+                                    </p:set>
+                                  </p:childTnLst>
+                                </p:cTn>
+                              </p:par>
+                            </p:childTnLst>
+                          </p:cTn>
+                        </p:par>
+                      </p:childTnLst>
+                    </p:cTn>
+                  </p:par>
+                  <p:par>
+                    <p:cTn id="7" fill="hold">
+                      <p:stCondLst>
+                        <p:cond delay="indefinite"/>
+                      </p:stCondLst>
+                      <p:childTnLst>
+                        <p:par>
+                          <p:cTn id="8" fill="hold">
+                            <p:stCondLst>
+                              <p:cond delay="0"/>
+                            </p:stCondLst>
+                            <p:childTnLst>
+                              <p:par>
+                                <p:cTn id="9" presetID="1" presetClass="entr" presetSubtype="0" fill="hold" nodeType="clickEffect">
+                                  <p:stCondLst>
+                                    <p:cond delay="0"/>
+                                  </p:stCondLst>
+                                  <p:childTnLst>
+                                    <p:set>
+                                      <p:cBhvr>
+                                        <p:cTn id="10" dur="1" fill="hold">
+                                          <p:stCondLst>
+                                            <p:cond delay="0"/>
+                                          </p:stCondLst>
+                                        </p:cTn>
+                                        <p:tgtEl>
+                                          <p:spTgt spid="3">
+                                            <p:txEl>
+                                              <p:pRg st="3" end="3"/>
+                                            </p:txEl>
+                                          </p:spTgt>
+                                        </p:tgtEl>
+                                        <p:attrNameLst>
+                                          <p:attrName>style.visibility</p:attrName>
+                                        </p:attrNameLst>
+                                      </p:cBhvr>
+                                      <p:to>
+                                        <p:strVal val="visible"/>
+                                      </p:to>
+                                    </p:set>
+                                  </p:childTnLst>
+                                </p:cTn>
+                              </p:par>
+                            </p:childTnLst>
+                          </p:cTn>
+                        </p:par>
+                      </p:childTnLst>
+                    </p:cTn>
+                  </p:par>
+                  <p:par>
+                    <p:cTn id="11" fill="hold">
+                      <p:stCondLst>
+                        <p:cond delay="indefinite"/>
+                      </p:stCondLst>
+                      <p:childTnLst>
+                        <p:par>
+                          <p:cTn id="12" fill="hold">
+                            <p:stCondLst>
+                              <p:cond delay="0"/>
+                            </p:stCondLst>
+                            <p:childTnLst>
+                              <p:par>
+                                <p:cTn id="13" presetID="1" presetClass="entr" presetSubtype="0" fill="hold" nodeType="clickEffect">
+                                  <p:stCondLst>
+                                    <p:cond delay="0"/>
+                                  </p:stCondLst>
+                                  <p:childTnLst>
+                                    <p:set>
+                                      <p:cBhvr>
+                                        <p:cTn id="14" dur="1" fill="hold">
+                                          <p:stCondLst>
+                                            <p:cond delay="0"/>
+                                          </p:stCondLst>
+                                        </p:cTn>
+                                        <p:tgtEl>
+                                          <p:spTgt spid="3">
+                                            <p:txEl>
+                                              <p:pRg st="4" end="4"/>
+                                            </p:txEl>
+                                          </p:spTgt>
+                                        </p:tgtEl>
+                                        <p:attrNameLst>
+                                          <p:attrName>style.visibility</p:attrName>
+                                        </p:attrNameLst>
+                                      </p:cBhvr>
+                                      <p:to>
+                                        <p:strVal val="visible"/>
+                                      </p:to>
+                                    </p:set>
+                                  </p:childTnLst>
+                                </p:cTn>
+                              </p:par>
+                            </p:childTnLst>
+                          </p:cTn>
+                        </p:par>
+                      </p:childTnLst>
+                    </p:cTn>
+                  </p:par>
+                  <p:par>
+                    <p:cTn id="15" fill="hold">
+                      <p:stCondLst>
+                        <p:cond delay="indefinite"/>
+                      </p:stCondLst>
+                      <p:childTnLst>
+                        <p:par>
+                          <p:cTn id="16" fill="hold">
+                            <p:stCondLst>
+                              <p:cond delay="0"/>
+                            </p:stCondLst>
+                            <p:childTnLst>
+                              <p:par>
+                                <p:cTn id="17" presetID="3" presetClass="emph" presetSubtype="2" fill="hold" nodeType="clickEffect">
+                                  <p:stCondLst>
+                                    <p:cond delay="0"/>
+                                  </p:stCondLst>
+                                  <p:childTnLst>
+                                    <p:animClr clrSpc="rgb" dir="cw">
+                                      <p:cBhvr override="childStyle">
+                                        <p:cTn id="18" dur="500" fill="hold"/>
+                                        <p:tgtEl>
+                                          <p:spTgt spid="3">
+                                            <p:txEl>
+                                              <p:pRg st="2" end="2"/>
+                                            </p:txEl>
+                                          </p:spTgt>
+                                        </p:tgtEl>
+                                        <p:attrNameLst>
+                                          <p:attrName>style.color</p:attrName>
+                                        </p:attrNameLst>
+                                      </p:cBhvr>
+                                      <p:to>
+                                        <a:srgbClr val="12C83D"/>
+                                      </p:to>
+                                    </p:animClr>
+                                  </p:childTnLst>
+                                </p:cTn>
+                              </p:par>
+                              <p:par>
+                                <p:cTn id="19" presetID="3" presetClass="emph" presetSubtype="2" fill="hold" nodeType="withEffect">
+                                  <p:stCondLst>
+                                    <p:cond delay="0"/>
+                                  </p:stCondLst>
+                                  <p:childTnLst>
+                                    <p:animClr clrSpc="rgb" dir="cw">
+                                      <p:cBhvr override="childStyle">
+                                        <p:cTn id="20" dur="500" fill="hold"/>
+                                        <p:tgtEl>
+                                          <p:spTgt spid="3">
+                                            <p:txEl>
+                                              <p:pRg st="3" end="3"/>
+                                            </p:txEl>
+                                          </p:spTgt>
+                                        </p:tgtEl>
+                                        <p:attrNameLst>
+                                          <p:attrName>style.color</p:attrName>
+                                        </p:attrNameLst>
+                                      </p:cBhvr>
+                                      <p:to>
+                                        <a:srgbClr val="12C83D"/>
+                                      </p:to>
+                                    </p:animClr>
+                                  </p:childTnLst>
+                                </p:cTn>
+                              </p:par>
+                            </p:childTnLst>
+                          </p:cTn>
+                        </p:par>
+                      </p:childTnLst>
+                    </p:cTn>
+                  </p:par>
+                </p:childTnLst>
+              </p:cTn>
+              <p:prevCondLst>
+                <p:cond evt="onPrev" delay="0">
+                  <p:tgtEl>
+                    <p:sldTgt/>
+                  </p:tgtEl>
+                </p:cond>
+              </p:prevCondLst>
+              <p:nextCondLst>
+                <p:cond evt="onNext" delay="0">
+                  <p:tgtEl>
+                    <p:sldTgt/>
+                  </p:tgtEl>
+                </p:cond>
+              </p:nextCondLst>
+            </p:seq>
+          </p:childTnLst>
+        </p:cTn>
+      </p:par>
+    </p:tnLst>
+  </p:timing>
+</p:sld>
+</file>
+
+<file path=ppt/slides/slide12.xml><?xml version="1.0" encoding="utf-8"?>
+<p:sld xmlns:a="http://schemas.openxmlformats.org/drawingml/2006/main" xmlns:r="http://schemas.openxmlformats.org/officeDocument/2006/relationships" xmlns:p="http://schemas.openxmlformats.org/presentationml/2006/main">
+  <p:cSld>
+    <p:spTree>
+      <p:nvGrpSpPr>
+        <p:cNvPr id="1" name=""/>
+        <p:cNvGrpSpPr/>
+        <p:nvPr/>
+      </p:nvGrpSpPr>
+      <p:grpSpPr>
+        <a:xfrm>
+          <a:off x="0" y="0"/>
+          <a:ext cx="0" cy="0"/>
+          <a:chOff x="0" y="0"/>
+          <a:chExt cx="0" cy="0"/>
+        </a:xfrm>
+      </p:grpSpPr>
+      <p:sp>
+        <p:nvSpPr>
+          <p:cNvPr id="2" name="Title 1"/>
+          <p:cNvSpPr>
+            <a:spLocks noGrp="1"/>
+          </p:cNvSpPr>
+          <p:nvPr>
+            <p:ph type="title"/>
+          </p:nvPr>
+        </p:nvSpPr>
+        <p:spPr/>
+        <p:txBody>
+          <a:bodyPr/>
+          <a:lstStyle/>
+          <a:p>
+            <a:r>
+              <a:rPr lang="en-US" dirty="0" smtClean="0"/>
+              <a:t>E</a:t>
+            </a:r>
+            <a:r>
+              <a:rPr lang="en-US" dirty="0" smtClean="0"/>
+              <a:t>xample #1</a:t>
+            </a:r>
+            <a:endParaRPr lang="en-US" dirty="0"/>
+          </a:p>
+        </p:txBody>
+      </p:sp>
+      <p:sp>
+        <p:nvSpPr>
+          <p:cNvPr id="3" name="Content Placeholder 2"/>
+          <p:cNvSpPr>
+            <a:spLocks noGrp="1"/>
+          </p:cNvSpPr>
+          <p:nvPr>
+            <p:ph idx="1"/>
+          </p:nvPr>
+        </p:nvSpPr>
+        <p:spPr/>
+        <p:txBody>
+          <a:bodyPr/>
+          <a:lstStyle/>
+          <a:p>
+            <a:pPr marL="0" indent="0">
+              <a:buNone/>
+            </a:pPr>
+            <a:endParaRPr lang="en-US" dirty="0"/>
+          </a:p>
+        </p:txBody>
+      </p:sp>
+    </p:spTree>
+    <p:extLst>
+      <p:ext uri="{BB962C8B-B14F-4D97-AF65-F5344CB8AC3E}">
+        <p14:creationId xmlns:p14="http://schemas.microsoft.com/office/powerpoint/2010/main" val="514261365"/>
+      </p:ext>
+    </p:extLst>
+  </p:cSld>
+  <p:clrMapOvr>
+    <a:masterClrMapping/>
+  </p:clrMapOvr>
+</p:sld>
+</file>
+
+<file path=ppt/slides/slide13.xml><?xml version="1.0" encoding="utf-8"?>
+<p:sld xmlns:a="http://schemas.openxmlformats.org/drawingml/2006/main" xmlns:r="http://schemas.openxmlformats.org/officeDocument/2006/relationships" xmlns:p="http://schemas.openxmlformats.org/presentationml/2006/main">
+  <p:cSld>
+    <p:spTree>
+      <p:nvGrpSpPr>
+        <p:cNvPr id="1" name=""/>
+        <p:cNvGrpSpPr/>
+        <p:nvPr/>
+      </p:nvGrpSpPr>
+      <p:grpSpPr>
+        <a:xfrm>
+          <a:off x="0" y="0"/>
+          <a:ext cx="0" cy="0"/>
+          <a:chOff x="0" y="0"/>
+          <a:chExt cx="0" cy="0"/>
+        </a:xfrm>
+      </p:grpSpPr>
+      <p:sp>
+        <p:nvSpPr>
+          <p:cNvPr id="2" name="Title 1"/>
+          <p:cNvSpPr>
+            <a:spLocks noGrp="1"/>
+          </p:cNvSpPr>
+          <p:nvPr>
+            <p:ph type="title"/>
+          </p:nvPr>
+        </p:nvSpPr>
+        <p:spPr/>
+        <p:txBody>
+          <a:bodyPr/>
+          <a:lstStyle/>
+          <a:p>
+            <a:r>
+              <a:rPr lang="en-US" dirty="0" smtClean="0"/>
+              <a:t>Render block by CSS</a:t>
+            </a:r>
+            <a:endParaRPr lang="en-US" dirty="0"/>
+          </a:p>
+        </p:txBody>
+      </p:sp>
+      <p:pic>
+        <p:nvPicPr>
+          <p:cNvPr id="4" name="Content Placeholder 3"/>
+          <p:cNvPicPr>
+            <a:picLocks noGrp="1" noChangeAspect="1"/>
+          </p:cNvPicPr>
+          <p:nvPr>
+            <p:ph idx="1"/>
+          </p:nvPr>
+        </p:nvPicPr>
+        <p:blipFill>
+          <a:blip r:embed="rId2">
+            <a:extLst>
+              <a:ext uri="{28A0092B-C50C-407E-A947-70E740481C1C}">
+                <a14:useLocalDpi xmlns:a14="http://schemas.microsoft.com/office/drawing/2010/main" val="0"/>
+              </a:ext>
+            </a:extLst>
+          </a:blip>
+          <a:stretch>
+            <a:fillRect/>
+          </a:stretch>
+        </p:blipFill>
+        <p:spPr>
+          <a:xfrm>
+            <a:off x="381000" y="1524000"/>
+            <a:ext cx="8458200" cy="4421083"/>
+          </a:xfrm>
+        </p:spPr>
+      </p:pic>
+      <p:cxnSp>
+        <p:nvCxnSpPr>
+          <p:cNvPr id="6" name="Straight Arrow Connector 5"/>
+          <p:cNvCxnSpPr/>
+          <p:nvPr/>
+        </p:nvCxnSpPr>
+        <p:spPr>
+          <a:xfrm>
+            <a:off x="5105400" y="4648200"/>
+            <a:ext cx="838200" cy="609600"/>
+          </a:xfrm>
+          <a:prstGeom prst="straightConnector1">
+            <a:avLst/>
+          </a:prstGeom>
+          <a:ln w="34925">
+            <a:tailEnd type="triangle"/>
+          </a:ln>
+        </p:spPr>
+        <p:style>
+          <a:lnRef idx="1">
+            <a:schemeClr val="accent1"/>
+          </a:lnRef>
+          <a:fillRef idx="0">
+            <a:schemeClr val="accent1"/>
+          </a:fillRef>
+          <a:effectRef idx="0">
+            <a:schemeClr val="accent1"/>
+          </a:effectRef>
+          <a:fontRef idx="minor">
+            <a:schemeClr val="tx1"/>
+          </a:fontRef>
+        </p:style>
+      </p:cxnSp>
+    </p:spTree>
+    <p:extLst>
+      <p:ext uri="{BB962C8B-B14F-4D97-AF65-F5344CB8AC3E}">
+        <p14:creationId xmlns:p14="http://schemas.microsoft.com/office/powerpoint/2010/main" val="1514153501"/>
+      </p:ext>
+    </p:extLst>
+  </p:cSld>
+  <p:clrMapOvr>
+    <a:masterClrMapping/>
+  </p:clrMapOvr>
+</p:sld>
+</file>
+
+<file path=ppt/slides/slide14.xml><?xml version="1.0" encoding="utf-8"?>
+<p:sld xmlns:a="http://schemas.openxmlformats.org/drawingml/2006/main" xmlns:r="http://schemas.openxmlformats.org/officeDocument/2006/relationships" xmlns:p="http://schemas.openxmlformats.org/presentationml/2006/main">
+  <p:cSld>
+    <p:spTree>
+      <p:nvGrpSpPr>
+        <p:cNvPr id="1" name=""/>
+        <p:cNvGrpSpPr/>
+        <p:nvPr/>
+      </p:nvGrpSpPr>
+      <p:grpSpPr>
+        <a:xfrm>
+          <a:off x="0" y="0"/>
+          <a:ext cx="0" cy="0"/>
+          <a:chOff x="0" y="0"/>
+          <a:chExt cx="0" cy="0"/>
+        </a:xfrm>
+      </p:grpSpPr>
+      <p:sp>
+        <p:nvSpPr>
+          <p:cNvPr id="2" name="Title 1"/>
+          <p:cNvSpPr>
+            <a:spLocks noGrp="1"/>
+          </p:cNvSpPr>
+          <p:nvPr>
+            <p:ph type="title"/>
+          </p:nvPr>
+        </p:nvSpPr>
+        <p:spPr/>
+        <p:txBody>
+          <a:bodyPr/>
+          <a:lstStyle/>
+          <a:p>
+            <a:endParaRPr lang="en-US"/>
+          </a:p>
+        </p:txBody>
+      </p:sp>
+      <p:sp>
+        <p:nvSpPr>
+          <p:cNvPr id="3" name="Content Placeholder 2"/>
+          <p:cNvSpPr>
+            <a:spLocks noGrp="1"/>
+          </p:cNvSpPr>
+          <p:nvPr>
+            <p:ph idx="1"/>
+          </p:nvPr>
+        </p:nvSpPr>
+        <p:spPr/>
+        <p:txBody>
+          <a:bodyPr/>
+          <a:lstStyle/>
+          <a:p>
+            <a:pPr marL="0" indent="0">
+              <a:buNone/>
+            </a:pPr>
+            <a:r>
+              <a:rPr lang="en-US" dirty="0" smtClean="0"/>
+              <a:t>Inline CSS</a:t>
+            </a:r>
+          </a:p>
+        </p:txBody>
+      </p:sp>
+    </p:spTree>
+    <p:extLst>
+      <p:ext uri="{BB962C8B-B14F-4D97-AF65-F5344CB8AC3E}">
+        <p14:creationId xmlns:p14="http://schemas.microsoft.com/office/powerpoint/2010/main" val="2094676876"/>
+      </p:ext>
+    </p:extLst>
+  </p:cSld>
+  <p:clrMapOvr>
+    <a:masterClrMapping/>
+  </p:clrMapOvr>
+</p:sld>
+</file>
+
+<file path=ppt/slides/slide15.xml><?xml version="1.0" encoding="utf-8"?>
+<p:sld xmlns:a="http://schemas.openxmlformats.org/drawingml/2006/main" xmlns:r="http://schemas.openxmlformats.org/officeDocument/2006/relationships" xmlns:p="http://schemas.openxmlformats.org/presentationml/2006/main">
+  <p:cSld>
+    <p:spTree>
+      <p:nvGrpSpPr>
+        <p:cNvPr id="1" name=""/>
+        <p:cNvGrpSpPr/>
+        <p:nvPr/>
+      </p:nvGrpSpPr>
+      <p:grpSpPr>
+        <a:xfrm>
+          <a:off x="0" y="0"/>
+          <a:ext cx="0" cy="0"/>
+          <a:chOff x="0" y="0"/>
+          <a:chExt cx="0" cy="0"/>
+        </a:xfrm>
+      </p:grpSpPr>
+      <p:sp>
+        <p:nvSpPr>
+          <p:cNvPr id="2" name="Title 1"/>
+          <p:cNvSpPr>
+            <a:spLocks noGrp="1"/>
+          </p:cNvSpPr>
+          <p:nvPr>
+            <p:ph type="title"/>
+          </p:nvPr>
+        </p:nvSpPr>
+        <p:spPr/>
+        <p:txBody>
+          <a:bodyPr/>
+          <a:lstStyle/>
+          <a:p>
+            <a:r>
+              <a:rPr lang="en-US" dirty="0" smtClean="0"/>
+              <a:t>JavaScript</a:t>
+            </a:r>
+            <a:endParaRPr lang="en-US" dirty="0"/>
+          </a:p>
+        </p:txBody>
+      </p:sp>
+      <p:sp>
+        <p:nvSpPr>
+          <p:cNvPr id="3" name="Content Placeholder 2"/>
+          <p:cNvSpPr>
+            <a:spLocks noGrp="1"/>
+          </p:cNvSpPr>
+          <p:nvPr>
+            <p:ph idx="1"/>
+          </p:nvPr>
+        </p:nvSpPr>
+        <p:spPr/>
+        <p:txBody>
+          <a:bodyPr/>
+          <a:lstStyle/>
+          <a:p>
+            <a:pPr marL="0" indent="0">
+              <a:buNone/>
+            </a:pPr>
+            <a:r>
+              <a:rPr lang="en-US" dirty="0" smtClean="0"/>
+              <a:t>Use </a:t>
+            </a:r>
+            <a:r>
+              <a:rPr lang="en-US" dirty="0" err="1" smtClean="0"/>
+              <a:t>Onload</a:t>
+            </a:r>
+            <a:r>
+              <a:rPr lang="en-US" dirty="0" smtClean="0"/>
+              <a:t> event</a:t>
+            </a:r>
+          </a:p>
+          <a:p>
+            <a:pPr marL="0" indent="0">
+              <a:buNone/>
+            </a:pPr>
+            <a:r>
+              <a:rPr lang="en-US" dirty="0" smtClean="0"/>
+              <a:t>Or use </a:t>
+            </a:r>
+            <a:r>
+              <a:rPr lang="en-US" dirty="0" err="1" smtClean="0">
+                <a:solidFill>
+                  <a:srgbClr val="FF0000"/>
+                </a:solidFill>
+              </a:rPr>
+              <a:t>async</a:t>
+            </a:r>
+            <a:r>
+              <a:rPr lang="en-US" dirty="0" smtClean="0">
+                <a:solidFill>
+                  <a:srgbClr val="FF0000"/>
+                </a:solidFill>
+              </a:rPr>
+              <a:t> </a:t>
+            </a:r>
+            <a:r>
+              <a:rPr lang="en-US" dirty="0" smtClean="0"/>
+              <a:t>tag</a:t>
+            </a:r>
+            <a:endParaRPr lang="en-US" dirty="0"/>
+          </a:p>
+        </p:txBody>
+      </p:sp>
+    </p:spTree>
+    <p:extLst>
+      <p:ext uri="{BB962C8B-B14F-4D97-AF65-F5344CB8AC3E}">
+        <p14:creationId xmlns:p14="http://schemas.microsoft.com/office/powerpoint/2010/main" val="1650311313"/>
+      </p:ext>
+    </p:extLst>
+  </p:cSld>
+  <p:clrMapOvr>
+    <a:masterClrMapping/>
+  </p:clrMapOvr>
+</p:sld>
+</file>
+
+<file path=ppt/slides/slide16.xml><?xml version="1.0" encoding="utf-8"?>
+<p:sld xmlns:a="http://schemas.openxmlformats.org/drawingml/2006/main" xmlns:r="http://schemas.openxmlformats.org/officeDocument/2006/relationships" xmlns:p="http://schemas.openxmlformats.org/presentationml/2006/main">
+  <p:cSld>
+    <p:spTree>
+      <p:nvGrpSpPr>
+        <p:cNvPr id="1" name=""/>
+        <p:cNvGrpSpPr/>
+        <p:nvPr/>
+      </p:nvGrpSpPr>
+      <p:grpSpPr>
+        <a:xfrm>
+          <a:off x="0" y="0"/>
+          <a:ext cx="0" cy="0"/>
+          <a:chOff x="0" y="0"/>
+          <a:chExt cx="0" cy="0"/>
+        </a:xfrm>
+      </p:grpSpPr>
+      <p:sp>
+        <p:nvSpPr>
+          <p:cNvPr id="2" name="Title 1"/>
+          <p:cNvSpPr>
+            <a:spLocks noGrp="1"/>
+          </p:cNvSpPr>
+          <p:nvPr>
+            <p:ph type="title"/>
+          </p:nvPr>
+        </p:nvSpPr>
+        <p:spPr/>
+        <p:txBody>
+          <a:bodyPr/>
+          <a:lstStyle/>
+          <a:p>
+            <a:r>
+              <a:rPr lang="en-US" dirty="0" err="1" smtClean="0"/>
+              <a:t>Async</a:t>
+            </a:r>
+            <a:r>
+              <a:rPr lang="en-US" dirty="0" smtClean="0"/>
+              <a:t> scripts</a:t>
+            </a:r>
+            <a:endParaRPr lang="en-US" dirty="0"/>
+          </a:p>
+        </p:txBody>
+      </p:sp>
+      <p:sp>
+        <p:nvSpPr>
+          <p:cNvPr id="3" name="Content Placeholder 2"/>
+          <p:cNvSpPr>
+            <a:spLocks noGrp="1"/>
+          </p:cNvSpPr>
+          <p:nvPr>
+            <p:ph idx="1"/>
+          </p:nvPr>
+        </p:nvSpPr>
+        <p:spPr/>
+        <p:txBody>
+          <a:bodyPr/>
+          <a:lstStyle/>
+          <a:p>
+            <a:pPr marL="0" indent="0">
+              <a:buNone/>
+            </a:pPr>
+            <a:r>
+              <a:rPr lang="en-US" dirty="0" smtClean="0"/>
+              <a:t>Does not block DOM construction </a:t>
+            </a:r>
+          </a:p>
+          <a:p>
+            <a:pPr marL="0" indent="0">
+              <a:buNone/>
+            </a:pPr>
+            <a:r>
+              <a:rPr lang="en-US" dirty="0" smtClean="0"/>
+              <a:t>Does not block on CSSOM</a:t>
+            </a:r>
+          </a:p>
+          <a:p>
+            <a:pPr marL="0" indent="0">
+              <a:buNone/>
+            </a:pPr>
+            <a:r>
+              <a:rPr lang="en-US" dirty="0" smtClean="0"/>
+              <a:t>Do not use inline scripts</a:t>
+            </a:r>
+          </a:p>
+          <a:p>
+            <a:pPr marL="0" indent="0">
+              <a:buNone/>
+            </a:pPr>
+            <a:endParaRPr lang="en-US" dirty="0"/>
+          </a:p>
+        </p:txBody>
+      </p:sp>
+    </p:spTree>
+    <p:extLst>
+      <p:ext uri="{BB962C8B-B14F-4D97-AF65-F5344CB8AC3E}">
+        <p14:creationId xmlns:p14="http://schemas.microsoft.com/office/powerpoint/2010/main" val="31031575"/>
+      </p:ext>
+    </p:extLst>
+  </p:cSld>
+  <p:clrMapOvr>
+    <a:masterClrMapping/>
+  </p:clrMapOvr>
+  <p:timing>
+    <p:tnLst>
+      <p:par>
+        <p:cTn id="1" dur="indefinite" restart="never" nodeType="tmRoot"/>
+      </p:par>
+    </p:tnLst>
+  </p:timing>
+</p:sld>
+</file>
+
+<file path=ppt/slides/slide17.xml><?xml version="1.0" encoding="utf-8"?>
+<p:sld xmlns:a="http://schemas.openxmlformats.org/drawingml/2006/main" xmlns:r="http://schemas.openxmlformats.org/officeDocument/2006/relationships" xmlns:p="http://schemas.openxmlformats.org/presentationml/2006/main">
+  <p:cSld>
+    <p:spTree>
+      <p:nvGrpSpPr>
+        <p:cNvPr id="1" name=""/>
+        <p:cNvGrpSpPr/>
+        <p:nvPr/>
+      </p:nvGrpSpPr>
+      <p:grpSpPr>
+        <a:xfrm>
+          <a:off x="0" y="0"/>
+          <a:ext cx="0" cy="0"/>
+          <a:chOff x="0" y="0"/>
+          <a:chExt cx="0" cy="0"/>
+        </a:xfrm>
+      </p:grpSpPr>
+      <p:sp>
+        <p:nvSpPr>
+          <p:cNvPr id="2" name="Title 1"/>
+          <p:cNvSpPr>
+            <a:spLocks noGrp="1"/>
+          </p:cNvSpPr>
+          <p:nvPr>
+            <p:ph type="title"/>
+          </p:nvPr>
+        </p:nvSpPr>
+        <p:spPr/>
+        <p:txBody>
+          <a:bodyPr/>
+          <a:lstStyle/>
+          <a:p>
+            <a:endParaRPr lang="en-US"/>
+          </a:p>
+        </p:txBody>
+      </p:sp>
+      <p:pic>
+        <p:nvPicPr>
+          <p:cNvPr id="4" name="Content Placeholder 3"/>
+          <p:cNvPicPr>
+            <a:picLocks noGrp="1" noChangeAspect="1"/>
+          </p:cNvPicPr>
+          <p:nvPr>
+            <p:ph idx="1"/>
+          </p:nvPr>
+        </p:nvPicPr>
+        <p:blipFill>
+          <a:blip r:embed="rId2">
+            <a:extLst>
+              <a:ext uri="{28A0092B-C50C-407E-A947-70E740481C1C}">
+                <a14:useLocalDpi xmlns:a14="http://schemas.microsoft.com/office/drawing/2010/main" val="0"/>
+              </a:ext>
+            </a:extLst>
+          </a:blip>
+          <a:stretch>
+            <a:fillRect/>
+          </a:stretch>
+        </p:blipFill>
+        <p:spPr>
+          <a:xfrm>
+            <a:off x="-304799" y="457200"/>
+            <a:ext cx="9488130" cy="4191000"/>
+          </a:xfrm>
+        </p:spPr>
+      </p:pic>
+    </p:spTree>
+    <p:extLst>
+      <p:ext uri="{BB962C8B-B14F-4D97-AF65-F5344CB8AC3E}">
+        <p14:creationId xmlns:p14="http://schemas.microsoft.com/office/powerpoint/2010/main" val="3218620677"/>
+      </p:ext>
+    </p:extLst>
+  </p:cSld>
+  <p:clrMapOvr>
+    <a:masterClrMapping/>
+  </p:clrMapOvr>
+  <p:timing>
+    <p:tnLst>
+      <p:par>
+        <p:cTn id="1" dur="indefinite" restart="never" nodeType="tmRoot"/>
+      </p:par>
+    </p:tnLst>
+  </p:timing>
+</p:sld>
+</file>
+
+<file path=ppt/slides/slide18.xml><?xml version="1.0" encoding="utf-8"?>
+<p:sld xmlns:a="http://schemas.openxmlformats.org/drawingml/2006/main" xmlns:r="http://schemas.openxmlformats.org/officeDocument/2006/relationships" xmlns:p="http://schemas.openxmlformats.org/presentationml/2006/main">
+  <p:cSld>
+    <p:spTree>
+      <p:nvGrpSpPr>
+        <p:cNvPr id="1" name=""/>
+        <p:cNvGrpSpPr/>
+        <p:nvPr/>
+      </p:nvGrpSpPr>
+      <p:grpSpPr>
+        <a:xfrm>
+          <a:off x="0" y="0"/>
+          <a:ext cx="0" cy="0"/>
+          <a:chOff x="0" y="0"/>
+          <a:chExt cx="0" cy="0"/>
+        </a:xfrm>
+      </p:grpSpPr>
+      <p:sp>
+        <p:nvSpPr>
+          <p:cNvPr id="2" name="Title 1"/>
+          <p:cNvSpPr>
+            <a:spLocks noGrp="1"/>
+          </p:cNvSpPr>
+          <p:nvPr>
+            <p:ph type="title"/>
+          </p:nvPr>
+        </p:nvSpPr>
+        <p:spPr/>
+        <p:txBody>
+          <a:bodyPr/>
+          <a:lstStyle/>
+          <a:p>
+            <a:r>
+              <a:rPr lang="en-US" dirty="0" smtClean="0"/>
+              <a:t>CRP #1</a:t>
+            </a:r>
+            <a:endParaRPr lang="en-US" dirty="0"/>
+          </a:p>
+        </p:txBody>
+      </p:sp>
+      <p:pic>
+        <p:nvPicPr>
+          <p:cNvPr id="4" name="Content Placeholder 3"/>
+          <p:cNvPicPr>
+            <a:picLocks noGrp="1" noChangeAspect="1"/>
+          </p:cNvPicPr>
+          <p:nvPr>
+            <p:ph idx="1"/>
+          </p:nvPr>
+        </p:nvPicPr>
+        <p:blipFill>
+          <a:blip r:embed="rId2">
+            <a:extLst>
+              <a:ext uri="{28A0092B-C50C-407E-A947-70E740481C1C}">
+                <a14:useLocalDpi xmlns:a14="http://schemas.microsoft.com/office/drawing/2010/main" val="0"/>
+              </a:ext>
+            </a:extLst>
+          </a:blip>
+          <a:stretch>
+            <a:fillRect/>
+          </a:stretch>
+        </p:blipFill>
+        <p:spPr>
+          <a:xfrm>
+            <a:off x="304800" y="1524000"/>
+            <a:ext cx="8610600" cy="4211346"/>
+          </a:xfrm>
+        </p:spPr>
+      </p:pic>
+    </p:spTree>
+    <p:extLst>
+      <p:ext uri="{BB962C8B-B14F-4D97-AF65-F5344CB8AC3E}">
+        <p14:creationId xmlns:p14="http://schemas.microsoft.com/office/powerpoint/2010/main" val="1304714612"/>
+      </p:ext>
+    </p:extLst>
+  </p:cSld>
+  <p:clrMapOvr>
+    <a:masterClrMapping/>
+  </p:clrMapOvr>
+</p:sld>
+</file>
+
+<file path=ppt/slides/slide19.xml><?xml version="1.0" encoding="utf-8"?>
+<p:sld xmlns:a="http://schemas.openxmlformats.org/drawingml/2006/main" xmlns:r="http://schemas.openxmlformats.org/officeDocument/2006/relationships" xmlns:p="http://schemas.openxmlformats.org/presentationml/2006/main">
+  <p:cSld>
+    <p:spTree>
+      <p:nvGrpSpPr>
+        <p:cNvPr id="1" name=""/>
+        <p:cNvGrpSpPr/>
+        <p:nvPr/>
+      </p:nvGrpSpPr>
+      <p:grpSpPr>
+        <a:xfrm>
+          <a:off x="0" y="0"/>
+          <a:ext cx="0" cy="0"/>
+          <a:chOff x="0" y="0"/>
+          <a:chExt cx="0" cy="0"/>
+        </a:xfrm>
+      </p:grpSpPr>
+      <p:sp>
+        <p:nvSpPr>
+          <p:cNvPr id="2" name="Title 1"/>
+          <p:cNvSpPr>
+            <a:spLocks noGrp="1"/>
+          </p:cNvSpPr>
+          <p:nvPr>
+            <p:ph type="title"/>
+          </p:nvPr>
+        </p:nvSpPr>
+        <p:spPr/>
+        <p:txBody>
+          <a:bodyPr/>
+          <a:lstStyle/>
+          <a:p>
+            <a:r>
+              <a:rPr lang="en-US" dirty="0" smtClean="0"/>
+              <a:t>Ideal Page &lt; 14kb </a:t>
+            </a:r>
+            <a:endParaRPr lang="en-US" dirty="0"/>
+          </a:p>
+        </p:txBody>
+      </p:sp>
+      <p:sp>
+        <p:nvSpPr>
+          <p:cNvPr id="3" name="Content Placeholder 2"/>
+          <p:cNvSpPr>
+            <a:spLocks noGrp="1"/>
+          </p:cNvSpPr>
+          <p:nvPr>
+            <p:ph idx="1"/>
+          </p:nvPr>
+        </p:nvSpPr>
+        <p:spPr/>
+        <p:txBody>
+          <a:bodyPr/>
+          <a:lstStyle/>
+          <a:p>
+            <a:endParaRPr lang="en-US"/>
+          </a:p>
+        </p:txBody>
+      </p:sp>
+    </p:spTree>
+    <p:extLst>
+      <p:ext uri="{BB962C8B-B14F-4D97-AF65-F5344CB8AC3E}">
+        <p14:creationId xmlns:p14="http://schemas.microsoft.com/office/powerpoint/2010/main" val="789180538"/>
+      </p:ext>
+    </p:extLst>
+  </p:cSld>
+  <p:clrMapOvr>
+    <a:masterClrMapping/>
+  </p:clrMapOvr>
+</p:sld>
+</file>
+
+<file path=ppt/slides/slide2.xml><?xml version="1.0" encoding="utf-8"?>
+<p:sld xmlns:a="http://schemas.openxmlformats.org/drawingml/2006/main" xmlns:r="http://schemas.openxmlformats.org/officeDocument/2006/relationships" xmlns:p="http://schemas.openxmlformats.org/presentationml/2006/main">
+  <p:cSld>
+    <p:spTree>
+      <p:nvGrpSpPr>
+        <p:cNvPr id="1" name=""/>
+        <p:cNvGrpSpPr/>
+        <p:nvPr/>
+      </p:nvGrpSpPr>
+      <p:grpSpPr>
+        <a:xfrm>
+          <a:off x="0" y="0"/>
+          <a:ext cx="0" cy="0"/>
+          <a:chOff x="0" y="0"/>
+          <a:chExt cx="0" cy="0"/>
+        </a:xfrm>
+      </p:grpSpPr>
+      <p:sp>
+        <p:nvSpPr>
+          <p:cNvPr id="2" name="Заголовок 1"/>
+          <p:cNvSpPr>
+            <a:spLocks noGrp="1"/>
+          </p:cNvSpPr>
+          <p:nvPr>
+            <p:ph type="title"/>
+          </p:nvPr>
+        </p:nvSpPr>
+        <p:spPr>
+          <a:xfrm>
+            <a:off x="0" y="4495800"/>
+            <a:ext cx="9144000" cy="1143000"/>
+          </a:xfrm>
+        </p:spPr>
+        <p:txBody>
+          <a:bodyPr>
+            <a:normAutofit/>
+          </a:bodyPr>
+          <a:lstStyle/>
+          <a:p>
+            <a:r>
+              <a:rPr lang="en-US" sz="5400" b="1" dirty="0" smtClean="0"/>
+              <a:t>Demo </a:t>
+            </a:r>
+            <a:endParaRPr lang="ru-RU" sz="5400" dirty="0"/>
+          </a:p>
+        </p:txBody>
+      </p:sp>
+    </p:spTree>
+    <p:extLst>
+      <p:ext uri="{BB962C8B-B14F-4D97-AF65-F5344CB8AC3E}">
+        <p14:creationId xmlns:p14="http://schemas.microsoft.com/office/powerpoint/2010/main" val="2330853664"/>
+      </p:ext>
+    </p:extLst>
+  </p:cSld>
+  <p:clrMapOvr>
+    <a:masterClrMapping/>
+  </p:clrMapOvr>
+  <p:timing>
+    <p:tnLst>
+      <p:par>
+        <p:cTn id="1" dur="indefinite" restart="never" nodeType="tmRoot"/>
+      </p:par>
+    </p:tnLst>
+  </p:timing>
+</p:sld>
+</file>
+
+<file path=ppt/slides/slide20.xml><?xml version="1.0" encoding="utf-8"?>
+<p:sld xmlns:a="http://schemas.openxmlformats.org/drawingml/2006/main" xmlns:r="http://schemas.openxmlformats.org/officeDocument/2006/relationships" xmlns:p="http://schemas.openxmlformats.org/presentationml/2006/main">
+  <p:cSld>
+    <p:spTree>
+      <p:nvGrpSpPr>
+        <p:cNvPr id="1" name=""/>
+        <p:cNvGrpSpPr/>
+        <p:nvPr/>
+      </p:nvGrpSpPr>
+      <p:grpSpPr>
+        <a:xfrm>
+          <a:off x="0" y="0"/>
+          <a:ext cx="0" cy="0"/>
+          <a:chOff x="0" y="0"/>
+          <a:chExt cx="0" cy="0"/>
+        </a:xfrm>
+      </p:grpSpPr>
+      <p:sp>
+        <p:nvSpPr>
+          <p:cNvPr id="2" name="Title 1"/>
+          <p:cNvSpPr>
+            <a:spLocks noGrp="1"/>
+          </p:cNvSpPr>
+          <p:nvPr>
+            <p:ph type="title"/>
+          </p:nvPr>
+        </p:nvSpPr>
+        <p:spPr/>
+        <p:txBody>
+          <a:bodyPr/>
+          <a:lstStyle/>
+          <a:p>
+            <a:r>
+              <a:rPr lang="en-US" dirty="0" smtClean="0"/>
+              <a:t>CRP #2</a:t>
+            </a:r>
+            <a:endParaRPr lang="en-US" dirty="0"/>
+          </a:p>
+        </p:txBody>
+      </p:sp>
+      <p:pic>
+        <p:nvPicPr>
+          <p:cNvPr id="5" name="Content Placeholder 4"/>
+          <p:cNvPicPr>
+            <a:picLocks noGrp="1" noChangeAspect="1"/>
+          </p:cNvPicPr>
+          <p:nvPr>
+            <p:ph idx="1"/>
+          </p:nvPr>
+        </p:nvPicPr>
+        <p:blipFill>
+          <a:blip r:embed="rId2">
+            <a:extLst>
+              <a:ext uri="{28A0092B-C50C-407E-A947-70E740481C1C}">
+                <a14:useLocalDpi xmlns:a14="http://schemas.microsoft.com/office/drawing/2010/main" val="0"/>
+              </a:ext>
+            </a:extLst>
+          </a:blip>
+          <a:stretch>
+            <a:fillRect/>
+          </a:stretch>
+        </p:blipFill>
+        <p:spPr>
+          <a:xfrm>
+            <a:off x="152400" y="1600199"/>
+            <a:ext cx="8724542" cy="4724401"/>
+          </a:xfrm>
+        </p:spPr>
+      </p:pic>
+    </p:spTree>
+    <p:extLst>
+      <p:ext uri="{BB962C8B-B14F-4D97-AF65-F5344CB8AC3E}">
+        <p14:creationId xmlns:p14="http://schemas.microsoft.com/office/powerpoint/2010/main" val="2474908043"/>
+      </p:ext>
+    </p:extLst>
+  </p:cSld>
+  <p:clrMapOvr>
+    <a:masterClrMapping/>
+  </p:clrMapOvr>
+</p:sld>
+</file>
+
+<file path=ppt/slides/slide21.xml><?xml version="1.0" encoding="utf-8"?>
+<p:sld xmlns:a="http://schemas.openxmlformats.org/drawingml/2006/main" xmlns:r="http://schemas.openxmlformats.org/officeDocument/2006/relationships" xmlns:p="http://schemas.openxmlformats.org/presentationml/2006/main">
+  <p:cSld>
+    <p:spTree>
+      <p:nvGrpSpPr>
+        <p:cNvPr id="1" name=""/>
+        <p:cNvGrpSpPr/>
+        <p:nvPr/>
+      </p:nvGrpSpPr>
+      <p:grpSpPr>
+        <a:xfrm>
+          <a:off x="0" y="0"/>
+          <a:ext cx="0" cy="0"/>
+          <a:chOff x="0" y="0"/>
+          <a:chExt cx="0" cy="0"/>
+        </a:xfrm>
+      </p:grpSpPr>
+      <p:sp>
+        <p:nvSpPr>
+          <p:cNvPr id="2" name="Title 1"/>
+          <p:cNvSpPr>
+            <a:spLocks noGrp="1"/>
+          </p:cNvSpPr>
+          <p:nvPr>
+            <p:ph type="title"/>
+          </p:nvPr>
+        </p:nvSpPr>
+        <p:spPr/>
+        <p:txBody>
+          <a:bodyPr/>
+          <a:lstStyle/>
+          <a:p>
+            <a:r>
+              <a:rPr lang="en-US" dirty="0" smtClean="0"/>
+              <a:t>CRP #3</a:t>
+            </a:r>
+            <a:endParaRPr lang="en-US" dirty="0"/>
+          </a:p>
+        </p:txBody>
+      </p:sp>
+      <p:pic>
+        <p:nvPicPr>
+          <p:cNvPr id="4" name="Content Placeholder 3"/>
+          <p:cNvPicPr>
+            <a:picLocks noGrp="1" noChangeAspect="1"/>
+          </p:cNvPicPr>
+          <p:nvPr>
+            <p:ph idx="1"/>
+          </p:nvPr>
+        </p:nvPicPr>
+        <p:blipFill>
+          <a:blip r:embed="rId2">
+            <a:extLst>
+              <a:ext uri="{28A0092B-C50C-407E-A947-70E740481C1C}">
+                <a14:useLocalDpi xmlns:a14="http://schemas.microsoft.com/office/drawing/2010/main" val="0"/>
+              </a:ext>
+            </a:extLst>
+          </a:blip>
+          <a:stretch>
+            <a:fillRect/>
+          </a:stretch>
+        </p:blipFill>
+        <p:spPr>
+          <a:xfrm>
+            <a:off x="152400" y="1524000"/>
+            <a:ext cx="8816267" cy="4800600"/>
+          </a:xfrm>
+        </p:spPr>
+      </p:pic>
+      <p:sp>
+        <p:nvSpPr>
+          <p:cNvPr id="6" name="TextBox 5"/>
+          <p:cNvSpPr txBox="1"/>
+          <p:nvPr/>
+        </p:nvSpPr>
+        <p:spPr>
+          <a:xfrm>
+            <a:off x="6096000" y="5638800"/>
+            <a:ext cx="2263055" cy="369332"/>
+          </a:xfrm>
+          <a:prstGeom prst="rect">
+            <a:avLst/>
+          </a:prstGeom>
+          <a:noFill/>
+        </p:spPr>
+        <p:txBody>
+          <a:bodyPr wrap="none" rtlCol="0">
+            <a:spAutoFit/>
+          </a:bodyPr>
+          <a:lstStyle/>
+          <a:p>
+            <a:r>
+              <a:rPr lang="en-US" b="1" dirty="0" smtClean="0"/>
+              <a:t>- download in parallel</a:t>
+            </a:r>
+            <a:endParaRPr lang="en-US" b="1" dirty="0"/>
+          </a:p>
+        </p:txBody>
+      </p:sp>
+    </p:spTree>
+    <p:extLst>
+      <p:ext uri="{BB962C8B-B14F-4D97-AF65-F5344CB8AC3E}">
+        <p14:creationId xmlns:p14="http://schemas.microsoft.com/office/powerpoint/2010/main" val="4151886378"/>
+      </p:ext>
+    </p:extLst>
+  </p:cSld>
+  <p:clrMapOvr>
+    <a:masterClrMapping/>
+  </p:clrMapOvr>
+</p:sld>
+</file>
+
+<file path=ppt/slides/slide22.xml><?xml version="1.0" encoding="utf-8"?>
+<p:sld xmlns:a="http://schemas.openxmlformats.org/drawingml/2006/main" xmlns:r="http://schemas.openxmlformats.org/officeDocument/2006/relationships" xmlns:p="http://schemas.openxmlformats.org/presentationml/2006/main">
+  <p:cSld>
+    <p:spTree>
+      <p:nvGrpSpPr>
+        <p:cNvPr id="1" name=""/>
+        <p:cNvGrpSpPr/>
+        <p:nvPr/>
+      </p:nvGrpSpPr>
+      <p:grpSpPr>
+        <a:xfrm>
+          <a:off x="0" y="0"/>
+          <a:ext cx="0" cy="0"/>
+          <a:chOff x="0" y="0"/>
+          <a:chExt cx="0" cy="0"/>
+        </a:xfrm>
+      </p:grpSpPr>
+      <p:sp>
+        <p:nvSpPr>
+          <p:cNvPr id="2" name="Title 1"/>
+          <p:cNvSpPr>
+            <a:spLocks noGrp="1"/>
+          </p:cNvSpPr>
+          <p:nvPr>
+            <p:ph type="title"/>
+          </p:nvPr>
+        </p:nvSpPr>
+        <p:spPr/>
+        <p:txBody>
+          <a:bodyPr/>
+          <a:lstStyle/>
+          <a:p>
+            <a:r>
+              <a:rPr lang="en-US" dirty="0" smtClean="0"/>
+              <a:t>CRP #4</a:t>
+            </a:r>
+            <a:endParaRPr lang="en-US" dirty="0"/>
+          </a:p>
+        </p:txBody>
+      </p:sp>
+      <p:pic>
+        <p:nvPicPr>
+          <p:cNvPr id="4" name="Content Placeholder 3"/>
+          <p:cNvPicPr>
+            <a:picLocks noGrp="1" noChangeAspect="1"/>
+          </p:cNvPicPr>
+          <p:nvPr>
+            <p:ph idx="1"/>
+          </p:nvPr>
+        </p:nvPicPr>
+        <p:blipFill>
+          <a:blip r:embed="rId2">
+            <a:extLst>
+              <a:ext uri="{28A0092B-C50C-407E-A947-70E740481C1C}">
+                <a14:useLocalDpi xmlns:a14="http://schemas.microsoft.com/office/drawing/2010/main" val="0"/>
+              </a:ext>
+            </a:extLst>
+          </a:blip>
+          <a:stretch>
+            <a:fillRect/>
+          </a:stretch>
+        </p:blipFill>
+        <p:spPr>
+          <a:xfrm>
+            <a:off x="228600" y="1524000"/>
+            <a:ext cx="8534400" cy="4647119"/>
+          </a:xfrm>
+        </p:spPr>
+      </p:pic>
+    </p:spTree>
+    <p:extLst>
+      <p:ext uri="{BB962C8B-B14F-4D97-AF65-F5344CB8AC3E}">
+        <p14:creationId xmlns:p14="http://schemas.microsoft.com/office/powerpoint/2010/main" val="1793586244"/>
+      </p:ext>
+    </p:extLst>
+  </p:cSld>
+  <p:clrMapOvr>
+    <a:masterClrMapping/>
+  </p:clrMapOvr>
+</p:sld>
+</file>
+
+<file path=ppt/slides/slide23.xml><?xml version="1.0" encoding="utf-8"?>
+<p:sld xmlns:a="http://schemas.openxmlformats.org/drawingml/2006/main" xmlns:r="http://schemas.openxmlformats.org/officeDocument/2006/relationships" xmlns:p="http://schemas.openxmlformats.org/presentationml/2006/main">
+  <p:cSld>
+    <p:spTree>
+      <p:nvGrpSpPr>
+        <p:cNvPr id="1" name=""/>
+        <p:cNvGrpSpPr/>
+        <p:nvPr/>
+      </p:nvGrpSpPr>
+      <p:grpSpPr>
+        <a:xfrm>
+          <a:off x="0" y="0"/>
+          <a:ext cx="0" cy="0"/>
+          <a:chOff x="0" y="0"/>
+          <a:chExt cx="0" cy="0"/>
+        </a:xfrm>
+      </p:grpSpPr>
+      <p:sp>
+        <p:nvSpPr>
+          <p:cNvPr id="2" name="Title 1"/>
+          <p:cNvSpPr>
+            <a:spLocks noGrp="1"/>
+          </p:cNvSpPr>
+          <p:nvPr>
+            <p:ph type="title"/>
+          </p:nvPr>
+        </p:nvSpPr>
+        <p:spPr/>
+        <p:txBody>
+          <a:bodyPr/>
+          <a:lstStyle/>
+          <a:p>
+            <a:pPr fontAlgn="base"/>
+            <a:r>
+              <a:rPr lang="en-US" b="1" dirty="0" smtClean="0"/>
+              <a:t>Display refresh rate</a:t>
+            </a:r>
+            <a:endParaRPr lang="en-US" b="1" dirty="0"/>
+          </a:p>
+        </p:txBody>
+      </p:sp>
+      <p:sp>
+        <p:nvSpPr>
+          <p:cNvPr id="3" name="Content Placeholder 2"/>
+          <p:cNvSpPr>
+            <a:spLocks noGrp="1"/>
+          </p:cNvSpPr>
+          <p:nvPr>
+            <p:ph idx="1"/>
+          </p:nvPr>
+        </p:nvSpPr>
+        <p:spPr>
+          <a:xfrm>
+            <a:off x="0" y="2133601"/>
+            <a:ext cx="9144000" cy="3047999"/>
+          </a:xfrm>
+        </p:spPr>
+        <p:txBody>
+          <a:bodyPr>
+            <a:normAutofit/>
+          </a:bodyPr>
+          <a:lstStyle/>
+          <a:p>
+            <a:pPr algn="ctr">
+              <a:buNone/>
+            </a:pPr>
+            <a:r>
+              <a:rPr lang="en-US" sz="5400" b="1" dirty="0" smtClean="0">
+                <a:solidFill>
+                  <a:srgbClr val="00B050"/>
+                </a:solidFill>
+              </a:rPr>
+              <a:t>~ 60Hz or 60 FPS</a:t>
+            </a:r>
+          </a:p>
+          <a:p>
+            <a:pPr algn="ctr">
+              <a:buNone/>
+            </a:pPr>
+            <a:r>
+              <a:rPr lang="en-US" sz="5400" dirty="0" smtClean="0"/>
+              <a:t>or </a:t>
+            </a:r>
+          </a:p>
+          <a:p>
+            <a:pPr algn="ctr">
+              <a:buNone/>
+            </a:pPr>
+            <a:r>
+              <a:rPr lang="en-US" sz="5400" b="1" dirty="0" smtClean="0">
+                <a:solidFill>
+                  <a:srgbClr val="00B050"/>
+                </a:solidFill>
+              </a:rPr>
+              <a:t>~16.6ms </a:t>
+            </a:r>
+            <a:r>
+              <a:rPr lang="en-US" sz="5400" b="1" dirty="0" smtClean="0">
+                <a:solidFill>
+                  <a:srgbClr val="FF0000"/>
+                </a:solidFill>
+              </a:rPr>
+              <a:t>(10)</a:t>
+            </a:r>
+            <a:r>
+              <a:rPr lang="en-US" sz="5400" dirty="0" smtClean="0">
+                <a:solidFill>
+                  <a:srgbClr val="00B050"/>
+                </a:solidFill>
+              </a:rPr>
+              <a:t> </a:t>
+            </a:r>
+            <a:r>
+              <a:rPr lang="en-US" sz="5400" dirty="0" smtClean="0"/>
+              <a:t>to make a frame</a:t>
+            </a:r>
+            <a:endParaRPr lang="en-US" sz="5400" dirty="0"/>
+          </a:p>
+        </p:txBody>
+      </p:sp>
+    </p:spTree>
+    <p:extLst>
+      <p:ext uri="{BB962C8B-B14F-4D97-AF65-F5344CB8AC3E}">
+        <p14:creationId xmlns:p14="http://schemas.microsoft.com/office/powerpoint/2010/main" val="890056781"/>
+      </p:ext>
+    </p:extLst>
+  </p:cSld>
+  <p:clrMapOvr>
+    <a:masterClrMapping/>
+  </p:clrMapOvr>
+  <p:timing>
+    <p:tnLst>
+      <p:par>
+        <p:cTn id="1" dur="indefinite" restart="never" nodeType="tmRoot">
+          <p:childTnLst>
+            <p:seq concurrent="1" nextAc="seek">
+              <p:cTn id="2" dur="indefinite" nodeType="mainSeq">
+                <p:childTnLst>
+                  <p:par>
+                    <p:cTn id="3" fill="hold">
+                      <p:stCondLst>
+                        <p:cond delay="indefinite"/>
+                      </p:stCondLst>
+                      <p:childTnLst>
+                        <p:par>
+                          <p:cTn id="4" fill="hold">
+                            <p:stCondLst>
+                              <p:cond delay="0"/>
+                            </p:stCondLst>
+                            <p:childTnLst>
+                              <p:par>
+                                <p:cTn id="5" presetID="1" presetClass="entr" presetSubtype="0" fill="hold" nodeType="clickEffect">
+                                  <p:stCondLst>
+                                    <p:cond delay="0"/>
+                                  </p:stCondLst>
+                                  <p:childTnLst>
+                                    <p:set>
+                                      <p:cBhvr>
+                                        <p:cTn id="6" dur="1" fill="hold">
+                                          <p:stCondLst>
+                                            <p:cond delay="0"/>
+                                          </p:stCondLst>
+                                        </p:cTn>
+                                        <p:tgtEl>
+                                          <p:spTgt spid="3">
+                                            <p:txEl>
+                                              <p:pRg st="1" end="1"/>
+                                            </p:txEl>
+                                          </p:spTgt>
+                                        </p:tgtEl>
+                                        <p:attrNameLst>
+                                          <p:attrName>style.visibility</p:attrName>
+                                        </p:attrNameLst>
+                                      </p:cBhvr>
+                                      <p:to>
+                                        <p:strVal val="visible"/>
+                                      </p:to>
+                                    </p:set>
+                                  </p:childTnLst>
+                                </p:cTn>
+                              </p:par>
+                              <p:par>
+                                <p:cTn id="7" presetID="1" presetClass="entr" presetSubtype="0" fill="hold" nodeType="withEffect">
+                                  <p:stCondLst>
+                                    <p:cond delay="0"/>
+                                  </p:stCondLst>
+                                  <p:childTnLst>
+                                    <p:set>
+                                      <p:cBhvr>
+                                        <p:cTn id="8" dur="1" fill="hold">
+                                          <p:stCondLst>
+                                            <p:cond delay="0"/>
+                                          </p:stCondLst>
+                                        </p:cTn>
+                                        <p:tgtEl>
+                                          <p:spTgt spid="3">
+                                            <p:txEl>
+                                              <p:pRg st="2" end="2"/>
+                                            </p:txEl>
+                                          </p:spTgt>
+                                        </p:tgtEl>
+                                        <p:attrNameLst>
+                                          <p:attrName>style.visibility</p:attrName>
+                                        </p:attrNameLst>
+                                      </p:cBhvr>
+                                      <p:to>
+                                        <p:strVal val="visible"/>
+                                      </p:to>
+                                    </p:set>
+                                  </p:childTnLst>
+                                </p:cTn>
+                              </p:par>
+                            </p:childTnLst>
+                          </p:cTn>
+                        </p:par>
+                      </p:childTnLst>
+                    </p:cTn>
+                  </p:par>
+                </p:childTnLst>
+              </p:cTn>
+              <p:prevCondLst>
+                <p:cond evt="onPrev" delay="0">
+                  <p:tgtEl>
+                    <p:sldTgt/>
+                  </p:tgtEl>
+                </p:cond>
+              </p:prevCondLst>
+              <p:nextCondLst>
+                <p:cond evt="onNext" delay="0">
+                  <p:tgtEl>
+                    <p:sldTgt/>
+                  </p:tgtEl>
+                </p:cond>
+              </p:nextCondLst>
+            </p:seq>
+          </p:childTnLst>
+        </p:cTn>
+      </p:par>
+    </p:tnLst>
+  </p:timing>
+</p:sld>
+</file>
+
+<file path=ppt/slides/slide24.xml><?xml version="1.0" encoding="utf-8"?>
+<p:sld xmlns:a="http://schemas.openxmlformats.org/drawingml/2006/main" xmlns:r="http://schemas.openxmlformats.org/officeDocument/2006/relationships" xmlns:p="http://schemas.openxmlformats.org/presentationml/2006/main">
+  <p:cSld>
+    <p:spTree>
+      <p:nvGrpSpPr>
+        <p:cNvPr id="1" name=""/>
+        <p:cNvGrpSpPr/>
+        <p:nvPr/>
+      </p:nvGrpSpPr>
+      <p:grpSpPr>
+        <a:xfrm>
+          <a:off x="0" y="0"/>
+          <a:ext cx="0" cy="0"/>
+          <a:chOff x="0" y="0"/>
+          <a:chExt cx="0" cy="0"/>
+        </a:xfrm>
+      </p:grpSpPr>
+      <p:sp>
+        <p:nvSpPr>
           <p:cNvPr id="7" name="Content Placeholder 2"/>
           <p:cNvSpPr txBox="1">
             <a:spLocks/>
@@ -4828,7 +6664,7 @@
 </p:sld>
 </file>
 
-<file path=ppt/slides/slide11.xml><?xml version="1.0" encoding="utf-8"?>
+<file path=ppt/slides/slide25.xml><?xml version="1.0" encoding="utf-8"?>
 <p:sld xmlns:a="http://schemas.openxmlformats.org/drawingml/2006/main" xmlns:r="http://schemas.openxmlformats.org/officeDocument/2006/relationships" xmlns:p="http://schemas.openxmlformats.org/presentationml/2006/main">
   <p:cSld>
     <p:spTree>
@@ -4969,7 +6805,7 @@
 </p:sld>
 </file>
 
-<file path=ppt/slides/slide12.xml><?xml version="1.0" encoding="utf-8"?>
+<file path=ppt/slides/slide26.xml><?xml version="1.0" encoding="utf-8"?>
 <p:sld xmlns:a="http://schemas.openxmlformats.org/drawingml/2006/main" xmlns:r="http://schemas.openxmlformats.org/officeDocument/2006/relationships" xmlns:p="http://schemas.openxmlformats.org/presentationml/2006/main">
   <p:cSld>
     <p:spTree>
@@ -5036,7 +6872,7 @@
 </p:sld>
 </file>
 
-<file path=ppt/slides/slide13.xml><?xml version="1.0" encoding="utf-8"?>
+<file path=ppt/slides/slide27.xml><?xml version="1.0" encoding="utf-8"?>
 <p:sld xmlns:a="http://schemas.openxmlformats.org/drawingml/2006/main" xmlns:r="http://schemas.openxmlformats.org/officeDocument/2006/relationships" xmlns:p="http://schemas.openxmlformats.org/presentationml/2006/main">
   <p:cSld>
     <p:spTree>
@@ -5327,7 +7163,7 @@
 </p:sld>
 </file>
 
-<file path=ppt/slides/slide14.xml><?xml version="1.0" encoding="utf-8"?>
+<file path=ppt/slides/slide28.xml><?xml version="1.0" encoding="utf-8"?>
 <p:sld xmlns:a="http://schemas.openxmlformats.org/drawingml/2006/main" xmlns:r="http://schemas.openxmlformats.org/officeDocument/2006/relationships" xmlns:p="http://schemas.openxmlformats.org/presentationml/2006/main">
   <p:cSld>
     <p:spTree>
@@ -5530,7 +7366,7 @@
 </p:sld>
 </file>
 
-<file path=ppt/slides/slide15.xml><?xml version="1.0" encoding="utf-8"?>
+<file path=ppt/slides/slide29.xml><?xml version="1.0" encoding="utf-8"?>
 <p:sld xmlns:a="http://schemas.openxmlformats.org/drawingml/2006/main" xmlns:r="http://schemas.openxmlformats.org/officeDocument/2006/relationships" xmlns:p="http://schemas.openxmlformats.org/presentationml/2006/main">
   <p:cSld>
     <p:spTree>
@@ -6298,7 +8134,196 @@
 </p:sld>
 </file>
 
-<file path=ppt/slides/slide16.xml><?xml version="1.0" encoding="utf-8"?>
+<file path=ppt/slides/slide3.xml><?xml version="1.0" encoding="utf-8"?>
+<p:sld xmlns:a="http://schemas.openxmlformats.org/drawingml/2006/main" xmlns:r="http://schemas.openxmlformats.org/officeDocument/2006/relationships" xmlns:p="http://schemas.openxmlformats.org/presentationml/2006/main">
+  <p:cSld>
+    <p:spTree>
+      <p:nvGrpSpPr>
+        <p:cNvPr id="1" name=""/>
+        <p:cNvGrpSpPr/>
+        <p:nvPr/>
+      </p:nvGrpSpPr>
+      <p:grpSpPr>
+        <a:xfrm>
+          <a:off x="0" y="0"/>
+          <a:ext cx="0" cy="0"/>
+          <a:chOff x="0" y="0"/>
+          <a:chExt cx="0" cy="0"/>
+        </a:xfrm>
+      </p:grpSpPr>
+      <p:sp>
+        <p:nvSpPr>
+          <p:cNvPr id="2" name="Title 1"/>
+          <p:cNvSpPr>
+            <a:spLocks noGrp="1"/>
+          </p:cNvSpPr>
+          <p:nvPr>
+            <p:ph type="title"/>
+          </p:nvPr>
+        </p:nvSpPr>
+        <p:spPr/>
+        <p:txBody>
+          <a:bodyPr/>
+          <a:lstStyle/>
+          <a:p>
+            <a:r>
+              <a:rPr lang="en-US" b="1" dirty="0" smtClean="0">
+                <a:solidFill>
+                  <a:srgbClr val="FFFF00"/>
+                </a:solidFill>
+              </a:rPr>
+              <a:t>Page Rendering Cycle</a:t>
+            </a:r>
+            <a:endParaRPr lang="en-US" b="1" dirty="0">
+              <a:solidFill>
+                <a:srgbClr val="FFFF00"/>
+              </a:solidFill>
+            </a:endParaRPr>
+          </a:p>
+        </p:txBody>
+      </p:sp>
+      <p:sp>
+        <p:nvSpPr>
+          <p:cNvPr id="3" name="Content Placeholder 2"/>
+          <p:cNvSpPr>
+            <a:spLocks noGrp="1"/>
+          </p:cNvSpPr>
+          <p:nvPr>
+            <p:ph idx="1"/>
+          </p:nvPr>
+        </p:nvSpPr>
+        <p:spPr>
+          <a:xfrm>
+            <a:off x="0" y="1600200"/>
+            <a:ext cx="9144000" cy="4648200"/>
+          </a:xfrm>
+        </p:spPr>
+        <p:txBody>
+          <a:bodyPr>
+            <a:normAutofit/>
+          </a:bodyPr>
+          <a:lstStyle/>
+          <a:p>
+            <a:r>
+              <a:rPr lang="en-US" dirty="0" smtClean="0"/>
+              <a:t>Request a page from server</a:t>
+            </a:r>
+          </a:p>
+          <a:p>
+            <a:r>
+              <a:rPr lang="en-US" dirty="0" smtClean="0"/>
+              <a:t>Parse </a:t>
+            </a:r>
+            <a:r>
+              <a:rPr lang="en-US" dirty="0"/>
+              <a:t>HTML and CSS </a:t>
+            </a:r>
+            <a:r>
+              <a:rPr lang="en-US" dirty="0" smtClean="0"/>
+              <a:t>files</a:t>
+            </a:r>
+          </a:p>
+          <a:p>
+            <a:r>
+              <a:rPr lang="en-US" dirty="0" smtClean="0"/>
+              <a:t>Construct DOM tree</a:t>
+            </a:r>
+          </a:p>
+        </p:txBody>
+      </p:sp>
+    </p:spTree>
+    <p:extLst>
+      <p:ext uri="{BB962C8B-B14F-4D97-AF65-F5344CB8AC3E}">
+        <p14:creationId xmlns:p14="http://schemas.microsoft.com/office/powerpoint/2010/main" val="890056781"/>
+      </p:ext>
+    </p:extLst>
+  </p:cSld>
+  <p:clrMapOvr>
+    <a:masterClrMapping/>
+  </p:clrMapOvr>
+  <p:timing>
+    <p:tnLst>
+      <p:par>
+        <p:cTn id="1" dur="indefinite" restart="never" nodeType="tmRoot">
+          <p:childTnLst>
+            <p:seq concurrent="1" nextAc="seek">
+              <p:cTn id="2" dur="indefinite" nodeType="mainSeq">
+                <p:childTnLst>
+                  <p:par>
+                    <p:cTn id="3" fill="hold">
+                      <p:stCondLst>
+                        <p:cond delay="indefinite"/>
+                      </p:stCondLst>
+                      <p:childTnLst>
+                        <p:par>
+                          <p:cTn id="4" fill="hold">
+                            <p:stCondLst>
+                              <p:cond delay="0"/>
+                            </p:stCondLst>
+                            <p:childTnLst>
+                              <p:par>
+                                <p:cTn id="5" presetID="1" presetClass="entr" presetSubtype="0" fill="hold" nodeType="clickEffect">
+                                  <p:stCondLst>
+                                    <p:cond delay="0"/>
+                                  </p:stCondLst>
+                                  <p:childTnLst>
+                                    <p:set>
+                                      <p:cBhvr>
+                                        <p:cTn id="6" dur="1" fill="hold">
+                                          <p:stCondLst>
+                                            <p:cond delay="0"/>
+                                          </p:stCondLst>
+                                        </p:cTn>
+                                        <p:tgtEl>
+                                          <p:spTgt spid="3">
+                                            <p:txEl>
+                                              <p:pRg st="2" end="2"/>
+                                            </p:txEl>
+                                          </p:spTgt>
+                                        </p:tgtEl>
+                                        <p:attrNameLst>
+                                          <p:attrName>style.visibility</p:attrName>
+                                        </p:attrNameLst>
+                                      </p:cBhvr>
+                                      <p:to>
+                                        <p:strVal val="visible"/>
+                                      </p:to>
+                                    </p:set>
+                                  </p:childTnLst>
+                                </p:cTn>
+                              </p:par>
+                            </p:childTnLst>
+                          </p:cTn>
+                        </p:par>
+                      </p:childTnLst>
+                    </p:cTn>
+                  </p:par>
+                </p:childTnLst>
+              </p:cTn>
+              <p:prevCondLst>
+                <p:cond evt="onPrev" delay="0">
+                  <p:tgtEl>
+                    <p:sldTgt/>
+                  </p:tgtEl>
+                </p:cond>
+              </p:prevCondLst>
+              <p:nextCondLst>
+                <p:cond evt="onNext" delay="0">
+                  <p:tgtEl>
+                    <p:sldTgt/>
+                  </p:tgtEl>
+                </p:cond>
+              </p:nextCondLst>
+            </p:seq>
+          </p:childTnLst>
+        </p:cTn>
+      </p:par>
+    </p:tnLst>
+  </p:timing>
+</p:sld>
+</file>
+
+<file path=ppt/slides/slide30.xml><?xml version="1.0" encoding="utf-8"?>
 <p:sld xmlns:a="http://schemas.openxmlformats.org/drawingml/2006/main" xmlns:r="http://schemas.openxmlformats.org/officeDocument/2006/relationships" xmlns:p="http://schemas.openxmlformats.org/presentationml/2006/main">
   <p:cSld>
     <p:spTree>
@@ -6532,7 +8557,7 @@
 </p:sld>
 </file>
 
-<file path=ppt/slides/slide17.xml><?xml version="1.0" encoding="utf-8"?>
+<file path=ppt/slides/slide31.xml><?xml version="1.0" encoding="utf-8"?>
 <p:sld xmlns:a="http://schemas.openxmlformats.org/drawingml/2006/main" xmlns:r="http://schemas.openxmlformats.org/officeDocument/2006/relationships" xmlns:p="http://schemas.openxmlformats.org/presentationml/2006/main">
   <p:cSld>
     <p:spTree>
@@ -6627,7 +8652,7 @@
 </p:sld>
 </file>
 
-<file path=ppt/slides/slide18.xml><?xml version="1.0" encoding="utf-8"?>
+<file path=ppt/slides/slide32.xml><?xml version="1.0" encoding="utf-8"?>
 <p:sld xmlns:a="http://schemas.openxmlformats.org/drawingml/2006/main" xmlns:r="http://schemas.openxmlformats.org/officeDocument/2006/relationships" xmlns:p="http://schemas.openxmlformats.org/presentationml/2006/main">
   <p:cSld>
     <p:spTree>
@@ -7163,7 +9188,7 @@
 </p:sld>
 </file>
 
-<file path=ppt/slides/slide19.xml><?xml version="1.0" encoding="utf-8"?>
+<file path=ppt/slides/slide33.xml><?xml version="1.0" encoding="utf-8"?>
 <p:sld xmlns:a="http://schemas.openxmlformats.org/drawingml/2006/main" xmlns:r="http://schemas.openxmlformats.org/officeDocument/2006/relationships" xmlns:p="http://schemas.openxmlformats.org/presentationml/2006/main">
   <p:cSld>
     <p:spTree>
@@ -7225,74 +9250,7 @@
 </p:sld>
 </file>
 
-<file path=ppt/slides/slide2.xml><?xml version="1.0" encoding="utf-8"?>
-<p:sld xmlns:a="http://schemas.openxmlformats.org/drawingml/2006/main" xmlns:r="http://schemas.openxmlformats.org/officeDocument/2006/relationships" xmlns:p="http://schemas.openxmlformats.org/presentationml/2006/main">
-  <p:cSld>
-    <p:spTree>
-      <p:nvGrpSpPr>
-        <p:cNvPr id="1" name=""/>
-        <p:cNvGrpSpPr/>
-        <p:nvPr/>
-      </p:nvGrpSpPr>
-      <p:grpSpPr>
-        <a:xfrm>
-          <a:off x="0" y="0"/>
-          <a:ext cx="0" cy="0"/>
-          <a:chOff x="0" y="0"/>
-          <a:chExt cx="0" cy="0"/>
-        </a:xfrm>
-      </p:grpSpPr>
-      <p:sp>
-        <p:nvSpPr>
-          <p:cNvPr id="2" name="Заголовок 1"/>
-          <p:cNvSpPr>
-            <a:spLocks noGrp="1"/>
-          </p:cNvSpPr>
-          <p:nvPr>
-            <p:ph type="title"/>
-          </p:nvPr>
-        </p:nvSpPr>
-        <p:spPr>
-          <a:xfrm>
-            <a:off x="0" y="4495800"/>
-            <a:ext cx="9144000" cy="1143000"/>
-          </a:xfrm>
-        </p:spPr>
-        <p:txBody>
-          <a:bodyPr>
-            <a:normAutofit/>
-          </a:bodyPr>
-          <a:lstStyle/>
-          <a:p>
-            <a:r>
-              <a:rPr lang="en-US" sz="5400" b="1" dirty="0" smtClean="0"/>
-              <a:t>Demo </a:t>
-            </a:r>
-            <a:endParaRPr lang="ru-RU" sz="5400" dirty="0"/>
-          </a:p>
-        </p:txBody>
-      </p:sp>
-    </p:spTree>
-    <p:extLst>
-      <p:ext uri="{BB962C8B-B14F-4D97-AF65-F5344CB8AC3E}">
-        <p14:creationId xmlns:p14="http://schemas.microsoft.com/office/powerpoint/2010/main" val="2330853664"/>
-      </p:ext>
-    </p:extLst>
-  </p:cSld>
-  <p:clrMapOvr>
-    <a:masterClrMapping/>
-  </p:clrMapOvr>
-  <p:timing>
-    <p:tnLst>
-      <p:par>
-        <p:cTn id="1" dur="indefinite" restart="never" nodeType="tmRoot"/>
-      </p:par>
-    </p:tnLst>
-  </p:timing>
-</p:sld>
-</file>
-
-<file path=ppt/slides/slide20.xml><?xml version="1.0" encoding="utf-8"?>
+<file path=ppt/slides/slide34.xml><?xml version="1.0" encoding="utf-8"?>
 <p:sld xmlns:a="http://schemas.openxmlformats.org/drawingml/2006/main" xmlns:r="http://schemas.openxmlformats.org/officeDocument/2006/relationships" xmlns:p="http://schemas.openxmlformats.org/presentationml/2006/main">
   <p:cSld>
     <p:spTree>
@@ -7418,7 +9376,7 @@
 </p:sld>
 </file>
 
-<file path=ppt/slides/slide21.xml><?xml version="1.0" encoding="utf-8"?>
+<file path=ppt/slides/slide35.xml><?xml version="1.0" encoding="utf-8"?>
 <p:sld xmlns:a="http://schemas.openxmlformats.org/drawingml/2006/main" xmlns:r="http://schemas.openxmlformats.org/officeDocument/2006/relationships" xmlns:p="http://schemas.openxmlformats.org/presentationml/2006/main">
   <p:cSld>
     <p:spTree>
@@ -7505,7 +9463,7 @@
 </p:sld>
 </file>
 
-<file path=ppt/slides/slide22.xml><?xml version="1.0" encoding="utf-8"?>
+<file path=ppt/slides/slide36.xml><?xml version="1.0" encoding="utf-8"?>
 <p:sld xmlns:a="http://schemas.openxmlformats.org/drawingml/2006/main" xmlns:r="http://schemas.openxmlformats.org/officeDocument/2006/relationships" xmlns:p="http://schemas.openxmlformats.org/presentationml/2006/main">
   <p:cSld>
     <p:spTree>
@@ -7596,7 +9554,7 @@
 </p:sld>
 </file>
 
-<file path=ppt/slides/slide23.xml><?xml version="1.0" encoding="utf-8"?>
+<file path=ppt/slides/slide37.xml><?xml version="1.0" encoding="utf-8"?>
 <p:sld xmlns:a="http://schemas.openxmlformats.org/drawingml/2006/main" xmlns:r="http://schemas.openxmlformats.org/officeDocument/2006/relationships" xmlns:p="http://schemas.openxmlformats.org/presentationml/2006/main">
   <p:cSld>
     <p:spTree>
@@ -8016,7 +9974,7 @@
 </p:sld>
 </file>
 
-<file path=ppt/slides/slide24.xml><?xml version="1.0" encoding="utf-8"?>
+<file path=ppt/slides/slide38.xml><?xml version="1.0" encoding="utf-8"?>
 <p:sld xmlns:a="http://schemas.openxmlformats.org/drawingml/2006/main" xmlns:r="http://schemas.openxmlformats.org/officeDocument/2006/relationships" xmlns:p="http://schemas.openxmlformats.org/presentationml/2006/main">
   <p:cSld>
     <p:spTree>
@@ -8103,7 +10061,7 @@
 </p:sld>
 </file>
 
-<file path=ppt/slides/slide25.xml><?xml version="1.0" encoding="utf-8"?>
+<file path=ppt/slides/slide39.xml><?xml version="1.0" encoding="utf-8"?>
 <p:sld xmlns:a="http://schemas.openxmlformats.org/drawingml/2006/main" xmlns:r="http://schemas.openxmlformats.org/officeDocument/2006/relationships" xmlns:p="http://schemas.openxmlformats.org/presentationml/2006/main">
   <p:cSld>
     <p:spTree>
@@ -8196,929 +10154,6 @@
     <p:extLst>
       <p:ext uri="{BB962C8B-B14F-4D97-AF65-F5344CB8AC3E}">
         <p14:creationId xmlns:p14="http://schemas.microsoft.com/office/powerpoint/2010/main" val="465766718"/>
-      </p:ext>
-    </p:extLst>
-  </p:cSld>
-  <p:clrMapOvr>
-    <a:masterClrMapping/>
-  </p:clrMapOvr>
-  <p:timing>
-    <p:tnLst>
-      <p:par>
-        <p:cTn id="1" dur="indefinite" restart="never" nodeType="tmRoot"/>
-      </p:par>
-    </p:tnLst>
-  </p:timing>
-</p:sld>
-</file>
-
-<file path=ppt/slides/slide26.xml><?xml version="1.0" encoding="utf-8"?>
-<p:sld xmlns:a="http://schemas.openxmlformats.org/drawingml/2006/main" xmlns:r="http://schemas.openxmlformats.org/officeDocument/2006/relationships" xmlns:p="http://schemas.openxmlformats.org/presentationml/2006/main">
-  <p:cSld>
-    <p:spTree>
-      <p:nvGrpSpPr>
-        <p:cNvPr id="1" name=""/>
-        <p:cNvGrpSpPr/>
-        <p:nvPr/>
-      </p:nvGrpSpPr>
-      <p:grpSpPr>
-        <a:xfrm>
-          <a:off x="0" y="0"/>
-          <a:ext cx="0" cy="0"/>
-          <a:chOff x="0" y="0"/>
-          <a:chExt cx="0" cy="0"/>
-        </a:xfrm>
-      </p:grpSpPr>
-      <p:sp>
-        <p:nvSpPr>
-          <p:cNvPr id="2" name="Title 1"/>
-          <p:cNvSpPr>
-            <a:spLocks noGrp="1"/>
-          </p:cNvSpPr>
-          <p:nvPr>
-            <p:ph type="title"/>
-          </p:nvPr>
-        </p:nvSpPr>
-        <p:spPr/>
-        <p:txBody>
-          <a:bodyPr/>
-          <a:lstStyle/>
-          <a:p>
-            <a:r>
-              <a:rPr lang="en-US"/>
-              <a:t>R</a:t>
-            </a:r>
-            <a:r>
-              <a:rPr lang="en-US" smtClean="0"/>
-              <a:t>ecommendation</a:t>
-            </a:r>
-            <a:endParaRPr lang="en-US" dirty="0"/>
-          </a:p>
-        </p:txBody>
-      </p:sp>
-      <p:sp>
-        <p:nvSpPr>
-          <p:cNvPr id="3" name="Content Placeholder 2"/>
-          <p:cNvSpPr>
-            <a:spLocks noGrp="1"/>
-          </p:cNvSpPr>
-          <p:nvPr>
-            <p:ph idx="1"/>
-          </p:nvPr>
-        </p:nvSpPr>
-        <p:spPr/>
-        <p:txBody>
-          <a:bodyPr/>
-          <a:lstStyle/>
-          <a:p>
-            <a:pPr marL="0" indent="0">
-              <a:buNone/>
-            </a:pPr>
-            <a:r>
-              <a:rPr lang="en-US" dirty="0" smtClean="0"/>
-              <a:t>Keep the DOM as small as possible.</a:t>
-            </a:r>
-            <a:endParaRPr lang="en-US" dirty="0"/>
-          </a:p>
-        </p:txBody>
-      </p:sp>
-    </p:spTree>
-    <p:extLst>
-      <p:ext uri="{BB962C8B-B14F-4D97-AF65-F5344CB8AC3E}">
-        <p14:creationId xmlns:p14="http://schemas.microsoft.com/office/powerpoint/2010/main" val="2188086101"/>
-      </p:ext>
-    </p:extLst>
-  </p:cSld>
-  <p:clrMapOvr>
-    <a:masterClrMapping/>
-  </p:clrMapOvr>
-</p:sld>
-</file>
-
-<file path=ppt/slides/slide27.xml><?xml version="1.0" encoding="utf-8"?>
-<p:sld xmlns:a="http://schemas.openxmlformats.org/drawingml/2006/main" xmlns:r="http://schemas.openxmlformats.org/officeDocument/2006/relationships" xmlns:p="http://schemas.openxmlformats.org/presentationml/2006/main">
-  <p:cSld>
-    <p:spTree>
-      <p:nvGrpSpPr>
-        <p:cNvPr id="1" name=""/>
-        <p:cNvGrpSpPr/>
-        <p:nvPr/>
-      </p:nvGrpSpPr>
-      <p:grpSpPr>
-        <a:xfrm>
-          <a:off x="0" y="0"/>
-          <a:ext cx="0" cy="0"/>
-          <a:chOff x="0" y="0"/>
-          <a:chExt cx="0" cy="0"/>
-        </a:xfrm>
-      </p:grpSpPr>
-      <p:sp>
-        <p:nvSpPr>
-          <p:cNvPr id="2" name="Title 1"/>
-          <p:cNvSpPr>
-            <a:spLocks noGrp="1"/>
-          </p:cNvSpPr>
-          <p:nvPr>
-            <p:ph type="title"/>
-          </p:nvPr>
-        </p:nvSpPr>
-        <p:spPr>
-          <a:xfrm>
-            <a:off x="0" y="2819400"/>
-            <a:ext cx="9144000" cy="1143000"/>
-          </a:xfrm>
-        </p:spPr>
-        <p:txBody>
-          <a:bodyPr>
-            <a:noAutofit/>
-          </a:bodyPr>
-          <a:lstStyle/>
-          <a:p>
-            <a:pPr algn="ctr"/>
-            <a:r>
-              <a:rPr lang="en-US" sz="9600" b="1" dirty="0"/>
-              <a:t>Questions</a:t>
-            </a:r>
-            <a:r>
-              <a:rPr lang="en-US" sz="9600" b="1" dirty="0" smtClean="0"/>
-              <a:t>?</a:t>
-            </a:r>
-            <a:endParaRPr lang="en-US" sz="9600" dirty="0"/>
-          </a:p>
-        </p:txBody>
-      </p:sp>
-    </p:spTree>
-    <p:extLst>
-      <p:ext uri="{BB962C8B-B14F-4D97-AF65-F5344CB8AC3E}">
-        <p14:creationId xmlns:p14="http://schemas.microsoft.com/office/powerpoint/2010/main" val="2052721824"/>
-      </p:ext>
-    </p:extLst>
-  </p:cSld>
-  <p:clrMapOvr>
-    <a:masterClrMapping/>
-  </p:clrMapOvr>
-  <p:timing>
-    <p:tnLst>
-      <p:par>
-        <p:cTn id="1" dur="indefinite" restart="never" nodeType="tmRoot"/>
-      </p:par>
-    </p:tnLst>
-  </p:timing>
-</p:sld>
-</file>
-
-<file path=ppt/slides/slide28.xml><?xml version="1.0" encoding="utf-8"?>
-<p:sld xmlns:a="http://schemas.openxmlformats.org/drawingml/2006/main" xmlns:r="http://schemas.openxmlformats.org/officeDocument/2006/relationships" xmlns:p="http://schemas.openxmlformats.org/presentationml/2006/main">
-  <p:cSld>
-    <p:spTree>
-      <p:nvGrpSpPr>
-        <p:cNvPr id="1" name=""/>
-        <p:cNvGrpSpPr/>
-        <p:nvPr/>
-      </p:nvGrpSpPr>
-      <p:grpSpPr>
-        <a:xfrm>
-          <a:off x="0" y="0"/>
-          <a:ext cx="0" cy="0"/>
-          <a:chOff x="0" y="0"/>
-          <a:chExt cx="0" cy="0"/>
-        </a:xfrm>
-      </p:grpSpPr>
-      <p:sp>
-        <p:nvSpPr>
-          <p:cNvPr id="2" name="Заголовок 1"/>
-          <p:cNvSpPr>
-            <a:spLocks noGrp="1"/>
-          </p:cNvSpPr>
-          <p:nvPr>
-            <p:ph type="title"/>
-          </p:nvPr>
-        </p:nvSpPr>
-        <p:spPr/>
-        <p:txBody>
-          <a:bodyPr>
-            <a:normAutofit/>
-          </a:bodyPr>
-          <a:lstStyle/>
-          <a:p>
-            <a:r>
-              <a:rPr lang="en-US" b="1" dirty="0" smtClean="0"/>
-              <a:t>Resources</a:t>
-            </a:r>
-            <a:endParaRPr lang="ru-RU" dirty="0"/>
-          </a:p>
-        </p:txBody>
-      </p:sp>
-      <p:sp>
-        <p:nvSpPr>
-          <p:cNvPr id="3" name="Содержимое 2"/>
-          <p:cNvSpPr>
-            <a:spLocks noGrp="1"/>
-          </p:cNvSpPr>
-          <p:nvPr>
-            <p:ph idx="1"/>
-          </p:nvPr>
-        </p:nvSpPr>
-        <p:spPr>
-          <a:xfrm>
-            <a:off x="0" y="1600200"/>
-            <a:ext cx="9144000" cy="5257800"/>
-          </a:xfrm>
-        </p:spPr>
-        <p:txBody>
-          <a:bodyPr>
-            <a:normAutofit fontScale="92500" lnSpcReduction="20000"/>
-          </a:bodyPr>
-          <a:lstStyle/>
-          <a:p>
-            <a:r>
-              <a:rPr lang="en-US" dirty="0" smtClean="0">
-                <a:hlinkClick r:id="rId2"/>
-              </a:rPr>
-              <a:t>How Browsers Work</a:t>
-            </a:r>
-            <a:endParaRPr lang="en-US" dirty="0" smtClean="0"/>
-          </a:p>
-          <a:p>
-            <a:r>
-              <a:rPr lang="en-US" dirty="0" smtClean="0">
-                <a:hlinkClick r:id="rId3"/>
-              </a:rPr>
-              <a:t>http://jankfree.org/</a:t>
-            </a:r>
-            <a:endParaRPr lang="en-US" dirty="0" smtClean="0"/>
-          </a:p>
-          <a:p>
-            <a:r>
-              <a:rPr lang="en-US" dirty="0" err="1" smtClean="0">
-                <a:hlinkClick r:id="rId4"/>
-              </a:rPr>
-              <a:t>Jank</a:t>
-            </a:r>
-            <a:r>
-              <a:rPr lang="en-US" dirty="0" smtClean="0">
-                <a:hlinkClick r:id="rId4"/>
-              </a:rPr>
-              <a:t> Free: Chrome Rendering Performance</a:t>
-            </a:r>
-            <a:endParaRPr lang="en-US" dirty="0" smtClean="0"/>
-          </a:p>
-          <a:p>
-            <a:r>
-              <a:rPr lang="en-US" dirty="0" smtClean="0">
-                <a:hlinkClick r:id="rId5"/>
-              </a:rPr>
-              <a:t>Compositing in Blink and </a:t>
-            </a:r>
-            <a:r>
-              <a:rPr lang="en-US" dirty="0" err="1" smtClean="0">
-                <a:hlinkClick r:id="rId5"/>
-              </a:rPr>
-              <a:t>WebKit</a:t>
-            </a:r>
-            <a:endParaRPr lang="en-US" dirty="0" smtClean="0"/>
-          </a:p>
-          <a:p>
-            <a:r>
-              <a:rPr lang="en-US" dirty="0" smtClean="0">
-                <a:hlinkClick r:id="rId6"/>
-              </a:rPr>
-              <a:t>Trace Event Profiling Tool (</a:t>
-            </a:r>
-            <a:r>
-              <a:rPr lang="en-US" dirty="0" err="1" smtClean="0">
-                <a:hlinkClick r:id="rId6"/>
-              </a:rPr>
-              <a:t>about:tracing</a:t>
-            </a:r>
-            <a:r>
-              <a:rPr lang="en-US" dirty="0" smtClean="0">
-                <a:hlinkClick r:id="rId6"/>
-              </a:rPr>
-              <a:t>)</a:t>
-            </a:r>
-            <a:endParaRPr lang="en-US" dirty="0" smtClean="0"/>
-          </a:p>
-          <a:p>
-            <a:r>
-              <a:rPr lang="en-US" dirty="0" smtClean="0">
-                <a:hlinkClick r:id="rId7"/>
-              </a:rPr>
-              <a:t>GPU Accelerated Compositing in Chrome</a:t>
-            </a:r>
-            <a:endParaRPr lang="en-US" dirty="0" smtClean="0"/>
-          </a:p>
-          <a:p>
-            <a:r>
-              <a:rPr lang="en-US" dirty="0" smtClean="0">
-                <a:hlinkClick r:id="rId8"/>
-              </a:rPr>
-              <a:t>CSS Paint Times and Page Render Weight</a:t>
-            </a:r>
-            <a:endParaRPr lang="en-US" dirty="0" smtClean="0"/>
-          </a:p>
-          <a:p>
-            <a:r>
-              <a:rPr lang="en-US" dirty="0">
-                <a:hlinkClick r:id="rId9"/>
-              </a:rPr>
-              <a:t>http://dev.chromium.org/developers/tech-talk-videos</a:t>
-            </a:r>
-            <a:endParaRPr lang="en-US" dirty="0" smtClean="0"/>
-          </a:p>
-          <a:p>
-            <a:endParaRPr lang="en-US" dirty="0" smtClean="0"/>
-          </a:p>
-        </p:txBody>
-      </p:sp>
-    </p:spTree>
-  </p:cSld>
-  <p:clrMapOvr>
-    <a:masterClrMapping/>
-  </p:clrMapOvr>
-  <p:timing>
-    <p:tnLst>
-      <p:par>
-        <p:cTn id="1" dur="indefinite" restart="never" nodeType="tmRoot"/>
-      </p:par>
-    </p:tnLst>
-  </p:timing>
-</p:sld>
-</file>
-
-<file path=ppt/slides/slide29.xml><?xml version="1.0" encoding="utf-8"?>
-<p:sld xmlns:a="http://schemas.openxmlformats.org/drawingml/2006/main" xmlns:r="http://schemas.openxmlformats.org/officeDocument/2006/relationships" xmlns:p="http://schemas.openxmlformats.org/presentationml/2006/main">
-  <p:cSld>
-    <p:spTree>
-      <p:nvGrpSpPr>
-        <p:cNvPr id="1" name=""/>
-        <p:cNvGrpSpPr/>
-        <p:nvPr/>
-      </p:nvGrpSpPr>
-      <p:grpSpPr>
-        <a:xfrm>
-          <a:off x="0" y="0"/>
-          <a:ext cx="0" cy="0"/>
-          <a:chOff x="0" y="0"/>
-          <a:chExt cx="0" cy="0"/>
-        </a:xfrm>
-      </p:grpSpPr>
-      <p:sp>
-        <p:nvSpPr>
-          <p:cNvPr id="2" name="Title 1"/>
-          <p:cNvSpPr>
-            <a:spLocks noGrp="1"/>
-          </p:cNvSpPr>
-          <p:nvPr>
-            <p:ph type="title"/>
-          </p:nvPr>
-        </p:nvSpPr>
-        <p:spPr/>
-        <p:txBody>
-          <a:bodyPr>
-            <a:normAutofit/>
-          </a:bodyPr>
-          <a:lstStyle/>
-          <a:p>
-            <a:r>
-              <a:rPr lang="en-US" dirty="0" smtClean="0"/>
-              <a:t>Layout boundaries</a:t>
-            </a:r>
-            <a:endParaRPr lang="en-US" dirty="0"/>
-          </a:p>
-        </p:txBody>
-      </p:sp>
-      <p:sp>
-        <p:nvSpPr>
-          <p:cNvPr id="3" name="Content Placeholder 2"/>
-          <p:cNvSpPr>
-            <a:spLocks noGrp="1"/>
-          </p:cNvSpPr>
-          <p:nvPr>
-            <p:ph idx="1"/>
-          </p:nvPr>
-        </p:nvSpPr>
-        <p:spPr/>
-        <p:txBody>
-          <a:bodyPr/>
-          <a:lstStyle/>
-          <a:p>
-            <a:pPr marL="0" indent="0">
-              <a:buNone/>
-            </a:pPr>
-            <a:r>
-              <a:rPr lang="en-US" dirty="0">
-                <a:hlinkClick r:id="rId2"/>
-              </a:rPr>
-              <a:t>http://wilsonpage.co.uk/introducing-layout-boundaries</a:t>
-            </a:r>
-            <a:r>
-              <a:rPr lang="en-US" dirty="0" smtClean="0">
-                <a:hlinkClick r:id="rId2"/>
-              </a:rPr>
-              <a:t>/</a:t>
-            </a:r>
-            <a:endParaRPr lang="en-US" dirty="0" smtClean="0"/>
-          </a:p>
-          <a:p>
-            <a:pPr marL="0" indent="0">
-              <a:buNone/>
-            </a:pPr>
-            <a:endParaRPr lang="en-US" dirty="0"/>
-          </a:p>
-        </p:txBody>
-      </p:sp>
-    </p:spTree>
-    <p:extLst>
-      <p:ext uri="{BB962C8B-B14F-4D97-AF65-F5344CB8AC3E}">
-        <p14:creationId xmlns:p14="http://schemas.microsoft.com/office/powerpoint/2010/main" val="1013595594"/>
-      </p:ext>
-    </p:extLst>
-  </p:cSld>
-  <p:clrMapOvr>
-    <a:masterClrMapping/>
-  </p:clrMapOvr>
-</p:sld>
-</file>
-
-<file path=ppt/slides/slide3.xml><?xml version="1.0" encoding="utf-8"?>
-<p:sld xmlns:a="http://schemas.openxmlformats.org/drawingml/2006/main" xmlns:r="http://schemas.openxmlformats.org/officeDocument/2006/relationships" xmlns:p="http://schemas.openxmlformats.org/presentationml/2006/main">
-  <p:cSld>
-    <p:spTree>
-      <p:nvGrpSpPr>
-        <p:cNvPr id="1" name=""/>
-        <p:cNvGrpSpPr/>
-        <p:nvPr/>
-      </p:nvGrpSpPr>
-      <p:grpSpPr>
-        <a:xfrm>
-          <a:off x="0" y="0"/>
-          <a:ext cx="0" cy="0"/>
-          <a:chOff x="0" y="0"/>
-          <a:chExt cx="0" cy="0"/>
-        </a:xfrm>
-      </p:grpSpPr>
-      <p:sp>
-        <p:nvSpPr>
-          <p:cNvPr id="2" name="Title 1"/>
-          <p:cNvSpPr>
-            <a:spLocks noGrp="1"/>
-          </p:cNvSpPr>
-          <p:nvPr>
-            <p:ph type="title"/>
-          </p:nvPr>
-        </p:nvSpPr>
-        <p:spPr/>
-        <p:txBody>
-          <a:bodyPr/>
-          <a:lstStyle/>
-          <a:p>
-            <a:r>
-              <a:rPr lang="en-US" b="1" dirty="0" smtClean="0">
-                <a:solidFill>
-                  <a:srgbClr val="FFFF00"/>
-                </a:solidFill>
-              </a:rPr>
-              <a:t>Page Rendering Cycle</a:t>
-            </a:r>
-            <a:endParaRPr lang="en-US" b="1" dirty="0">
-              <a:solidFill>
-                <a:srgbClr val="FFFF00"/>
-              </a:solidFill>
-            </a:endParaRPr>
-          </a:p>
-        </p:txBody>
-      </p:sp>
-      <p:sp>
-        <p:nvSpPr>
-          <p:cNvPr id="3" name="Content Placeholder 2"/>
-          <p:cNvSpPr>
-            <a:spLocks noGrp="1"/>
-          </p:cNvSpPr>
-          <p:nvPr>
-            <p:ph idx="1"/>
-          </p:nvPr>
-        </p:nvSpPr>
-        <p:spPr>
-          <a:xfrm>
-            <a:off x="0" y="1600200"/>
-            <a:ext cx="9144000" cy="4648200"/>
-          </a:xfrm>
-        </p:spPr>
-        <p:txBody>
-          <a:bodyPr>
-            <a:normAutofit/>
-          </a:bodyPr>
-          <a:lstStyle/>
-          <a:p>
-            <a:r>
-              <a:rPr lang="en-US" dirty="0" smtClean="0"/>
-              <a:t>Request a page from server</a:t>
-            </a:r>
-          </a:p>
-          <a:p>
-            <a:r>
-              <a:rPr lang="en-US" dirty="0" smtClean="0"/>
-              <a:t>Parse </a:t>
-            </a:r>
-            <a:r>
-              <a:rPr lang="en-US" dirty="0"/>
-              <a:t>HTML and CSS </a:t>
-            </a:r>
-            <a:r>
-              <a:rPr lang="en-US" dirty="0" smtClean="0"/>
-              <a:t>files</a:t>
-            </a:r>
-          </a:p>
-          <a:p>
-            <a:r>
-              <a:rPr lang="en-US" dirty="0" smtClean="0"/>
-              <a:t>Construct DOM tree</a:t>
-            </a:r>
-          </a:p>
-        </p:txBody>
-      </p:sp>
-    </p:spTree>
-    <p:extLst>
-      <p:ext uri="{BB962C8B-B14F-4D97-AF65-F5344CB8AC3E}">
-        <p14:creationId xmlns:p14="http://schemas.microsoft.com/office/powerpoint/2010/main" val="890056781"/>
-      </p:ext>
-    </p:extLst>
-  </p:cSld>
-  <p:clrMapOvr>
-    <a:masterClrMapping/>
-  </p:clrMapOvr>
-  <p:timing>
-    <p:tnLst>
-      <p:par>
-        <p:cTn id="1" dur="indefinite" restart="never" nodeType="tmRoot">
-          <p:childTnLst>
-            <p:seq concurrent="1" nextAc="seek">
-              <p:cTn id="2" dur="indefinite" nodeType="mainSeq">
-                <p:childTnLst>
-                  <p:par>
-                    <p:cTn id="3" fill="hold">
-                      <p:stCondLst>
-                        <p:cond delay="indefinite"/>
-                      </p:stCondLst>
-                      <p:childTnLst>
-                        <p:par>
-                          <p:cTn id="4" fill="hold">
-                            <p:stCondLst>
-                              <p:cond delay="0"/>
-                            </p:stCondLst>
-                            <p:childTnLst>
-                              <p:par>
-                                <p:cTn id="5" presetID="1" presetClass="entr" presetSubtype="0" fill="hold" nodeType="clickEffect">
-                                  <p:stCondLst>
-                                    <p:cond delay="0"/>
-                                  </p:stCondLst>
-                                  <p:childTnLst>
-                                    <p:set>
-                                      <p:cBhvr>
-                                        <p:cTn id="6" dur="1" fill="hold">
-                                          <p:stCondLst>
-                                            <p:cond delay="0"/>
-                                          </p:stCondLst>
-                                        </p:cTn>
-                                        <p:tgtEl>
-                                          <p:spTgt spid="3">
-                                            <p:txEl>
-                                              <p:pRg st="2" end="2"/>
-                                            </p:txEl>
-                                          </p:spTgt>
-                                        </p:tgtEl>
-                                        <p:attrNameLst>
-                                          <p:attrName>style.visibility</p:attrName>
-                                        </p:attrNameLst>
-                                      </p:cBhvr>
-                                      <p:to>
-                                        <p:strVal val="visible"/>
-                                      </p:to>
-                                    </p:set>
-                                  </p:childTnLst>
-                                </p:cTn>
-                              </p:par>
-                            </p:childTnLst>
-                          </p:cTn>
-                        </p:par>
-                      </p:childTnLst>
-                    </p:cTn>
-                  </p:par>
-                </p:childTnLst>
-              </p:cTn>
-              <p:prevCondLst>
-                <p:cond evt="onPrev" delay="0">
-                  <p:tgtEl>
-                    <p:sldTgt/>
-                  </p:tgtEl>
-                </p:cond>
-              </p:prevCondLst>
-              <p:nextCondLst>
-                <p:cond evt="onNext" delay="0">
-                  <p:tgtEl>
-                    <p:sldTgt/>
-                  </p:tgtEl>
-                </p:cond>
-              </p:nextCondLst>
-            </p:seq>
-          </p:childTnLst>
-        </p:cTn>
-      </p:par>
-    </p:tnLst>
-  </p:timing>
-</p:sld>
-</file>
-
-<file path=ppt/slides/slide30.xml><?xml version="1.0" encoding="utf-8"?>
-<p:sld xmlns:a="http://schemas.openxmlformats.org/drawingml/2006/main" xmlns:r="http://schemas.openxmlformats.org/officeDocument/2006/relationships" xmlns:p="http://schemas.openxmlformats.org/presentationml/2006/main">
-  <p:cSld>
-    <p:spTree>
-      <p:nvGrpSpPr>
-        <p:cNvPr id="1" name=""/>
-        <p:cNvGrpSpPr/>
-        <p:nvPr/>
-      </p:nvGrpSpPr>
-      <p:grpSpPr>
-        <a:xfrm>
-          <a:off x="0" y="0"/>
-          <a:ext cx="0" cy="0"/>
-          <a:chOff x="0" y="0"/>
-          <a:chExt cx="0" cy="0"/>
-        </a:xfrm>
-      </p:grpSpPr>
-      <p:sp>
-        <p:nvSpPr>
-          <p:cNvPr id="2" name="Title 1"/>
-          <p:cNvSpPr>
-            <a:spLocks noGrp="1"/>
-          </p:cNvSpPr>
-          <p:nvPr>
-            <p:ph type="title"/>
-          </p:nvPr>
-        </p:nvSpPr>
-        <p:spPr/>
-        <p:txBody>
-          <a:bodyPr>
-            <a:normAutofit/>
-          </a:bodyPr>
-          <a:lstStyle/>
-          <a:p>
-            <a:r>
-              <a:rPr lang="en-US" dirty="0" smtClean="0"/>
-              <a:t>CSS Triggers</a:t>
-            </a:r>
-            <a:endParaRPr lang="en-US" dirty="0"/>
-          </a:p>
-        </p:txBody>
-      </p:sp>
-      <p:sp>
-        <p:nvSpPr>
-          <p:cNvPr id="3" name="Content Placeholder 2"/>
-          <p:cNvSpPr>
-            <a:spLocks noGrp="1"/>
-          </p:cNvSpPr>
-          <p:nvPr>
-            <p:ph idx="1"/>
-          </p:nvPr>
-        </p:nvSpPr>
-        <p:spPr/>
-        <p:txBody>
-          <a:bodyPr/>
-          <a:lstStyle/>
-          <a:p>
-            <a:pPr marL="0" indent="0">
-              <a:buNone/>
-            </a:pPr>
-            <a:r>
-              <a:rPr lang="en-US" dirty="0">
-                <a:hlinkClick r:id="rId2"/>
-              </a:rPr>
-              <a:t>http://csstriggers.com</a:t>
-            </a:r>
-            <a:r>
-              <a:rPr lang="en-US" dirty="0" smtClean="0">
-                <a:hlinkClick r:id="rId2"/>
-              </a:rPr>
-              <a:t>/</a:t>
-            </a:r>
-            <a:endParaRPr lang="en-US" dirty="0" smtClean="0"/>
-          </a:p>
-          <a:p>
-            <a:pPr marL="0" indent="0">
-              <a:buNone/>
-            </a:pPr>
-            <a:endParaRPr lang="en-US" dirty="0"/>
-          </a:p>
-        </p:txBody>
-      </p:sp>
-    </p:spTree>
-    <p:extLst>
-      <p:ext uri="{BB962C8B-B14F-4D97-AF65-F5344CB8AC3E}">
-        <p14:creationId xmlns:p14="http://schemas.microsoft.com/office/powerpoint/2010/main" val="1962945837"/>
-      </p:ext>
-    </p:extLst>
-  </p:cSld>
-  <p:clrMapOvr>
-    <a:masterClrMapping/>
-  </p:clrMapOvr>
-</p:sld>
-</file>
-
-<file path=ppt/slides/slide31.xml><?xml version="1.0" encoding="utf-8"?>
-<p:sld xmlns:a="http://schemas.openxmlformats.org/drawingml/2006/main" xmlns:r="http://schemas.openxmlformats.org/officeDocument/2006/relationships" xmlns:p="http://schemas.openxmlformats.org/presentationml/2006/main">
-  <p:cSld>
-    <p:spTree>
-      <p:nvGrpSpPr>
-        <p:cNvPr id="1" name=""/>
-        <p:cNvGrpSpPr/>
-        <p:nvPr/>
-      </p:nvGrpSpPr>
-      <p:grpSpPr>
-        <a:xfrm>
-          <a:off x="0" y="0"/>
-          <a:ext cx="0" cy="0"/>
-          <a:chOff x="0" y="0"/>
-          <a:chExt cx="0" cy="0"/>
-        </a:xfrm>
-      </p:grpSpPr>
-      <p:sp>
-        <p:nvSpPr>
-          <p:cNvPr id="2" name="Title 1"/>
-          <p:cNvSpPr>
-            <a:spLocks noGrp="1"/>
-          </p:cNvSpPr>
-          <p:nvPr>
-            <p:ph type="title"/>
-          </p:nvPr>
-        </p:nvSpPr>
-        <p:spPr/>
-        <p:txBody>
-          <a:bodyPr/>
-          <a:lstStyle/>
-          <a:p>
-            <a:r>
-              <a:rPr lang="en-US" dirty="0" smtClean="0"/>
-              <a:t>FLIP</a:t>
-            </a:r>
-            <a:endParaRPr lang="en-US" dirty="0"/>
-          </a:p>
-        </p:txBody>
-      </p:sp>
-      <p:sp>
-        <p:nvSpPr>
-          <p:cNvPr id="3" name="Content Placeholder 2"/>
-          <p:cNvSpPr>
-            <a:spLocks noGrp="1"/>
-          </p:cNvSpPr>
-          <p:nvPr>
-            <p:ph idx="1"/>
-          </p:nvPr>
-        </p:nvSpPr>
-        <p:spPr/>
-        <p:txBody>
-          <a:bodyPr/>
-          <a:lstStyle/>
-          <a:p>
-            <a:pPr marL="0" indent="0">
-              <a:buNone/>
-            </a:pPr>
-            <a:r>
-              <a:rPr lang="en-US" dirty="0">
-                <a:hlinkClick r:id="rId2"/>
-              </a:rPr>
-              <a:t>https://aerotwist.com/blog/flip-your-animations</a:t>
-            </a:r>
-            <a:r>
-              <a:rPr lang="en-US" dirty="0" smtClean="0">
-                <a:hlinkClick r:id="rId2"/>
-              </a:rPr>
-              <a:t>/</a:t>
-            </a:r>
-            <a:endParaRPr lang="en-US" dirty="0" smtClean="0"/>
-          </a:p>
-          <a:p>
-            <a:pPr marL="0" indent="0">
-              <a:buNone/>
-            </a:pPr>
-            <a:endParaRPr lang="en-US" dirty="0"/>
-          </a:p>
-        </p:txBody>
-      </p:sp>
-    </p:spTree>
-    <p:extLst>
-      <p:ext uri="{BB962C8B-B14F-4D97-AF65-F5344CB8AC3E}">
-        <p14:creationId xmlns:p14="http://schemas.microsoft.com/office/powerpoint/2010/main" val="3522781362"/>
-      </p:ext>
-    </p:extLst>
-  </p:cSld>
-  <p:clrMapOvr>
-    <a:masterClrMapping/>
-  </p:clrMapOvr>
-</p:sld>
-</file>
-
-<file path=ppt/slides/slide32.xml><?xml version="1.0" encoding="utf-8"?>
-<p:sld xmlns:a="http://schemas.openxmlformats.org/drawingml/2006/main" xmlns:r="http://schemas.openxmlformats.org/officeDocument/2006/relationships" xmlns:p="http://schemas.openxmlformats.org/presentationml/2006/main">
-  <p:cSld>
-    <p:spTree>
-      <p:nvGrpSpPr>
-        <p:cNvPr id="1" name=""/>
-        <p:cNvGrpSpPr/>
-        <p:nvPr/>
-      </p:nvGrpSpPr>
-      <p:grpSpPr>
-        <a:xfrm>
-          <a:off x="0" y="0"/>
-          <a:ext cx="0" cy="0"/>
-          <a:chOff x="0" y="0"/>
-          <a:chExt cx="0" cy="0"/>
-        </a:xfrm>
-      </p:grpSpPr>
-      <p:sp>
-        <p:nvSpPr>
-          <p:cNvPr id="2" name="Title 1"/>
-          <p:cNvSpPr>
-            <a:spLocks noGrp="1"/>
-          </p:cNvSpPr>
-          <p:nvPr>
-            <p:ph type="title"/>
-          </p:nvPr>
-        </p:nvSpPr>
-        <p:spPr>
-          <a:xfrm>
-            <a:off x="0" y="2819400"/>
-            <a:ext cx="9144000" cy="1143000"/>
-          </a:xfrm>
-        </p:spPr>
-        <p:txBody>
-          <a:bodyPr>
-            <a:noAutofit/>
-          </a:bodyPr>
-          <a:lstStyle/>
-          <a:p>
-            <a:pPr algn="ctr"/>
-            <a:r>
-              <a:rPr lang="en-US" sz="9600" b="1" dirty="0" smtClean="0"/>
-              <a:t>Thanks!</a:t>
-            </a:r>
-            <a:endParaRPr lang="en-US" sz="9600" dirty="0"/>
-          </a:p>
-        </p:txBody>
-      </p:sp>
-      <p:sp>
-        <p:nvSpPr>
-          <p:cNvPr id="3" name="TextBox 2"/>
-          <p:cNvSpPr txBox="1"/>
-          <p:nvPr/>
-        </p:nvSpPr>
-        <p:spPr>
-          <a:xfrm>
-            <a:off x="0" y="6273225"/>
-            <a:ext cx="9296400" cy="584775"/>
-          </a:xfrm>
-          <a:prstGeom prst="rect">
-            <a:avLst/>
-          </a:prstGeom>
-          <a:solidFill>
-            <a:schemeClr val="tx1">
-              <a:alpha val="55000"/>
-            </a:schemeClr>
-          </a:solidFill>
-        </p:spPr>
-        <p:txBody>
-          <a:bodyPr wrap="square" rIns="274320" rtlCol="0" anchor="ctr">
-            <a:spAutoFit/>
-          </a:bodyPr>
-          <a:lstStyle/>
-          <a:p>
-            <a:pPr lvl="1" algn="r"/>
-            <a:r>
-              <a:rPr lang="en-US" sz="3200" dirty="0" smtClean="0">
-                <a:solidFill>
-                  <a:schemeClr val="bg1"/>
-                </a:solidFill>
-                <a:latin typeface="+mj-lt"/>
-                <a:ea typeface="Verdana" pitchFamily="34" charset="0"/>
-                <a:cs typeface="Arial" pitchFamily="34" charset="0"/>
-              </a:rPr>
-              <a:t>Dzmitry.Varabei@gmail.com</a:t>
-            </a:r>
-            <a:endParaRPr lang="en-US" sz="3200" dirty="0">
-              <a:solidFill>
-                <a:schemeClr val="bg1"/>
-              </a:solidFill>
-              <a:latin typeface="+mj-lt"/>
-              <a:ea typeface="Verdana" pitchFamily="34" charset="0"/>
-              <a:cs typeface="Arial" pitchFamily="34" charset="0"/>
-            </a:endParaRPr>
-          </a:p>
-        </p:txBody>
-      </p:sp>
-    </p:spTree>
-    <p:extLst>
-      <p:ext uri="{BB962C8B-B14F-4D97-AF65-F5344CB8AC3E}">
-        <p14:creationId xmlns:p14="http://schemas.microsoft.com/office/powerpoint/2010/main" val="732571543"/>
       </p:ext>
     </p:extLst>
   </p:cSld>
@@ -9616,6 +10651,740 @@
 </p:sld>
 </file>
 
+<file path=ppt/slides/slide40.xml><?xml version="1.0" encoding="utf-8"?>
+<p:sld xmlns:a="http://schemas.openxmlformats.org/drawingml/2006/main" xmlns:r="http://schemas.openxmlformats.org/officeDocument/2006/relationships" xmlns:p="http://schemas.openxmlformats.org/presentationml/2006/main">
+  <p:cSld>
+    <p:spTree>
+      <p:nvGrpSpPr>
+        <p:cNvPr id="1" name=""/>
+        <p:cNvGrpSpPr/>
+        <p:nvPr/>
+      </p:nvGrpSpPr>
+      <p:grpSpPr>
+        <a:xfrm>
+          <a:off x="0" y="0"/>
+          <a:ext cx="0" cy="0"/>
+          <a:chOff x="0" y="0"/>
+          <a:chExt cx="0" cy="0"/>
+        </a:xfrm>
+      </p:grpSpPr>
+      <p:sp>
+        <p:nvSpPr>
+          <p:cNvPr id="2" name="Title 1"/>
+          <p:cNvSpPr>
+            <a:spLocks noGrp="1"/>
+          </p:cNvSpPr>
+          <p:nvPr>
+            <p:ph type="title"/>
+          </p:nvPr>
+        </p:nvSpPr>
+        <p:spPr/>
+        <p:txBody>
+          <a:bodyPr/>
+          <a:lstStyle/>
+          <a:p>
+            <a:r>
+              <a:rPr lang="en-US"/>
+              <a:t>R</a:t>
+            </a:r>
+            <a:r>
+              <a:rPr lang="en-US" smtClean="0"/>
+              <a:t>ecommendation</a:t>
+            </a:r>
+            <a:endParaRPr lang="en-US" dirty="0"/>
+          </a:p>
+        </p:txBody>
+      </p:sp>
+      <p:sp>
+        <p:nvSpPr>
+          <p:cNvPr id="3" name="Content Placeholder 2"/>
+          <p:cNvSpPr>
+            <a:spLocks noGrp="1"/>
+          </p:cNvSpPr>
+          <p:nvPr>
+            <p:ph idx="1"/>
+          </p:nvPr>
+        </p:nvSpPr>
+        <p:spPr/>
+        <p:txBody>
+          <a:bodyPr/>
+          <a:lstStyle/>
+          <a:p>
+            <a:pPr marL="0" indent="0">
+              <a:buNone/>
+            </a:pPr>
+            <a:r>
+              <a:rPr lang="en-US" dirty="0" smtClean="0"/>
+              <a:t>Keep the DOM as small as possible.</a:t>
+            </a:r>
+            <a:endParaRPr lang="en-US" dirty="0"/>
+          </a:p>
+        </p:txBody>
+      </p:sp>
+    </p:spTree>
+    <p:extLst>
+      <p:ext uri="{BB962C8B-B14F-4D97-AF65-F5344CB8AC3E}">
+        <p14:creationId xmlns:p14="http://schemas.microsoft.com/office/powerpoint/2010/main" val="2188086101"/>
+      </p:ext>
+    </p:extLst>
+  </p:cSld>
+  <p:clrMapOvr>
+    <a:masterClrMapping/>
+  </p:clrMapOvr>
+</p:sld>
+</file>
+
+<file path=ppt/slides/slide41.xml><?xml version="1.0" encoding="utf-8"?>
+<p:sld xmlns:a="http://schemas.openxmlformats.org/drawingml/2006/main" xmlns:r="http://schemas.openxmlformats.org/officeDocument/2006/relationships" xmlns:p="http://schemas.openxmlformats.org/presentationml/2006/main">
+  <p:cSld>
+    <p:spTree>
+      <p:nvGrpSpPr>
+        <p:cNvPr id="1" name=""/>
+        <p:cNvGrpSpPr/>
+        <p:nvPr/>
+      </p:nvGrpSpPr>
+      <p:grpSpPr>
+        <a:xfrm>
+          <a:off x="0" y="0"/>
+          <a:ext cx="0" cy="0"/>
+          <a:chOff x="0" y="0"/>
+          <a:chExt cx="0" cy="0"/>
+        </a:xfrm>
+      </p:grpSpPr>
+      <p:sp>
+        <p:nvSpPr>
+          <p:cNvPr id="2" name="Title 1"/>
+          <p:cNvSpPr>
+            <a:spLocks noGrp="1"/>
+          </p:cNvSpPr>
+          <p:nvPr>
+            <p:ph type="title"/>
+          </p:nvPr>
+        </p:nvSpPr>
+        <p:spPr>
+          <a:xfrm>
+            <a:off x="0" y="2819400"/>
+            <a:ext cx="9144000" cy="1143000"/>
+          </a:xfrm>
+        </p:spPr>
+        <p:txBody>
+          <a:bodyPr>
+            <a:noAutofit/>
+          </a:bodyPr>
+          <a:lstStyle/>
+          <a:p>
+            <a:pPr algn="ctr"/>
+            <a:r>
+              <a:rPr lang="en-US" sz="9600" b="1" dirty="0"/>
+              <a:t>Questions</a:t>
+            </a:r>
+            <a:r>
+              <a:rPr lang="en-US" sz="9600" b="1" dirty="0" smtClean="0"/>
+              <a:t>?</a:t>
+            </a:r>
+            <a:endParaRPr lang="en-US" sz="9600" dirty="0"/>
+          </a:p>
+        </p:txBody>
+      </p:sp>
+    </p:spTree>
+    <p:extLst>
+      <p:ext uri="{BB962C8B-B14F-4D97-AF65-F5344CB8AC3E}">
+        <p14:creationId xmlns:p14="http://schemas.microsoft.com/office/powerpoint/2010/main" val="2052721824"/>
+      </p:ext>
+    </p:extLst>
+  </p:cSld>
+  <p:clrMapOvr>
+    <a:masterClrMapping/>
+  </p:clrMapOvr>
+  <p:timing>
+    <p:tnLst>
+      <p:par>
+        <p:cTn id="1" dur="indefinite" restart="never" nodeType="tmRoot"/>
+      </p:par>
+    </p:tnLst>
+  </p:timing>
+</p:sld>
+</file>
+
+<file path=ppt/slides/slide42.xml><?xml version="1.0" encoding="utf-8"?>
+<p:sld xmlns:a="http://schemas.openxmlformats.org/drawingml/2006/main" xmlns:r="http://schemas.openxmlformats.org/officeDocument/2006/relationships" xmlns:p="http://schemas.openxmlformats.org/presentationml/2006/main">
+  <p:cSld>
+    <p:spTree>
+      <p:nvGrpSpPr>
+        <p:cNvPr id="1" name=""/>
+        <p:cNvGrpSpPr/>
+        <p:nvPr/>
+      </p:nvGrpSpPr>
+      <p:grpSpPr>
+        <a:xfrm>
+          <a:off x="0" y="0"/>
+          <a:ext cx="0" cy="0"/>
+          <a:chOff x="0" y="0"/>
+          <a:chExt cx="0" cy="0"/>
+        </a:xfrm>
+      </p:grpSpPr>
+      <p:sp>
+        <p:nvSpPr>
+          <p:cNvPr id="2" name="Заголовок 1"/>
+          <p:cNvSpPr>
+            <a:spLocks noGrp="1"/>
+          </p:cNvSpPr>
+          <p:nvPr>
+            <p:ph type="title"/>
+          </p:nvPr>
+        </p:nvSpPr>
+        <p:spPr/>
+        <p:txBody>
+          <a:bodyPr>
+            <a:normAutofit/>
+          </a:bodyPr>
+          <a:lstStyle/>
+          <a:p>
+            <a:r>
+              <a:rPr lang="en-US" b="1" dirty="0" smtClean="0"/>
+              <a:t>Resources</a:t>
+            </a:r>
+            <a:endParaRPr lang="ru-RU" dirty="0"/>
+          </a:p>
+        </p:txBody>
+      </p:sp>
+      <p:sp>
+        <p:nvSpPr>
+          <p:cNvPr id="3" name="Содержимое 2"/>
+          <p:cNvSpPr>
+            <a:spLocks noGrp="1"/>
+          </p:cNvSpPr>
+          <p:nvPr>
+            <p:ph idx="1"/>
+          </p:nvPr>
+        </p:nvSpPr>
+        <p:spPr>
+          <a:xfrm>
+            <a:off x="0" y="1600200"/>
+            <a:ext cx="9144000" cy="5257800"/>
+          </a:xfrm>
+        </p:spPr>
+        <p:txBody>
+          <a:bodyPr>
+            <a:normAutofit fontScale="92500" lnSpcReduction="20000"/>
+          </a:bodyPr>
+          <a:lstStyle/>
+          <a:p>
+            <a:r>
+              <a:rPr lang="en-US" dirty="0" smtClean="0">
+                <a:hlinkClick r:id="rId2"/>
+              </a:rPr>
+              <a:t>How Browsers Work</a:t>
+            </a:r>
+            <a:endParaRPr lang="en-US" dirty="0" smtClean="0"/>
+          </a:p>
+          <a:p>
+            <a:r>
+              <a:rPr lang="en-US" dirty="0" smtClean="0">
+                <a:hlinkClick r:id="rId3"/>
+              </a:rPr>
+              <a:t>http://jankfree.org/</a:t>
+            </a:r>
+            <a:endParaRPr lang="en-US" dirty="0" smtClean="0"/>
+          </a:p>
+          <a:p>
+            <a:r>
+              <a:rPr lang="en-US" dirty="0" err="1" smtClean="0">
+                <a:hlinkClick r:id="rId4"/>
+              </a:rPr>
+              <a:t>Jank</a:t>
+            </a:r>
+            <a:r>
+              <a:rPr lang="en-US" dirty="0" smtClean="0">
+                <a:hlinkClick r:id="rId4"/>
+              </a:rPr>
+              <a:t> Free: Chrome Rendering Performance</a:t>
+            </a:r>
+            <a:endParaRPr lang="en-US" dirty="0" smtClean="0"/>
+          </a:p>
+          <a:p>
+            <a:r>
+              <a:rPr lang="en-US" dirty="0" smtClean="0">
+                <a:hlinkClick r:id="rId5"/>
+              </a:rPr>
+              <a:t>Compositing in Blink and </a:t>
+            </a:r>
+            <a:r>
+              <a:rPr lang="en-US" dirty="0" err="1" smtClean="0">
+                <a:hlinkClick r:id="rId5"/>
+              </a:rPr>
+              <a:t>WebKit</a:t>
+            </a:r>
+            <a:endParaRPr lang="en-US" dirty="0" smtClean="0"/>
+          </a:p>
+          <a:p>
+            <a:r>
+              <a:rPr lang="en-US" dirty="0" smtClean="0">
+                <a:hlinkClick r:id="rId6"/>
+              </a:rPr>
+              <a:t>Trace Event Profiling Tool (</a:t>
+            </a:r>
+            <a:r>
+              <a:rPr lang="en-US" dirty="0" err="1" smtClean="0">
+                <a:hlinkClick r:id="rId6"/>
+              </a:rPr>
+              <a:t>about:tracing</a:t>
+            </a:r>
+            <a:r>
+              <a:rPr lang="en-US" dirty="0" smtClean="0">
+                <a:hlinkClick r:id="rId6"/>
+              </a:rPr>
+              <a:t>)</a:t>
+            </a:r>
+            <a:endParaRPr lang="en-US" dirty="0" smtClean="0"/>
+          </a:p>
+          <a:p>
+            <a:r>
+              <a:rPr lang="en-US" dirty="0" smtClean="0">
+                <a:hlinkClick r:id="rId7"/>
+              </a:rPr>
+              <a:t>GPU Accelerated Compositing in Chrome</a:t>
+            </a:r>
+            <a:endParaRPr lang="en-US" dirty="0" smtClean="0"/>
+          </a:p>
+          <a:p>
+            <a:r>
+              <a:rPr lang="en-US" dirty="0" smtClean="0">
+                <a:hlinkClick r:id="rId8"/>
+              </a:rPr>
+              <a:t>CSS Paint Times and Page Render Weight</a:t>
+            </a:r>
+            <a:endParaRPr lang="en-US" dirty="0" smtClean="0"/>
+          </a:p>
+          <a:p>
+            <a:r>
+              <a:rPr lang="en-US" dirty="0">
+                <a:hlinkClick r:id="rId9"/>
+              </a:rPr>
+              <a:t>http://dev.chromium.org/developers/tech-talk-videos</a:t>
+            </a:r>
+            <a:endParaRPr lang="en-US" dirty="0" smtClean="0"/>
+          </a:p>
+          <a:p>
+            <a:endParaRPr lang="en-US" dirty="0" smtClean="0"/>
+          </a:p>
+        </p:txBody>
+      </p:sp>
+    </p:spTree>
+  </p:cSld>
+  <p:clrMapOvr>
+    <a:masterClrMapping/>
+  </p:clrMapOvr>
+  <p:timing>
+    <p:tnLst>
+      <p:par>
+        <p:cTn id="1" dur="indefinite" restart="never" nodeType="tmRoot"/>
+      </p:par>
+    </p:tnLst>
+  </p:timing>
+</p:sld>
+</file>
+
+<file path=ppt/slides/slide43.xml><?xml version="1.0" encoding="utf-8"?>
+<p:sld xmlns:a="http://schemas.openxmlformats.org/drawingml/2006/main" xmlns:r="http://schemas.openxmlformats.org/officeDocument/2006/relationships" xmlns:p="http://schemas.openxmlformats.org/presentationml/2006/main">
+  <p:cSld>
+    <p:spTree>
+      <p:nvGrpSpPr>
+        <p:cNvPr id="1" name=""/>
+        <p:cNvGrpSpPr/>
+        <p:nvPr/>
+      </p:nvGrpSpPr>
+      <p:grpSpPr>
+        <a:xfrm>
+          <a:off x="0" y="0"/>
+          <a:ext cx="0" cy="0"/>
+          <a:chOff x="0" y="0"/>
+          <a:chExt cx="0" cy="0"/>
+        </a:xfrm>
+      </p:grpSpPr>
+      <p:sp>
+        <p:nvSpPr>
+          <p:cNvPr id="2" name="Title 1"/>
+          <p:cNvSpPr>
+            <a:spLocks noGrp="1"/>
+          </p:cNvSpPr>
+          <p:nvPr>
+            <p:ph type="title"/>
+          </p:nvPr>
+        </p:nvSpPr>
+        <p:spPr/>
+        <p:txBody>
+          <a:bodyPr>
+            <a:normAutofit/>
+          </a:bodyPr>
+          <a:lstStyle/>
+          <a:p>
+            <a:r>
+              <a:rPr lang="en-US" dirty="0" smtClean="0"/>
+              <a:t>Layout boundaries</a:t>
+            </a:r>
+            <a:endParaRPr lang="en-US" dirty="0"/>
+          </a:p>
+        </p:txBody>
+      </p:sp>
+      <p:sp>
+        <p:nvSpPr>
+          <p:cNvPr id="3" name="Content Placeholder 2"/>
+          <p:cNvSpPr>
+            <a:spLocks noGrp="1"/>
+          </p:cNvSpPr>
+          <p:nvPr>
+            <p:ph idx="1"/>
+          </p:nvPr>
+        </p:nvSpPr>
+        <p:spPr/>
+        <p:txBody>
+          <a:bodyPr/>
+          <a:lstStyle/>
+          <a:p>
+            <a:pPr marL="0" indent="0">
+              <a:buNone/>
+            </a:pPr>
+            <a:r>
+              <a:rPr lang="en-US" dirty="0">
+                <a:hlinkClick r:id="rId2"/>
+              </a:rPr>
+              <a:t>http://wilsonpage.co.uk/introducing-layout-boundaries</a:t>
+            </a:r>
+            <a:r>
+              <a:rPr lang="en-US" dirty="0" smtClean="0">
+                <a:hlinkClick r:id="rId2"/>
+              </a:rPr>
+              <a:t>/</a:t>
+            </a:r>
+            <a:endParaRPr lang="en-US" dirty="0" smtClean="0"/>
+          </a:p>
+          <a:p>
+            <a:pPr marL="0" indent="0">
+              <a:buNone/>
+            </a:pPr>
+            <a:endParaRPr lang="en-US" dirty="0"/>
+          </a:p>
+        </p:txBody>
+      </p:sp>
+    </p:spTree>
+    <p:extLst>
+      <p:ext uri="{BB962C8B-B14F-4D97-AF65-F5344CB8AC3E}">
+        <p14:creationId xmlns:p14="http://schemas.microsoft.com/office/powerpoint/2010/main" val="1013595594"/>
+      </p:ext>
+    </p:extLst>
+  </p:cSld>
+  <p:clrMapOvr>
+    <a:masterClrMapping/>
+  </p:clrMapOvr>
+</p:sld>
+</file>
+
+<file path=ppt/slides/slide44.xml><?xml version="1.0" encoding="utf-8"?>
+<p:sld xmlns:a="http://schemas.openxmlformats.org/drawingml/2006/main" xmlns:r="http://schemas.openxmlformats.org/officeDocument/2006/relationships" xmlns:p="http://schemas.openxmlformats.org/presentationml/2006/main">
+  <p:cSld>
+    <p:spTree>
+      <p:nvGrpSpPr>
+        <p:cNvPr id="1" name=""/>
+        <p:cNvGrpSpPr/>
+        <p:nvPr/>
+      </p:nvGrpSpPr>
+      <p:grpSpPr>
+        <a:xfrm>
+          <a:off x="0" y="0"/>
+          <a:ext cx="0" cy="0"/>
+          <a:chOff x="0" y="0"/>
+          <a:chExt cx="0" cy="0"/>
+        </a:xfrm>
+      </p:grpSpPr>
+      <p:sp>
+        <p:nvSpPr>
+          <p:cNvPr id="2" name="Title 1"/>
+          <p:cNvSpPr>
+            <a:spLocks noGrp="1"/>
+          </p:cNvSpPr>
+          <p:nvPr>
+            <p:ph type="title"/>
+          </p:nvPr>
+        </p:nvSpPr>
+        <p:spPr/>
+        <p:txBody>
+          <a:bodyPr>
+            <a:normAutofit/>
+          </a:bodyPr>
+          <a:lstStyle/>
+          <a:p>
+            <a:r>
+              <a:rPr lang="en-US" dirty="0" smtClean="0"/>
+              <a:t>CSS Triggers</a:t>
+            </a:r>
+            <a:endParaRPr lang="en-US" dirty="0"/>
+          </a:p>
+        </p:txBody>
+      </p:sp>
+      <p:sp>
+        <p:nvSpPr>
+          <p:cNvPr id="3" name="Content Placeholder 2"/>
+          <p:cNvSpPr>
+            <a:spLocks noGrp="1"/>
+          </p:cNvSpPr>
+          <p:nvPr>
+            <p:ph idx="1"/>
+          </p:nvPr>
+        </p:nvSpPr>
+        <p:spPr/>
+        <p:txBody>
+          <a:bodyPr/>
+          <a:lstStyle/>
+          <a:p>
+            <a:pPr marL="0" indent="0">
+              <a:buNone/>
+            </a:pPr>
+            <a:r>
+              <a:rPr lang="en-US" dirty="0">
+                <a:hlinkClick r:id="rId2"/>
+              </a:rPr>
+              <a:t>http://csstriggers.com</a:t>
+            </a:r>
+            <a:r>
+              <a:rPr lang="en-US" dirty="0" smtClean="0">
+                <a:hlinkClick r:id="rId2"/>
+              </a:rPr>
+              <a:t>/</a:t>
+            </a:r>
+            <a:endParaRPr lang="en-US" dirty="0" smtClean="0"/>
+          </a:p>
+          <a:p>
+            <a:pPr marL="0" indent="0">
+              <a:buNone/>
+            </a:pPr>
+            <a:endParaRPr lang="en-US" dirty="0"/>
+          </a:p>
+        </p:txBody>
+      </p:sp>
+    </p:spTree>
+    <p:extLst>
+      <p:ext uri="{BB962C8B-B14F-4D97-AF65-F5344CB8AC3E}">
+        <p14:creationId xmlns:p14="http://schemas.microsoft.com/office/powerpoint/2010/main" val="1962945837"/>
+      </p:ext>
+    </p:extLst>
+  </p:cSld>
+  <p:clrMapOvr>
+    <a:masterClrMapping/>
+  </p:clrMapOvr>
+</p:sld>
+</file>
+
+<file path=ppt/slides/slide45.xml><?xml version="1.0" encoding="utf-8"?>
+<p:sld xmlns:a="http://schemas.openxmlformats.org/drawingml/2006/main" xmlns:r="http://schemas.openxmlformats.org/officeDocument/2006/relationships" xmlns:p="http://schemas.openxmlformats.org/presentationml/2006/main">
+  <p:cSld>
+    <p:spTree>
+      <p:nvGrpSpPr>
+        <p:cNvPr id="1" name=""/>
+        <p:cNvGrpSpPr/>
+        <p:nvPr/>
+      </p:nvGrpSpPr>
+      <p:grpSpPr>
+        <a:xfrm>
+          <a:off x="0" y="0"/>
+          <a:ext cx="0" cy="0"/>
+          <a:chOff x="0" y="0"/>
+          <a:chExt cx="0" cy="0"/>
+        </a:xfrm>
+      </p:grpSpPr>
+      <p:sp>
+        <p:nvSpPr>
+          <p:cNvPr id="2" name="Title 1"/>
+          <p:cNvSpPr>
+            <a:spLocks noGrp="1"/>
+          </p:cNvSpPr>
+          <p:nvPr>
+            <p:ph type="title"/>
+          </p:nvPr>
+        </p:nvSpPr>
+        <p:spPr/>
+        <p:txBody>
+          <a:bodyPr/>
+          <a:lstStyle/>
+          <a:p>
+            <a:r>
+              <a:rPr lang="en-US" dirty="0" smtClean="0"/>
+              <a:t>FLIP</a:t>
+            </a:r>
+            <a:endParaRPr lang="en-US" dirty="0"/>
+          </a:p>
+        </p:txBody>
+      </p:sp>
+      <p:sp>
+        <p:nvSpPr>
+          <p:cNvPr id="3" name="Content Placeholder 2"/>
+          <p:cNvSpPr>
+            <a:spLocks noGrp="1"/>
+          </p:cNvSpPr>
+          <p:nvPr>
+            <p:ph idx="1"/>
+          </p:nvPr>
+        </p:nvSpPr>
+        <p:spPr/>
+        <p:txBody>
+          <a:bodyPr/>
+          <a:lstStyle/>
+          <a:p>
+            <a:pPr marL="0" indent="0">
+              <a:buNone/>
+            </a:pPr>
+            <a:r>
+              <a:rPr lang="en-US" dirty="0">
+                <a:hlinkClick r:id="rId2"/>
+              </a:rPr>
+              <a:t>https://aerotwist.com/blog/flip-your-animations</a:t>
+            </a:r>
+            <a:r>
+              <a:rPr lang="en-US" dirty="0" smtClean="0">
+                <a:hlinkClick r:id="rId2"/>
+              </a:rPr>
+              <a:t>/</a:t>
+            </a:r>
+            <a:endParaRPr lang="en-US" dirty="0" smtClean="0"/>
+          </a:p>
+          <a:p>
+            <a:pPr marL="0" indent="0">
+              <a:buNone/>
+            </a:pPr>
+            <a:endParaRPr lang="en-US" dirty="0"/>
+          </a:p>
+        </p:txBody>
+      </p:sp>
+    </p:spTree>
+    <p:extLst>
+      <p:ext uri="{BB962C8B-B14F-4D97-AF65-F5344CB8AC3E}">
+        <p14:creationId xmlns:p14="http://schemas.microsoft.com/office/powerpoint/2010/main" val="3522781362"/>
+      </p:ext>
+    </p:extLst>
+  </p:cSld>
+  <p:clrMapOvr>
+    <a:masterClrMapping/>
+  </p:clrMapOvr>
+</p:sld>
+</file>
+
+<file path=ppt/slides/slide46.xml><?xml version="1.0" encoding="utf-8"?>
+<p:sld xmlns:a="http://schemas.openxmlformats.org/drawingml/2006/main" xmlns:r="http://schemas.openxmlformats.org/officeDocument/2006/relationships" xmlns:p="http://schemas.openxmlformats.org/presentationml/2006/main">
+  <p:cSld>
+    <p:spTree>
+      <p:nvGrpSpPr>
+        <p:cNvPr id="1" name=""/>
+        <p:cNvGrpSpPr/>
+        <p:nvPr/>
+      </p:nvGrpSpPr>
+      <p:grpSpPr>
+        <a:xfrm>
+          <a:off x="0" y="0"/>
+          <a:ext cx="0" cy="0"/>
+          <a:chOff x="0" y="0"/>
+          <a:chExt cx="0" cy="0"/>
+        </a:xfrm>
+      </p:grpSpPr>
+      <p:sp>
+        <p:nvSpPr>
+          <p:cNvPr id="2" name="Title 1"/>
+          <p:cNvSpPr>
+            <a:spLocks noGrp="1"/>
+          </p:cNvSpPr>
+          <p:nvPr>
+            <p:ph type="title"/>
+          </p:nvPr>
+        </p:nvSpPr>
+        <p:spPr>
+          <a:xfrm>
+            <a:off x="0" y="2819400"/>
+            <a:ext cx="9144000" cy="1143000"/>
+          </a:xfrm>
+        </p:spPr>
+        <p:txBody>
+          <a:bodyPr>
+            <a:noAutofit/>
+          </a:bodyPr>
+          <a:lstStyle/>
+          <a:p>
+            <a:pPr algn="ctr"/>
+            <a:r>
+              <a:rPr lang="en-US" sz="9600" b="1" dirty="0" smtClean="0"/>
+              <a:t>Thanks!</a:t>
+            </a:r>
+            <a:endParaRPr lang="en-US" sz="9600" dirty="0"/>
+          </a:p>
+        </p:txBody>
+      </p:sp>
+      <p:sp>
+        <p:nvSpPr>
+          <p:cNvPr id="3" name="TextBox 2"/>
+          <p:cNvSpPr txBox="1"/>
+          <p:nvPr/>
+        </p:nvSpPr>
+        <p:spPr>
+          <a:xfrm>
+            <a:off x="0" y="6273225"/>
+            <a:ext cx="9296400" cy="584775"/>
+          </a:xfrm>
+          <a:prstGeom prst="rect">
+            <a:avLst/>
+          </a:prstGeom>
+          <a:solidFill>
+            <a:schemeClr val="tx1">
+              <a:alpha val="55000"/>
+            </a:schemeClr>
+          </a:solidFill>
+        </p:spPr>
+        <p:txBody>
+          <a:bodyPr wrap="square" rIns="274320" rtlCol="0" anchor="ctr">
+            <a:spAutoFit/>
+          </a:bodyPr>
+          <a:lstStyle/>
+          <a:p>
+            <a:pPr lvl="1" algn="r"/>
+            <a:r>
+              <a:rPr lang="en-US" sz="3200" dirty="0" smtClean="0">
+                <a:solidFill>
+                  <a:schemeClr val="bg1"/>
+                </a:solidFill>
+                <a:latin typeface="+mj-lt"/>
+                <a:ea typeface="Verdana" pitchFamily="34" charset="0"/>
+                <a:cs typeface="Arial" pitchFamily="34" charset="0"/>
+              </a:rPr>
+              <a:t>Dzmitry.Varabei@gmail.com</a:t>
+            </a:r>
+            <a:endParaRPr lang="en-US" sz="3200" dirty="0">
+              <a:solidFill>
+                <a:schemeClr val="bg1"/>
+              </a:solidFill>
+              <a:latin typeface="+mj-lt"/>
+              <a:ea typeface="Verdana" pitchFamily="34" charset="0"/>
+              <a:cs typeface="Arial" pitchFamily="34" charset="0"/>
+            </a:endParaRPr>
+          </a:p>
+        </p:txBody>
+      </p:sp>
+    </p:spTree>
+    <p:extLst>
+      <p:ext uri="{BB962C8B-B14F-4D97-AF65-F5344CB8AC3E}">
+        <p14:creationId xmlns:p14="http://schemas.microsoft.com/office/powerpoint/2010/main" val="732571543"/>
+      </p:ext>
+    </p:extLst>
+  </p:cSld>
+  <p:clrMapOvr>
+    <a:masterClrMapping/>
+  </p:clrMapOvr>
+  <p:timing>
+    <p:tnLst>
+      <p:par>
+        <p:cTn id="1" dur="indefinite" restart="never" nodeType="tmRoot"/>
+      </p:par>
+    </p:tnLst>
+  </p:timing>
+</p:sld>
+</file>
+
 <file path=ppt/slides/slide5.xml><?xml version="1.0" encoding="utf-8"?>
 <p:sld xmlns:a="http://schemas.openxmlformats.org/drawingml/2006/main" xmlns:r="http://schemas.openxmlformats.org/officeDocument/2006/relationships" xmlns:p="http://schemas.openxmlformats.org/presentationml/2006/main">
   <p:cSld>
@@ -9648,6 +11417,145 @@
           <a:bodyPr/>
           <a:lstStyle/>
           <a:p>
+            <a:endParaRPr lang="en-US" dirty="0"/>
+          </a:p>
+        </p:txBody>
+      </p:sp>
+      <p:sp>
+        <p:nvSpPr>
+          <p:cNvPr id="3" name="Content Placeholder 2"/>
+          <p:cNvSpPr>
+            <a:spLocks noGrp="1"/>
+          </p:cNvSpPr>
+          <p:nvPr>
+            <p:ph idx="1"/>
+          </p:nvPr>
+        </p:nvSpPr>
+        <p:spPr/>
+        <p:txBody>
+          <a:bodyPr/>
+          <a:lstStyle/>
+          <a:p>
+            <a:pPr marL="0" indent="0">
+              <a:buNone/>
+            </a:pPr>
+            <a:r>
+              <a:rPr lang="en-US" dirty="0" smtClean="0"/>
+              <a:t>Characters -&gt; </a:t>
+            </a:r>
+            <a:r>
+              <a:rPr lang="en-US" dirty="0" smtClean="0">
+                <a:solidFill>
+                  <a:srgbClr val="FF0000"/>
+                </a:solidFill>
+              </a:rPr>
+              <a:t>&lt;html&gt;</a:t>
+            </a:r>
+          </a:p>
+          <a:p>
+            <a:pPr marL="0" indent="0">
+              <a:buNone/>
+            </a:pPr>
+            <a:r>
+              <a:rPr lang="en-US" dirty="0"/>
+              <a:t>	</a:t>
+            </a:r>
+            <a:r>
+              <a:rPr lang="en-US" dirty="0" smtClean="0"/>
+              <a:t>Tokens -&gt; </a:t>
+            </a:r>
+            <a:r>
+              <a:rPr lang="en-US" dirty="0" smtClean="0">
+                <a:solidFill>
+                  <a:srgbClr val="FF0000"/>
+                </a:solidFill>
+              </a:rPr>
+              <a:t>html</a:t>
+            </a:r>
+          </a:p>
+          <a:p>
+            <a:pPr marL="0" indent="0">
+              <a:buNone/>
+            </a:pPr>
+            <a:r>
+              <a:rPr lang="en-US" dirty="0" smtClean="0"/>
+              <a:t>		Nodes - &gt; </a:t>
+            </a:r>
+            <a:r>
+              <a:rPr lang="en-US" dirty="0" err="1" smtClean="0">
+                <a:solidFill>
+                  <a:srgbClr val="FF0000"/>
+                </a:solidFill>
+              </a:rPr>
+              <a:t>HTMLDocument</a:t>
+            </a:r>
+            <a:endParaRPr lang="en-US" dirty="0" smtClean="0">
+              <a:solidFill>
+                <a:srgbClr val="FF0000"/>
+              </a:solidFill>
+            </a:endParaRPr>
+          </a:p>
+          <a:p>
+            <a:pPr marL="0" indent="0">
+              <a:buNone/>
+            </a:pPr>
+            <a:r>
+              <a:rPr lang="en-US" dirty="0"/>
+              <a:t>	</a:t>
+            </a:r>
+            <a:r>
+              <a:rPr lang="en-US" dirty="0" smtClean="0"/>
+              <a:t>		DOM</a:t>
+            </a:r>
+            <a:endParaRPr lang="en-US" dirty="0"/>
+          </a:p>
+        </p:txBody>
+      </p:sp>
+    </p:spTree>
+    <p:extLst>
+      <p:ext uri="{BB962C8B-B14F-4D97-AF65-F5344CB8AC3E}">
+        <p14:creationId xmlns:p14="http://schemas.microsoft.com/office/powerpoint/2010/main" val="2797533284"/>
+      </p:ext>
+    </p:extLst>
+  </p:cSld>
+  <p:clrMapOvr>
+    <a:masterClrMapping/>
+  </p:clrMapOvr>
+</p:sld>
+</file>
+
+<file path=ppt/slides/slide6.xml><?xml version="1.0" encoding="utf-8"?>
+<p:sld xmlns:a="http://schemas.openxmlformats.org/drawingml/2006/main" xmlns:r="http://schemas.openxmlformats.org/officeDocument/2006/relationships" xmlns:p="http://schemas.openxmlformats.org/presentationml/2006/main">
+  <p:cSld>
+    <p:spTree>
+      <p:nvGrpSpPr>
+        <p:cNvPr id="1" name=""/>
+        <p:cNvGrpSpPr/>
+        <p:nvPr/>
+      </p:nvGrpSpPr>
+      <p:grpSpPr>
+        <a:xfrm>
+          <a:off x="0" y="0"/>
+          <a:ext cx="0" cy="0"/>
+          <a:chOff x="0" y="0"/>
+          <a:chExt cx="0" cy="0"/>
+        </a:xfrm>
+      </p:grpSpPr>
+      <p:sp>
+        <p:nvSpPr>
+          <p:cNvPr id="2" name="Title 1"/>
+          <p:cNvSpPr>
+            <a:spLocks noGrp="1"/>
+          </p:cNvSpPr>
+          <p:nvPr>
+            <p:ph type="title"/>
+          </p:nvPr>
+        </p:nvSpPr>
+        <p:spPr/>
+        <p:txBody>
+          <a:bodyPr/>
+          <a:lstStyle/>
+          <a:p>
             <a:r>
               <a:rPr lang="en-US" b="1" dirty="0" smtClean="0">
                 <a:solidFill>
@@ -9724,15 +11632,23 @@
           <a:p>
             <a:r>
               <a:rPr lang="en-US" sz="3200" dirty="0" smtClean="0"/>
-              <a:t>Construct CSSOM (from </a:t>
+              <a:t>Construct CSSOM (styles from </a:t>
             </a:r>
             <a:r>
               <a:rPr lang="en-US" sz="3200" dirty="0"/>
-              <a:t>user agent and style </a:t>
+              <a:t>user agent and </a:t>
             </a:r>
             <a:r>
               <a:rPr lang="en-US" sz="3200" dirty="0" smtClean="0"/>
-              <a:t>sheets)</a:t>
+              <a:t>stylesheets + </a:t>
+            </a:r>
+            <a:r>
+              <a:rPr lang="en-US" sz="3200" dirty="0" err="1" smtClean="0"/>
+              <a:t>js</a:t>
+            </a:r>
+            <a:r>
+              <a:rPr lang="en-US" sz="3200" dirty="0" smtClean="0"/>
+              <a:t>)</a:t>
             </a:r>
           </a:p>
           <a:p>
@@ -9809,7 +11725,7 @@
 </p:sld>
 </file>
 
-<file path=ppt/slides/slide6.xml><?xml version="1.0" encoding="utf-8"?>
+<file path=ppt/slides/slide7.xml><?xml version="1.0" encoding="utf-8"?>
 <p:sld xmlns:a="http://schemas.openxmlformats.org/drawingml/2006/main" xmlns:r="http://schemas.openxmlformats.org/officeDocument/2006/relationships" xmlns:p="http://schemas.openxmlformats.org/presentationml/2006/main">
   <p:cSld>
     <p:spTree>
@@ -10470,7 +12386,7 @@
 </p:sld>
 </file>
 
-<file path=ppt/slides/slide7.xml><?xml version="1.0" encoding="utf-8"?>
+<file path=ppt/slides/slide8.xml><?xml version="1.0" encoding="utf-8"?>
 <p:sld xmlns:a="http://schemas.openxmlformats.org/drawingml/2006/main" xmlns:r="http://schemas.openxmlformats.org/officeDocument/2006/relationships" xmlns:p="http://schemas.openxmlformats.org/presentationml/2006/main">
   <p:cSld>
     <p:spTree>
@@ -10665,423 +12581,6 @@
 </p:sld>
 </file>
 
-<file path=ppt/slides/slide8.xml><?xml version="1.0" encoding="utf-8"?>
-<p:sld xmlns:a="http://schemas.openxmlformats.org/drawingml/2006/main" xmlns:r="http://schemas.openxmlformats.org/officeDocument/2006/relationships" xmlns:p="http://schemas.openxmlformats.org/presentationml/2006/main">
-  <p:cSld>
-    <p:spTree>
-      <p:nvGrpSpPr>
-        <p:cNvPr id="1" name=""/>
-        <p:cNvGrpSpPr/>
-        <p:nvPr/>
-      </p:nvGrpSpPr>
-      <p:grpSpPr>
-        <a:xfrm>
-          <a:off x="0" y="0"/>
-          <a:ext cx="0" cy="0"/>
-          <a:chOff x="0" y="0"/>
-          <a:chExt cx="0" cy="0"/>
-        </a:xfrm>
-      </p:grpSpPr>
-      <p:sp>
-        <p:nvSpPr>
-          <p:cNvPr id="2" name="Title 1"/>
-          <p:cNvSpPr>
-            <a:spLocks noGrp="1"/>
-          </p:cNvSpPr>
-          <p:nvPr>
-            <p:ph type="title"/>
-          </p:nvPr>
-        </p:nvSpPr>
-        <p:spPr/>
-        <p:txBody>
-          <a:bodyPr/>
-          <a:lstStyle/>
-          <a:p>
-            <a:r>
-              <a:rPr lang="en-US" b="1" dirty="0" smtClean="0">
-                <a:solidFill>
-                  <a:srgbClr val="FFFF00"/>
-                </a:solidFill>
-              </a:rPr>
-              <a:t>Page Rendering Cycle</a:t>
-            </a:r>
-            <a:endParaRPr lang="en-US" b="1" dirty="0">
-              <a:solidFill>
-                <a:srgbClr val="FFFF00"/>
-              </a:solidFill>
-            </a:endParaRPr>
-          </a:p>
-        </p:txBody>
-      </p:sp>
-      <p:sp>
-        <p:nvSpPr>
-          <p:cNvPr id="3" name="Content Placeholder 2"/>
-          <p:cNvSpPr>
-            <a:spLocks noGrp="1"/>
-          </p:cNvSpPr>
-          <p:nvPr>
-            <p:ph idx="1"/>
-          </p:nvPr>
-        </p:nvSpPr>
-        <p:spPr>
-          <a:xfrm>
-            <a:off x="0" y="1600200"/>
-            <a:ext cx="9144000" cy="4648200"/>
-          </a:xfrm>
-        </p:spPr>
-        <p:txBody>
-          <a:bodyPr>
-            <a:normAutofit fontScale="92500" lnSpcReduction="10000"/>
-          </a:bodyPr>
-          <a:lstStyle/>
-          <a:p>
-            <a:r>
-              <a:rPr lang="en-US" dirty="0" smtClean="0">
-                <a:solidFill>
-                  <a:schemeClr val="bg1">
-                    <a:lumMod val="50000"/>
-                  </a:schemeClr>
-                </a:solidFill>
-              </a:rPr>
-              <a:t>Build </a:t>
-            </a:r>
-            <a:r>
-              <a:rPr lang="en-US" dirty="0">
-                <a:solidFill>
-                  <a:schemeClr val="bg1">
-                    <a:lumMod val="50000"/>
-                  </a:schemeClr>
-                </a:solidFill>
-              </a:rPr>
-              <a:t>the rendering </a:t>
-            </a:r>
-            <a:r>
-              <a:rPr lang="en-US" dirty="0" smtClean="0">
-                <a:solidFill>
-                  <a:schemeClr val="bg1">
-                    <a:lumMod val="50000"/>
-                  </a:schemeClr>
-                </a:solidFill>
-              </a:rPr>
-              <a:t>tree</a:t>
-            </a:r>
-          </a:p>
-          <a:p>
-            <a:r>
-              <a:rPr lang="en-US" dirty="0"/>
-              <a:t>Calculate </a:t>
-            </a:r>
-            <a:r>
-              <a:rPr lang="en-US" dirty="0" smtClean="0"/>
-              <a:t>layout (or calculate how many space </a:t>
-            </a:r>
-            <a:r>
-              <a:rPr lang="en-US" dirty="0"/>
-              <a:t>is needed for </a:t>
-            </a:r>
-            <a:r>
-              <a:rPr lang="en-US" dirty="0" smtClean="0"/>
-              <a:t>each </a:t>
-            </a:r>
-            <a:r>
-              <a:rPr lang="en-US" dirty="0" err="1"/>
-              <a:t>renderTree</a:t>
-            </a:r>
-            <a:r>
-              <a:rPr lang="en-US" dirty="0"/>
-              <a:t> </a:t>
-            </a:r>
-            <a:r>
-              <a:rPr lang="en-US" dirty="0" smtClean="0"/>
-              <a:t>element )</a:t>
-            </a:r>
-          </a:p>
-          <a:p>
-            <a:r>
-              <a:rPr lang="en-US" dirty="0" smtClean="0"/>
-              <a:t>Paint</a:t>
-            </a:r>
-          </a:p>
-          <a:p>
-            <a:r>
-              <a:rPr lang="en-US" dirty="0" smtClean="0"/>
-              <a:t>Composite</a:t>
-            </a:r>
-          </a:p>
-          <a:p>
-            <a:r>
-              <a:rPr lang="en-US" dirty="0" smtClean="0"/>
-              <a:t>Draw </a:t>
-            </a:r>
-            <a:r>
-              <a:rPr lang="en-US" dirty="0"/>
-              <a:t>the final screen image onto the screen</a:t>
-            </a:r>
-          </a:p>
-        </p:txBody>
-      </p:sp>
-    </p:spTree>
-    <p:extLst>
-      <p:ext uri="{BB962C8B-B14F-4D97-AF65-F5344CB8AC3E}">
-        <p14:creationId xmlns:p14="http://schemas.microsoft.com/office/powerpoint/2010/main" val="1381702477"/>
-      </p:ext>
-    </p:extLst>
-  </p:cSld>
-  <p:clrMapOvr>
-    <a:masterClrMapping/>
-  </p:clrMapOvr>
-  <p:timing>
-    <p:tnLst>
-      <p:par>
-        <p:cTn id="1" dur="indefinite" restart="never" nodeType="tmRoot">
-          <p:childTnLst>
-            <p:seq concurrent="1" nextAc="seek">
-              <p:cTn id="2" dur="indefinite" nodeType="mainSeq">
-                <p:childTnLst>
-                  <p:par>
-                    <p:cTn id="3" fill="hold">
-                      <p:stCondLst>
-                        <p:cond delay="indefinite"/>
-                      </p:stCondLst>
-                      <p:childTnLst>
-                        <p:par>
-                          <p:cTn id="4" fill="hold">
-                            <p:stCondLst>
-                              <p:cond delay="0"/>
-                            </p:stCondLst>
-                            <p:childTnLst>
-                              <p:par>
-                                <p:cTn id="5" presetID="1" presetClass="entr" presetSubtype="0" fill="hold" nodeType="clickEffect">
-                                  <p:stCondLst>
-                                    <p:cond delay="0"/>
-                                  </p:stCondLst>
-                                  <p:childTnLst>
-                                    <p:set>
-                                      <p:cBhvr>
-                                        <p:cTn id="6" dur="1" fill="hold">
-                                          <p:stCondLst>
-                                            <p:cond delay="0"/>
-                                          </p:stCondLst>
-                                        </p:cTn>
-                                        <p:tgtEl>
-                                          <p:spTgt spid="3">
-                                            <p:txEl>
-                                              <p:pRg st="2" end="2"/>
-                                            </p:txEl>
-                                          </p:spTgt>
-                                        </p:tgtEl>
-                                        <p:attrNameLst>
-                                          <p:attrName>style.visibility</p:attrName>
-                                        </p:attrNameLst>
-                                      </p:cBhvr>
-                                      <p:to>
-                                        <p:strVal val="visible"/>
-                                      </p:to>
-                                    </p:set>
-                                  </p:childTnLst>
-                                </p:cTn>
-                              </p:par>
-                            </p:childTnLst>
-                          </p:cTn>
-                        </p:par>
-                      </p:childTnLst>
-                    </p:cTn>
-                  </p:par>
-                  <p:par>
-                    <p:cTn id="7" fill="hold">
-                      <p:stCondLst>
-                        <p:cond delay="indefinite"/>
-                      </p:stCondLst>
-                      <p:childTnLst>
-                        <p:par>
-                          <p:cTn id="8" fill="hold">
-                            <p:stCondLst>
-                              <p:cond delay="0"/>
-                            </p:stCondLst>
-                            <p:childTnLst>
-                              <p:par>
-                                <p:cTn id="9" presetID="1" presetClass="entr" presetSubtype="0" fill="hold" nodeType="clickEffect">
-                                  <p:stCondLst>
-                                    <p:cond delay="0"/>
-                                  </p:stCondLst>
-                                  <p:childTnLst>
-                                    <p:set>
-                                      <p:cBhvr>
-                                        <p:cTn id="10" dur="1" fill="hold">
-                                          <p:stCondLst>
-                                            <p:cond delay="0"/>
-                                          </p:stCondLst>
-                                        </p:cTn>
-                                        <p:tgtEl>
-                                          <p:spTgt spid="3">
-                                            <p:txEl>
-                                              <p:pRg st="3" end="3"/>
-                                            </p:txEl>
-                                          </p:spTgt>
-                                        </p:tgtEl>
-                                        <p:attrNameLst>
-                                          <p:attrName>style.visibility</p:attrName>
-                                        </p:attrNameLst>
-                                      </p:cBhvr>
-                                      <p:to>
-                                        <p:strVal val="visible"/>
-                                      </p:to>
-                                    </p:set>
-                                  </p:childTnLst>
-                                </p:cTn>
-                              </p:par>
-                            </p:childTnLst>
-                          </p:cTn>
-                        </p:par>
-                      </p:childTnLst>
-                    </p:cTn>
-                  </p:par>
-                  <p:par>
-                    <p:cTn id="11" fill="hold">
-                      <p:stCondLst>
-                        <p:cond delay="indefinite"/>
-                      </p:stCondLst>
-                      <p:childTnLst>
-                        <p:par>
-                          <p:cTn id="12" fill="hold">
-                            <p:stCondLst>
-                              <p:cond delay="0"/>
-                            </p:stCondLst>
-                            <p:childTnLst>
-                              <p:par>
-                                <p:cTn id="13" presetID="1" presetClass="entr" presetSubtype="0" fill="hold" nodeType="clickEffect">
-                                  <p:stCondLst>
-                                    <p:cond delay="0"/>
-                                  </p:stCondLst>
-                                  <p:childTnLst>
-                                    <p:set>
-                                      <p:cBhvr>
-                                        <p:cTn id="14" dur="1" fill="hold">
-                                          <p:stCondLst>
-                                            <p:cond delay="0"/>
-                                          </p:stCondLst>
-                                        </p:cTn>
-                                        <p:tgtEl>
-                                          <p:spTgt spid="3">
-                                            <p:txEl>
-                                              <p:pRg st="4" end="4"/>
-                                            </p:txEl>
-                                          </p:spTgt>
-                                        </p:tgtEl>
-                                        <p:attrNameLst>
-                                          <p:attrName>style.visibility</p:attrName>
-                                        </p:attrNameLst>
-                                      </p:cBhvr>
-                                      <p:to>
-                                        <p:strVal val="visible"/>
-                                      </p:to>
-                                    </p:set>
-                                  </p:childTnLst>
-                                </p:cTn>
-                              </p:par>
-                            </p:childTnLst>
-                          </p:cTn>
-                        </p:par>
-                      </p:childTnLst>
-                    </p:cTn>
-                  </p:par>
-                  <p:par>
-                    <p:cTn id="15" fill="hold">
-                      <p:stCondLst>
-                        <p:cond delay="indefinite"/>
-                      </p:stCondLst>
-                      <p:childTnLst>
-                        <p:par>
-                          <p:cTn id="16" fill="hold">
-                            <p:stCondLst>
-                              <p:cond delay="0"/>
-                            </p:stCondLst>
-                            <p:childTnLst>
-                              <p:par>
-                                <p:cTn id="17" presetID="3" presetClass="emph" presetSubtype="2" fill="hold" nodeType="clickEffect">
-                                  <p:stCondLst>
-                                    <p:cond delay="0"/>
-                                  </p:stCondLst>
-                                  <p:childTnLst>
-                                    <p:animClr clrSpc="rgb" dir="cw">
-                                      <p:cBhvr override="childStyle">
-                                        <p:cTn id="18" dur="500" fill="hold"/>
-                                        <p:tgtEl>
-                                          <p:spTgt spid="3">
-                                            <p:txEl>
-                                              <p:pRg st="2" end="2"/>
-                                            </p:txEl>
-                                          </p:spTgt>
-                                        </p:tgtEl>
-                                        <p:attrNameLst>
-                                          <p:attrName>style.color</p:attrName>
-                                        </p:attrNameLst>
-                                      </p:cBhvr>
-                                      <p:to>
-                                        <a:srgbClr val="12C83D"/>
-                                      </p:to>
-                                    </p:animClr>
-                                  </p:childTnLst>
-                                </p:cTn>
-                              </p:par>
-                              <p:par>
-                                <p:cTn id="19" presetID="3" presetClass="emph" presetSubtype="2" fill="hold" nodeType="withEffect">
-                                  <p:stCondLst>
-                                    <p:cond delay="0"/>
-                                  </p:stCondLst>
-                                  <p:childTnLst>
-                                    <p:animClr clrSpc="rgb" dir="cw">
-                                      <p:cBhvr override="childStyle">
-                                        <p:cTn id="20" dur="500" fill="hold"/>
-                                        <p:tgtEl>
-                                          <p:spTgt spid="3">
-                                            <p:txEl>
-                                              <p:pRg st="3" end="3"/>
-                                            </p:txEl>
-                                          </p:spTgt>
-                                        </p:tgtEl>
-                                        <p:attrNameLst>
-                                          <p:attrName>style.color</p:attrName>
-                                        </p:attrNameLst>
-                                      </p:cBhvr>
-                                      <p:to>
-                                        <a:srgbClr val="12C83D"/>
-                                      </p:to>
-                                    </p:animClr>
-                                  </p:childTnLst>
-                                </p:cTn>
-                              </p:par>
-                            </p:childTnLst>
-                          </p:cTn>
-                        </p:par>
-                      </p:childTnLst>
-                    </p:cTn>
-                  </p:par>
-                </p:childTnLst>
-              </p:cTn>
-              <p:prevCondLst>
-                <p:cond evt="onPrev" delay="0">
-                  <p:tgtEl>
-                    <p:sldTgt/>
-                  </p:tgtEl>
-                </p:cond>
-              </p:prevCondLst>
-              <p:nextCondLst>
-                <p:cond evt="onNext" delay="0">
-                  <p:tgtEl>
-                    <p:sldTgt/>
-                  </p:tgtEl>
-                </p:cond>
-              </p:nextCondLst>
-            </p:seq>
-          </p:childTnLst>
-        </p:cTn>
-      </p:par>
-    </p:tnLst>
-  </p:timing>
-</p:sld>
-</file>
-
 <file path=ppt/slides/slide9.xml><?xml version="1.0" encoding="utf-8"?>
 <p:sld xmlns:a="http://schemas.openxmlformats.org/drawingml/2006/main" xmlns:r="http://schemas.openxmlformats.org/officeDocument/2006/relationships" xmlns:p="http://schemas.openxmlformats.org/presentationml/2006/main">
   <p:cSld>
@@ -11114,12 +12613,11 @@
           <a:bodyPr/>
           <a:lstStyle/>
           <a:p>
-            <a:pPr fontAlgn="base"/>
-            <a:r>
-              <a:rPr lang="en-US" b="1" dirty="0" smtClean="0"/>
-              <a:t>Display refresh rate</a:t>
-            </a:r>
-            <a:endParaRPr lang="en-US" b="1" dirty="0"/>
+            <a:r>
+              <a:rPr lang="en-US" dirty="0" smtClean="0"/>
+              <a:t>Layout</a:t>
+            </a:r>
+            <a:endParaRPr lang="en-US" dirty="0"/>
           </a:p>
         </p:txBody>
       </p:sp>
@@ -11133,195 +12631,76 @@
             <p:ph idx="1"/>
           </p:nvPr>
         </p:nvSpPr>
-        <p:spPr>
-          <a:xfrm>
-            <a:off x="0" y="2133601"/>
-            <a:ext cx="9144000" cy="3047999"/>
-          </a:xfrm>
-        </p:spPr>
-        <p:txBody>
-          <a:bodyPr>
-            <a:normAutofit/>
-          </a:bodyPr>
+        <p:spPr/>
+        <p:txBody>
+          <a:bodyPr/>
           <a:lstStyle/>
           <a:p>
-            <a:pPr algn="ctr">
+            <a:pPr marL="0" indent="0">
               <a:buNone/>
             </a:pPr>
             <a:r>
-              <a:rPr lang="en-US" sz="5400" b="1" dirty="0" smtClean="0">
-                <a:solidFill>
-                  <a:srgbClr val="00B050"/>
-                </a:solidFill>
-              </a:rPr>
-              <a:t>~ 60Hz or 60 FPS</a:t>
-            </a:r>
-          </a:p>
-          <a:p>
-            <a:pPr algn="ctr">
+              <a:rPr lang="en-US" dirty="0" smtClean="0"/>
+              <a:t>body { width: 100%; } -&gt; 320px</a:t>
+            </a:r>
+          </a:p>
+          <a:p>
+            <a:pPr marL="0" indent="0">
               <a:buNone/>
             </a:pPr>
             <a:r>
-              <a:rPr lang="en-US" sz="5400" dirty="0" smtClean="0"/>
-              <a:t>or </a:t>
-            </a:r>
-          </a:p>
-          <a:p>
-            <a:pPr algn="ctr">
+              <a:rPr lang="en-US" dirty="0" smtClean="0"/>
+              <a:t>div {width</a:t>
+            </a:r>
+            <a:r>
+              <a:rPr lang="en-US" dirty="0"/>
+              <a:t>: 5</a:t>
+            </a:r>
+            <a:r>
+              <a:rPr lang="en-US" dirty="0" smtClean="0"/>
+              <a:t>0</a:t>
+            </a:r>
+            <a:r>
+              <a:rPr lang="en-US" dirty="0"/>
+              <a:t>% </a:t>
+            </a:r>
+            <a:r>
+              <a:rPr lang="en-US" dirty="0" smtClean="0"/>
+              <a:t>} -&gt; 160px</a:t>
+            </a:r>
+            <a:endParaRPr lang="en-US" dirty="0"/>
+          </a:p>
+          <a:p>
+            <a:pPr marL="0" indent="0">
               <a:buNone/>
             </a:pPr>
             <a:r>
-              <a:rPr lang="en-US" sz="5400" b="1" dirty="0" smtClean="0">
-                <a:solidFill>
-                  <a:srgbClr val="00B050"/>
-                </a:solidFill>
-              </a:rPr>
-              <a:t>~16.6ms </a:t>
-            </a:r>
-            <a:r>
-              <a:rPr lang="en-US" sz="5400" b="1" dirty="0" smtClean="0">
-                <a:solidFill>
-                  <a:srgbClr val="FF0000"/>
-                </a:solidFill>
-              </a:rPr>
-              <a:t>(10)</a:t>
-            </a:r>
-            <a:r>
-              <a:rPr lang="en-US" sz="5400" dirty="0" smtClean="0">
-                <a:solidFill>
-                  <a:srgbClr val="00B050"/>
-                </a:solidFill>
-              </a:rPr>
-              <a:t> </a:t>
-            </a:r>
-            <a:r>
-              <a:rPr lang="en-US" sz="5400" dirty="0" smtClean="0"/>
-              <a:t>to make a frame</a:t>
-            </a:r>
-            <a:endParaRPr lang="en-US" sz="5400" dirty="0"/>
+              <a:rPr lang="en-US" dirty="0" smtClean="0"/>
+              <a:t>p {width: 100% } -&gt; 160px</a:t>
+            </a:r>
+          </a:p>
+          <a:p>
+            <a:pPr marL="0" indent="0">
+              <a:buNone/>
+            </a:pPr>
+            <a:r>
+              <a:rPr lang="en-US" dirty="0" smtClean="0"/>
+              <a:t>span { width: 50% } -&gt; 80px</a:t>
+            </a:r>
+            <a:endParaRPr lang="en-US" dirty="0"/>
           </a:p>
         </p:txBody>
       </p:sp>
     </p:spTree>
     <p:extLst>
       <p:ext uri="{BB962C8B-B14F-4D97-AF65-F5344CB8AC3E}">
-        <p14:creationId xmlns:p14="http://schemas.microsoft.com/office/powerpoint/2010/main" val="890056781"/>
+        <p14:creationId xmlns:p14="http://schemas.microsoft.com/office/powerpoint/2010/main" val="2194069969"/>
       </p:ext>
     </p:extLst>
   </p:cSld>
   <p:clrMapOvr>
     <a:masterClrMapping/>
   </p:clrMapOvr>
-  <p:timing>
-    <p:tnLst>
-      <p:par>
-        <p:cTn id="1" dur="indefinite" restart="never" nodeType="tmRoot">
-          <p:childTnLst>
-            <p:seq concurrent="1" nextAc="seek">
-              <p:cTn id="2" dur="indefinite" nodeType="mainSeq">
-                <p:childTnLst>
-                  <p:par>
-                    <p:cTn id="3" fill="hold">
-                      <p:stCondLst>
-                        <p:cond delay="indefinite"/>
-                      </p:stCondLst>
-                      <p:childTnLst>
-                        <p:par>
-                          <p:cTn id="4" fill="hold">
-                            <p:stCondLst>
-                              <p:cond delay="0"/>
-                            </p:stCondLst>
-                            <p:childTnLst>
-                              <p:par>
-                                <p:cTn id="5" presetID="1" presetClass="entr" presetSubtype="0" fill="hold" nodeType="clickEffect">
-                                  <p:stCondLst>
-                                    <p:cond delay="0"/>
-                                  </p:stCondLst>
-                                  <p:childTnLst>
-                                    <p:set>
-                                      <p:cBhvr>
-                                        <p:cTn id="6" dur="1" fill="hold">
-                                          <p:stCondLst>
-                                            <p:cond delay="0"/>
-                                          </p:stCondLst>
-                                        </p:cTn>
-                                        <p:tgtEl>
-                                          <p:spTgt spid="3">
-                                            <p:txEl>
-                                              <p:pRg st="1" end="1"/>
-                                            </p:txEl>
-                                          </p:spTgt>
-                                        </p:tgtEl>
-                                        <p:attrNameLst>
-                                          <p:attrName>style.visibility</p:attrName>
-                                        </p:attrNameLst>
-                                      </p:cBhvr>
-                                      <p:to>
-                                        <p:strVal val="visible"/>
-                                      </p:to>
-                                    </p:set>
-                                  </p:childTnLst>
-                                </p:cTn>
-                              </p:par>
-                              <p:par>
-                                <p:cTn id="7" presetID="1" presetClass="entr" presetSubtype="0" fill="hold" nodeType="withEffect">
-                                  <p:stCondLst>
-                                    <p:cond delay="0"/>
-                                  </p:stCondLst>
-                                  <p:childTnLst>
-                                    <p:set>
-                                      <p:cBhvr>
-                                        <p:cTn id="8" dur="1" fill="hold">
-                                          <p:stCondLst>
-                                            <p:cond delay="0"/>
-                                          </p:stCondLst>
-                                        </p:cTn>
-                                        <p:tgtEl>
-                                          <p:spTgt spid="3">
-                                            <p:txEl>
-                                              <p:pRg st="2" end="2"/>
-                                            </p:txEl>
-                                          </p:spTgt>
-                                        </p:tgtEl>
-                                        <p:attrNameLst>
-                                          <p:attrName>style.visibility</p:attrName>
-                                        </p:attrNameLst>
-                                      </p:cBhvr>
-                                      <p:to>
-                                        <p:strVal val="visible"/>
-                                      </p:to>
-                                    </p:set>
-                                  </p:childTnLst>
-                                </p:cTn>
-                              </p:par>
-                            </p:childTnLst>
-                          </p:cTn>
-                        </p:par>
-                      </p:childTnLst>
-                    </p:cTn>
-                  </p:par>
-                </p:childTnLst>
-              </p:cTn>
-              <p:prevCondLst>
-                <p:cond evt="onPrev" delay="0">
-                  <p:tgtEl>
-                    <p:sldTgt/>
-                  </p:tgtEl>
-                </p:cond>
-              </p:prevCondLst>
-              <p:nextCondLst>
-                <p:cond evt="onNext" delay="0">
-                  <p:tgtEl>
-                    <p:sldTgt/>
-                  </p:tgtEl>
-                </p:cond>
-              </p:nextCondLst>
-            </p:seq>
-          </p:childTnLst>
-        </p:cTn>
-      </p:par>
-    </p:tnLst>
-  </p:timing>
 </p:sld>
 </file>
 

--- a/chrome-paint-and-compositing/ChromeInternalsPaint.pptx
+++ b/chrome-paint-and-compositing/ChromeInternalsPaint.pptx
@@ -50,12 +50,12 @@
     <p:sldId id="280" r:id="rId38"/>
     <p:sldId id="281" r:id="rId39"/>
     <p:sldId id="288" r:id="rId40"/>
-    <p:sldId id="308" r:id="rId41"/>
-    <p:sldId id="301" r:id="rId42"/>
-    <p:sldId id="282" r:id="rId43"/>
-    <p:sldId id="305" r:id="rId44"/>
-    <p:sldId id="307" r:id="rId45"/>
-    <p:sldId id="309" r:id="rId46"/>
+    <p:sldId id="301" r:id="rId41"/>
+    <p:sldId id="282" r:id="rId42"/>
+    <p:sldId id="305" r:id="rId43"/>
+    <p:sldId id="307" r:id="rId44"/>
+    <p:sldId id="309" r:id="rId45"/>
+    <p:sldId id="308" r:id="rId46"/>
     <p:sldId id="304" r:id="rId47"/>
   </p:sldIdLst>
   <p:sldSz cx="9144000" cy="6858000" type="screen4x3"/>
@@ -256,7 +256,7 @@
           <a:p>
             <a:fld id="{0AAA4132-CCD7-4EB5-AF56-B9A22EBA9AE4}" type="datetimeFigureOut">
               <a:rPr lang="en-US" smtClean="0"/>
-              <a:t>11/4/2015</a:t>
+              <a:t>11/12/2015</a:t>
             </a:fld>
             <a:endParaRPr lang="en-US"/>
           </a:p>
@@ -423,7 +423,7 @@
             <a:fld id="{928A82D0-2502-48B7-BAAF-1F7402C3E98F}" type="datetimeFigureOut">
               <a:rPr lang="en-US" smtClean="0"/>
               <a:pPr/>
-              <a:t>11/4/2015</a:t>
+              <a:t>11/12/2015</a:t>
             </a:fld>
             <a:endParaRPr lang="en-US"/>
           </a:p>
@@ -1253,7 +1253,7 @@
             <a:fld id="{C341EFBF-27E5-4028-B172-9514F1C51946}" type="datetime1">
               <a:rPr lang="en-US" smtClean="0"/>
               <a:pPr/>
-              <a:t>11/4/2015</a:t>
+              <a:t>11/12/2015</a:t>
             </a:fld>
             <a:endParaRPr lang="en-US"/>
           </a:p>
@@ -1427,7 +1427,7 @@
             <a:fld id="{A920291D-745D-4357-A7E8-47781745E9BE}" type="datetime1">
               <a:rPr lang="en-US" smtClean="0"/>
               <a:pPr/>
-              <a:t>11/4/2015</a:t>
+              <a:t>11/12/2015</a:t>
             </a:fld>
             <a:endParaRPr lang="en-US"/>
           </a:p>
@@ -1604,7 +1604,7 @@
             <a:fld id="{B95D3C83-F629-458A-88FC-15F9EDEDA4DE}" type="datetime1">
               <a:rPr lang="en-US" smtClean="0"/>
               <a:pPr/>
-              <a:t>11/4/2015</a:t>
+              <a:t>11/12/2015</a:t>
             </a:fld>
             <a:endParaRPr lang="en-US"/>
           </a:p>
@@ -1860,7 +1860,7 @@
             <a:fld id="{2A1B2E8A-0E21-4580-BA9A-2D8B14C3BFF5}" type="datetime1">
               <a:rPr lang="en-US" smtClean="0"/>
               <a:pPr/>
-              <a:t>11/4/2015</a:t>
+              <a:t>11/12/2015</a:t>
             </a:fld>
             <a:endParaRPr lang="en-US"/>
           </a:p>
@@ -2086,7 +2086,7 @@
             <a:fld id="{7FC4CC44-329D-4B53-8CEE-0F51F5D3EFDD}" type="datetime1">
               <a:rPr lang="en-US" smtClean="0"/>
               <a:pPr/>
-              <a:t>11/4/2015</a:t>
+              <a:t>11/12/2015</a:t>
             </a:fld>
             <a:endParaRPr lang="en-US"/>
           </a:p>
@@ -2378,7 +2378,7 @@
             <a:fld id="{D66B6793-FB83-43A0-91B9-D92665BBB307}" type="datetime1">
               <a:rPr lang="en-US" smtClean="0"/>
               <a:pPr/>
-              <a:t>11/4/2015</a:t>
+              <a:t>11/12/2015</a:t>
             </a:fld>
             <a:endParaRPr lang="en-US"/>
           </a:p>
@@ -2804,7 +2804,7 @@
             <a:fld id="{A6AA700A-F224-4670-A7D5-682771CEC697}" type="datetime1">
               <a:rPr lang="en-US" smtClean="0"/>
               <a:pPr/>
-              <a:t>11/4/2015</a:t>
+              <a:t>11/12/2015</a:t>
             </a:fld>
             <a:endParaRPr lang="en-US"/>
           </a:p>
@@ -2919,7 +2919,7 @@
             <a:fld id="{8C415ADC-E976-4ACE-8A89-EC7B966EC765}" type="datetime1">
               <a:rPr lang="en-US" smtClean="0"/>
               <a:pPr/>
-              <a:t>11/4/2015</a:t>
+              <a:t>11/12/2015</a:t>
             </a:fld>
             <a:endParaRPr lang="en-US"/>
           </a:p>
@@ -3011,7 +3011,7 @@
             <a:fld id="{2BDD193C-0A9D-4379-940E-CB07DA2018EF}" type="datetime1">
               <a:rPr lang="en-US" smtClean="0"/>
               <a:pPr/>
-              <a:t>11/4/2015</a:t>
+              <a:t>11/12/2015</a:t>
             </a:fld>
             <a:endParaRPr lang="en-US"/>
           </a:p>
@@ -3285,7 +3285,7 @@
             <a:fld id="{F5A6C827-EE3B-4901-8B61-4F0D185445F2}" type="datetime1">
               <a:rPr lang="en-US" smtClean="0"/>
               <a:pPr/>
-              <a:t>11/4/2015</a:t>
+              <a:t>11/12/2015</a:t>
             </a:fld>
             <a:endParaRPr lang="en-US"/>
           </a:p>
@@ -3535,7 +3535,7 @@
             <a:fld id="{6216DDB4-708C-44D7-A68B-01FA166BBD53}" type="datetime1">
               <a:rPr lang="en-US" smtClean="0"/>
               <a:pPr/>
-              <a:t>11/4/2015</a:t>
+              <a:t>11/12/2015</a:t>
             </a:fld>
             <a:endParaRPr lang="en-US"/>
           </a:p>
@@ -3755,7 +3755,7 @@
             <a:fld id="{98A443B8-2819-4D75-8B11-995C0527A765}" type="datetime1">
               <a:rPr lang="en-US" smtClean="0"/>
               <a:pPr/>
-              <a:t>11/4/2015</a:t>
+              <a:t>11/12/2015</a:t>
             </a:fld>
             <a:endParaRPr lang="en-US"/>
           </a:p>
@@ -4188,7 +4188,7 @@
         <p:spPr>
           <a:xfrm>
             <a:off x="0" y="1836302"/>
-            <a:ext cx="9170581" cy="1754326"/>
+            <a:ext cx="9170581" cy="923330"/>
           </a:xfrm>
           <a:prstGeom prst="rect">
             <a:avLst/>
@@ -4214,42 +4214,9 @@
                 <a:ea typeface="Verdana" pitchFamily="34" charset="0"/>
                 <a:cs typeface="Arial" pitchFamily="34" charset="0"/>
               </a:rPr>
-              <a:t>Chrome </a:t>
-            </a:r>
-            <a:r>
-              <a:rPr lang="en-US" sz="5400" b="1" cap="all" dirty="0">
-                <a:solidFill>
-                  <a:schemeClr val="bg1"/>
-                </a:solidFill>
-                <a:latin typeface="+mj-lt"/>
-                <a:ea typeface="Verdana" pitchFamily="34" charset="0"/>
-                <a:cs typeface="Arial" pitchFamily="34" charset="0"/>
-              </a:rPr>
-              <a:t>I</a:t>
-            </a:r>
-            <a:r>
-              <a:rPr lang="en-US" sz="5400" b="1" cap="all" dirty="0" smtClean="0">
-                <a:solidFill>
-                  <a:schemeClr val="bg1"/>
-                </a:solidFill>
-                <a:latin typeface="+mj-lt"/>
-                <a:ea typeface="Verdana" pitchFamily="34" charset="0"/>
-                <a:cs typeface="Arial" pitchFamily="34" charset="0"/>
-              </a:rPr>
-              <a:t>nternals</a:t>
-            </a:r>
-            <a:r>
-              <a:rPr lang="en-US" sz="5400" b="1" cap="all" dirty="0">
-                <a:solidFill>
-                  <a:schemeClr val="bg1"/>
-                </a:solidFill>
-                <a:latin typeface="+mj-lt"/>
-                <a:ea typeface="Verdana" pitchFamily="34" charset="0"/>
-                <a:cs typeface="Arial" pitchFamily="34" charset="0"/>
-              </a:rPr>
-              <a:t>: </a:t>
-            </a:r>
-            <a:endParaRPr lang="en-US" sz="5400" b="1" cap="all" dirty="0" smtClean="0">
+              <a:t>Browser Internals</a:t>
+            </a:r>
+            <a:endParaRPr lang="en-US" sz="5400" b="1" cap="all" dirty="0">
               <a:solidFill>
                 <a:schemeClr val="bg1"/>
               </a:solidFill>
@@ -4257,30 +4224,6 @@
               <a:ea typeface="Verdana" pitchFamily="34" charset="0"/>
               <a:cs typeface="Arial" pitchFamily="34" charset="0"/>
             </a:endParaRPr>
-          </a:p>
-          <a:p>
-            <a:r>
-              <a:rPr lang="en-US" sz="5400" b="1" cap="all" dirty="0" smtClean="0">
-                <a:solidFill>
-                  <a:schemeClr val="bg1"/>
-                </a:solidFill>
-                <a:latin typeface="+mj-lt"/>
-                <a:ea typeface="Verdana" pitchFamily="34" charset="0"/>
-                <a:cs typeface="Arial" pitchFamily="34" charset="0"/>
-              </a:rPr>
-              <a:t>Paint and </a:t>
-            </a:r>
-            <a:r>
-              <a:rPr lang="en-US" sz="5400" b="1" cap="all" dirty="0">
-                <a:solidFill>
-                  <a:schemeClr val="bg1"/>
-                </a:solidFill>
-                <a:latin typeface="+mj-lt"/>
-                <a:ea typeface="Verdana" pitchFamily="34" charset="0"/>
-                <a:cs typeface="Arial" pitchFamily="34" charset="0"/>
-              </a:rPr>
-              <a:t>Composition</a:t>
-            </a:r>
           </a:p>
         </p:txBody>
       </p:sp>
@@ -4466,6 +4409,13 @@
   <p:clrMapOvr>
     <a:masterClrMapping/>
   </p:clrMapOvr>
+  <p:timing>
+    <p:tnLst>
+      <p:par>
+        <p:cTn id="1" dur="indefinite" restart="never" nodeType="tmRoot"/>
+      </p:par>
+    </p:tnLst>
+  </p:timing>
 </p:sld>
 </file>
 
@@ -4920,11 +4870,7 @@
           <a:p>
             <a:r>
               <a:rPr lang="en-US" dirty="0" smtClean="0"/>
-              <a:t>E</a:t>
-            </a:r>
-            <a:r>
-              <a:rPr lang="en-US" dirty="0" smtClean="0"/>
-              <a:t>xample #1</a:t>
+              <a:t>Example #1</a:t>
             </a:r>
             <a:endParaRPr lang="en-US" dirty="0"/>
           </a:p>
@@ -4962,6 +4908,13 @@
   <p:clrMapOvr>
     <a:masterClrMapping/>
   </p:clrMapOvr>
+  <p:timing>
+    <p:tnLst>
+      <p:par>
+        <p:cTn id="1" dur="indefinite" restart="never" nodeType="tmRoot"/>
+      </p:par>
+    </p:tnLst>
+  </p:timing>
 </p:sld>
 </file>
 
@@ -5077,6 +5030,13 @@
   <p:clrMapOvr>
     <a:masterClrMapping/>
   </p:clrMapOvr>
+  <p:timing>
+    <p:tnLst>
+      <p:par>
+        <p:cTn id="1" dur="indefinite" restart="never" nodeType="tmRoot"/>
+      </p:par>
+    </p:tnLst>
+  </p:timing>
 </p:sld>
 </file>
 
@@ -5151,6 +5111,13 @@
   <p:clrMapOvr>
     <a:masterClrMapping/>
   </p:clrMapOvr>
+  <p:timing>
+    <p:tnLst>
+      <p:par>
+        <p:cTn id="1" dur="indefinite" restart="never" nodeType="tmRoot"/>
+      </p:par>
+    </p:tnLst>
+  </p:timing>
 </p:sld>
 </file>
 
@@ -8649,6 +8616,13 @@
   <p:clrMapOvr>
     <a:masterClrMapping/>
   </p:clrMapOvr>
+  <p:timing>
+    <p:tnLst>
+      <p:par>
+        <p:cTn id="1" dur="indefinite" restart="never" nodeType="tmRoot"/>
+      </p:par>
+    </p:tnLst>
+  </p:timing>
 </p:sld>
 </file>
 
@@ -10678,59 +10652,48 @@
             <p:ph type="title"/>
           </p:nvPr>
         </p:nvSpPr>
-        <p:spPr/>
-        <p:txBody>
-          <a:bodyPr/>
+        <p:spPr>
+          <a:xfrm>
+            <a:off x="0" y="2819400"/>
+            <a:ext cx="9144000" cy="1143000"/>
+          </a:xfrm>
+        </p:spPr>
+        <p:txBody>
+          <a:bodyPr>
+            <a:noAutofit/>
+          </a:bodyPr>
           <a:lstStyle/>
           <a:p>
-            <a:r>
-              <a:rPr lang="en-US"/>
-              <a:t>R</a:t>
-            </a:r>
-            <a:r>
-              <a:rPr lang="en-US" smtClean="0"/>
-              <a:t>ecommendation</a:t>
-            </a:r>
-            <a:endParaRPr lang="en-US" dirty="0"/>
-          </a:p>
-        </p:txBody>
-      </p:sp>
-      <p:sp>
-        <p:nvSpPr>
-          <p:cNvPr id="3" name="Content Placeholder 2"/>
-          <p:cNvSpPr>
-            <a:spLocks noGrp="1"/>
-          </p:cNvSpPr>
-          <p:nvPr>
-            <p:ph idx="1"/>
-          </p:nvPr>
-        </p:nvSpPr>
-        <p:spPr/>
-        <p:txBody>
-          <a:bodyPr/>
-          <a:lstStyle/>
-          <a:p>
-            <a:pPr marL="0" indent="0">
-              <a:buNone/>
-            </a:pPr>
-            <a:r>
-              <a:rPr lang="en-US" dirty="0" smtClean="0"/>
-              <a:t>Keep the DOM as small as possible.</a:t>
-            </a:r>
-            <a:endParaRPr lang="en-US" dirty="0"/>
+            <a:pPr algn="ctr"/>
+            <a:r>
+              <a:rPr lang="en-US" sz="9600" b="1" dirty="0"/>
+              <a:t>Questions</a:t>
+            </a:r>
+            <a:r>
+              <a:rPr lang="en-US" sz="9600" b="1" dirty="0" smtClean="0"/>
+              <a:t>?</a:t>
+            </a:r>
+            <a:endParaRPr lang="en-US" sz="9600" dirty="0"/>
           </a:p>
         </p:txBody>
       </p:sp>
     </p:spTree>
     <p:extLst>
       <p:ext uri="{BB962C8B-B14F-4D97-AF65-F5344CB8AC3E}">
-        <p14:creationId xmlns:p14="http://schemas.microsoft.com/office/powerpoint/2010/main" val="2188086101"/>
+        <p14:creationId xmlns:p14="http://schemas.microsoft.com/office/powerpoint/2010/main" val="2052721824"/>
       </p:ext>
     </p:extLst>
   </p:cSld>
   <p:clrMapOvr>
     <a:masterClrMapping/>
   </p:clrMapOvr>
+  <p:timing>
+    <p:tnLst>
+      <p:par>
+        <p:cTn id="1" dur="indefinite" restart="never" nodeType="tmRoot"/>
+      </p:par>
+    </p:tnLst>
+  </p:timing>
 </p:sld>
 </file>
 
@@ -10753,45 +10716,152 @@
       </p:grpSpPr>
       <p:sp>
         <p:nvSpPr>
-          <p:cNvPr id="2" name="Title 1"/>
+          <p:cNvPr id="2" name="Заголовок 1"/>
           <p:cNvSpPr>
             <a:spLocks noGrp="1"/>
           </p:cNvSpPr>
           <p:nvPr>
             <p:ph type="title"/>
+          </p:nvPr>
+        </p:nvSpPr>
+        <p:spPr/>
+        <p:txBody>
+          <a:bodyPr>
+            <a:normAutofit/>
+          </a:bodyPr>
+          <a:lstStyle/>
+          <a:p>
+            <a:r>
+              <a:rPr lang="en-US" b="1" dirty="0" smtClean="0"/>
+              <a:t>Resources</a:t>
+            </a:r>
+            <a:endParaRPr lang="ru-RU" dirty="0"/>
+          </a:p>
+        </p:txBody>
+      </p:sp>
+      <p:sp>
+        <p:nvSpPr>
+          <p:cNvPr id="3" name="Содержимое 2"/>
+          <p:cNvSpPr>
+            <a:spLocks noGrp="1"/>
+          </p:cNvSpPr>
+          <p:nvPr>
+            <p:ph idx="1"/>
           </p:nvPr>
         </p:nvSpPr>
         <p:spPr>
           <a:xfrm>
-            <a:off x="0" y="2819400"/>
-            <a:ext cx="9144000" cy="1143000"/>
+            <a:off x="0" y="1600200"/>
+            <a:ext cx="9144000" cy="5257800"/>
           </a:xfrm>
         </p:spPr>
         <p:txBody>
           <a:bodyPr>
-            <a:noAutofit/>
+            <a:normAutofit fontScale="92500" lnSpcReduction="20000"/>
           </a:bodyPr>
           <a:lstStyle/>
           <a:p>
-            <a:pPr algn="ctr"/>
-            <a:r>
-              <a:rPr lang="en-US" sz="9600" b="1" dirty="0"/>
-              <a:t>Questions</a:t>
-            </a:r>
-            <a:r>
-              <a:rPr lang="en-US" sz="9600" b="1" dirty="0" smtClean="0"/>
-              <a:t>?</a:t>
-            </a:r>
-            <a:endParaRPr lang="en-US" sz="9600" dirty="0"/>
+            <a:r>
+              <a:rPr lang="en-US" dirty="0" smtClean="0">
+                <a:hlinkClick r:id="rId2"/>
+              </a:rPr>
+              <a:t>How Browsers Work</a:t>
+            </a:r>
+            <a:endParaRPr lang="en-US" dirty="0" smtClean="0"/>
+          </a:p>
+          <a:p>
+            <a:r>
+              <a:rPr lang="en-US" dirty="0" smtClean="0">
+                <a:hlinkClick r:id="rId3"/>
+              </a:rPr>
+              <a:t>http://jankfree.org/</a:t>
+            </a:r>
+            <a:endParaRPr lang="en-US" dirty="0" smtClean="0"/>
+          </a:p>
+          <a:p>
+            <a:r>
+              <a:rPr lang="en-US" dirty="0" err="1" smtClean="0">
+                <a:hlinkClick r:id="rId4"/>
+              </a:rPr>
+              <a:t>Jank</a:t>
+            </a:r>
+            <a:r>
+              <a:rPr lang="en-US" dirty="0" smtClean="0">
+                <a:hlinkClick r:id="rId4"/>
+              </a:rPr>
+              <a:t> Free: Chrome Rendering Performance</a:t>
+            </a:r>
+            <a:endParaRPr lang="en-US" dirty="0" smtClean="0"/>
+          </a:p>
+          <a:p>
+            <a:r>
+              <a:rPr lang="en-US" dirty="0" smtClean="0">
+                <a:hlinkClick r:id="rId5"/>
+              </a:rPr>
+              <a:t>Compositing in Blink and </a:t>
+            </a:r>
+            <a:r>
+              <a:rPr lang="en-US" dirty="0" err="1" smtClean="0">
+                <a:hlinkClick r:id="rId5"/>
+              </a:rPr>
+              <a:t>WebKit</a:t>
+            </a:r>
+            <a:endParaRPr lang="en-US" dirty="0" smtClean="0"/>
+          </a:p>
+          <a:p>
+            <a:r>
+              <a:rPr lang="en-US" dirty="0" smtClean="0">
+                <a:hlinkClick r:id="rId6"/>
+              </a:rPr>
+              <a:t>Trace Event Profiling Tool (</a:t>
+            </a:r>
+            <a:r>
+              <a:rPr lang="en-US" dirty="0" err="1" smtClean="0">
+                <a:hlinkClick r:id="rId6"/>
+              </a:rPr>
+              <a:t>about:tracing</a:t>
+            </a:r>
+            <a:r>
+              <a:rPr lang="en-US" dirty="0" smtClean="0">
+                <a:hlinkClick r:id="rId6"/>
+              </a:rPr>
+              <a:t>)</a:t>
+            </a:r>
+            <a:endParaRPr lang="en-US" dirty="0" smtClean="0"/>
+          </a:p>
+          <a:p>
+            <a:r>
+              <a:rPr lang="en-US" dirty="0" smtClean="0">
+                <a:hlinkClick r:id="rId7"/>
+              </a:rPr>
+              <a:t>GPU Accelerated Compositing in Chrome</a:t>
+            </a:r>
+            <a:endParaRPr lang="en-US" dirty="0" smtClean="0"/>
+          </a:p>
+          <a:p>
+            <a:r>
+              <a:rPr lang="en-US" dirty="0" smtClean="0">
+                <a:hlinkClick r:id="rId8"/>
+              </a:rPr>
+              <a:t>CSS Paint Times and Page Render Weight</a:t>
+            </a:r>
+            <a:endParaRPr lang="en-US" dirty="0" smtClean="0"/>
+          </a:p>
+          <a:p>
+            <a:r>
+              <a:rPr lang="en-US" dirty="0">
+                <a:hlinkClick r:id="rId9"/>
+              </a:rPr>
+              <a:t>http://dev.chromium.org/developers/tech-talk-videos</a:t>
+            </a:r>
+            <a:endParaRPr lang="en-US" dirty="0" smtClean="0"/>
+          </a:p>
+          <a:p>
+            <a:endParaRPr lang="en-US" dirty="0" smtClean="0"/>
           </a:p>
         </p:txBody>
       </p:sp>
     </p:spTree>
-    <p:extLst>
-      <p:ext uri="{BB962C8B-B14F-4D97-AF65-F5344CB8AC3E}">
-        <p14:creationId xmlns:p14="http://schemas.microsoft.com/office/powerpoint/2010/main" val="2052721824"/>
-      </p:ext>
-    </p:extLst>
   </p:cSld>
   <p:clrMapOvr>
     <a:masterClrMapping/>
@@ -10825,7 +10895,7 @@
       </p:grpSpPr>
       <p:sp>
         <p:nvSpPr>
-          <p:cNvPr id="2" name="Заголовок 1"/>
+          <p:cNvPr id="2" name="Title 1"/>
           <p:cNvSpPr>
             <a:spLocks noGrp="1"/>
           </p:cNvSpPr>
@@ -10841,16 +10911,16 @@
           <a:lstStyle/>
           <a:p>
             <a:r>
-              <a:rPr lang="en-US" b="1" dirty="0" smtClean="0"/>
-              <a:t>Resources</a:t>
-            </a:r>
-            <a:endParaRPr lang="ru-RU" dirty="0"/>
-          </a:p>
-        </p:txBody>
-      </p:sp>
-      <p:sp>
-        <p:nvSpPr>
-          <p:cNvPr id="3" name="Содержимое 2"/>
+              <a:rPr lang="en-US" dirty="0" smtClean="0"/>
+              <a:t>Layout boundaries</a:t>
+            </a:r>
+            <a:endParaRPr lang="en-US" dirty="0"/>
+          </a:p>
+        </p:txBody>
+      </p:sp>
+      <p:sp>
+        <p:nvSpPr>
+          <p:cNvPr id="3" name="Content Placeholder 2"/>
           <p:cNvSpPr>
             <a:spLocks noGrp="1"/>
           </p:cNvSpPr>
@@ -10858,130 +10928,46 @@
             <p:ph idx="1"/>
           </p:nvPr>
         </p:nvSpPr>
-        <p:spPr>
-          <a:xfrm>
-            <a:off x="0" y="1600200"/>
-            <a:ext cx="9144000" cy="5257800"/>
-          </a:xfrm>
-        </p:spPr>
-        <p:txBody>
-          <a:bodyPr>
-            <a:normAutofit fontScale="92500" lnSpcReduction="20000"/>
-          </a:bodyPr>
+        <p:spPr/>
+        <p:txBody>
+          <a:bodyPr/>
           <a:lstStyle/>
           <a:p>
+            <a:pPr marL="0" indent="0">
+              <a:buNone/>
+            </a:pPr>
+            <a:r>
+              <a:rPr lang="en-US" dirty="0">
+                <a:hlinkClick r:id="rId2"/>
+              </a:rPr>
+              <a:t>http://wilsonpage.co.uk/introducing-layout-boundaries</a:t>
+            </a:r>
             <a:r>
               <a:rPr lang="en-US" dirty="0" smtClean="0">
                 <a:hlinkClick r:id="rId2"/>
               </a:rPr>
-              <a:t>How Browsers Work</a:t>
+              <a:t>/</a:t>
             </a:r>
             <a:endParaRPr lang="en-US" dirty="0" smtClean="0"/>
           </a:p>
           <a:p>
-            <a:r>
-              <a:rPr lang="en-US" dirty="0" smtClean="0">
-                <a:hlinkClick r:id="rId3"/>
-              </a:rPr>
-              <a:t>http://jankfree.org/</a:t>
-            </a:r>
-            <a:endParaRPr lang="en-US" dirty="0" smtClean="0"/>
-          </a:p>
-          <a:p>
-            <a:r>
-              <a:rPr lang="en-US" dirty="0" err="1" smtClean="0">
-                <a:hlinkClick r:id="rId4"/>
-              </a:rPr>
-              <a:t>Jank</a:t>
-            </a:r>
-            <a:r>
-              <a:rPr lang="en-US" dirty="0" smtClean="0">
-                <a:hlinkClick r:id="rId4"/>
-              </a:rPr>
-              <a:t> Free: Chrome Rendering Performance</a:t>
-            </a:r>
-            <a:endParaRPr lang="en-US" dirty="0" smtClean="0"/>
-          </a:p>
-          <a:p>
-            <a:r>
-              <a:rPr lang="en-US" dirty="0" smtClean="0">
-                <a:hlinkClick r:id="rId5"/>
-              </a:rPr>
-              <a:t>Compositing in Blink and </a:t>
-            </a:r>
-            <a:r>
-              <a:rPr lang="en-US" dirty="0" err="1" smtClean="0">
-                <a:hlinkClick r:id="rId5"/>
-              </a:rPr>
-              <a:t>WebKit</a:t>
-            </a:r>
-            <a:endParaRPr lang="en-US" dirty="0" smtClean="0"/>
-          </a:p>
-          <a:p>
-            <a:r>
-              <a:rPr lang="en-US" dirty="0" smtClean="0">
-                <a:hlinkClick r:id="rId6"/>
-              </a:rPr>
-              <a:t>Trace Event Profiling Tool (</a:t>
-            </a:r>
-            <a:r>
-              <a:rPr lang="en-US" dirty="0" err="1" smtClean="0">
-                <a:hlinkClick r:id="rId6"/>
-              </a:rPr>
-              <a:t>about:tracing</a:t>
-            </a:r>
-            <a:r>
-              <a:rPr lang="en-US" dirty="0" smtClean="0">
-                <a:hlinkClick r:id="rId6"/>
-              </a:rPr>
-              <a:t>)</a:t>
-            </a:r>
-            <a:endParaRPr lang="en-US" dirty="0" smtClean="0"/>
-          </a:p>
-          <a:p>
-            <a:r>
-              <a:rPr lang="en-US" dirty="0" smtClean="0">
-                <a:hlinkClick r:id="rId7"/>
-              </a:rPr>
-              <a:t>GPU Accelerated Compositing in Chrome</a:t>
-            </a:r>
-            <a:endParaRPr lang="en-US" dirty="0" smtClean="0"/>
-          </a:p>
-          <a:p>
-            <a:r>
-              <a:rPr lang="en-US" dirty="0" smtClean="0">
-                <a:hlinkClick r:id="rId8"/>
-              </a:rPr>
-              <a:t>CSS Paint Times and Page Render Weight</a:t>
-            </a:r>
-            <a:endParaRPr lang="en-US" dirty="0" smtClean="0"/>
-          </a:p>
-          <a:p>
-            <a:r>
-              <a:rPr lang="en-US" dirty="0">
-                <a:hlinkClick r:id="rId9"/>
-              </a:rPr>
-              <a:t>http://dev.chromium.org/developers/tech-talk-videos</a:t>
-            </a:r>
-            <a:endParaRPr lang="en-US" dirty="0" smtClean="0"/>
-          </a:p>
-          <a:p>
-            <a:endParaRPr lang="en-US" dirty="0" smtClean="0"/>
+            <a:pPr marL="0" indent="0">
+              <a:buNone/>
+            </a:pPr>
+            <a:endParaRPr lang="en-US" dirty="0"/>
           </a:p>
         </p:txBody>
       </p:sp>
     </p:spTree>
+    <p:extLst>
+      <p:ext uri="{BB962C8B-B14F-4D97-AF65-F5344CB8AC3E}">
+        <p14:creationId xmlns:p14="http://schemas.microsoft.com/office/powerpoint/2010/main" val="1013595594"/>
+      </p:ext>
+    </p:extLst>
   </p:cSld>
   <p:clrMapOvr>
     <a:masterClrMapping/>
   </p:clrMapOvr>
-  <p:timing>
-    <p:tnLst>
-      <p:par>
-        <p:cTn id="1" dur="indefinite" restart="never" nodeType="tmRoot"/>
-      </p:par>
-    </p:tnLst>
-  </p:timing>
 </p:sld>
 </file>
 
@@ -11021,7 +11007,7 @@
           <a:p>
             <a:r>
               <a:rPr lang="en-US" dirty="0" smtClean="0"/>
-              <a:t>Layout boundaries</a:t>
+              <a:t>CSS Triggers</a:t>
             </a:r>
             <a:endParaRPr lang="en-US" dirty="0"/>
           </a:p>
@@ -11049,7 +11035,7 @@
               <a:rPr lang="en-US" dirty="0">
                 <a:hlinkClick r:id="rId2"/>
               </a:rPr>
-              <a:t>http://wilsonpage.co.uk/introducing-layout-boundaries</a:t>
+              <a:t>http://csstriggers.com</a:t>
             </a:r>
             <a:r>
               <a:rPr lang="en-US" dirty="0" smtClean="0">
@@ -11070,7 +11056,7 @@
     </p:spTree>
     <p:extLst>
       <p:ext uri="{BB962C8B-B14F-4D97-AF65-F5344CB8AC3E}">
-        <p14:creationId xmlns:p14="http://schemas.microsoft.com/office/powerpoint/2010/main" val="1013595594"/>
+        <p14:creationId xmlns:p14="http://schemas.microsoft.com/office/powerpoint/2010/main" val="1962945837"/>
       </p:ext>
     </p:extLst>
   </p:cSld>
@@ -11109,14 +11095,12 @@
         </p:nvSpPr>
         <p:spPr/>
         <p:txBody>
-          <a:bodyPr>
-            <a:normAutofit/>
-          </a:bodyPr>
+          <a:bodyPr/>
           <a:lstStyle/>
           <a:p>
             <a:r>
               <a:rPr lang="en-US" dirty="0" smtClean="0"/>
-              <a:t>CSS Triggers</a:t>
+              <a:t>FLIP</a:t>
             </a:r>
             <a:endParaRPr lang="en-US" dirty="0"/>
           </a:p>
@@ -11144,7 +11128,7 @@
               <a:rPr lang="en-US" dirty="0">
                 <a:hlinkClick r:id="rId2"/>
               </a:rPr>
-              <a:t>http://csstriggers.com</a:t>
+              <a:t>https://aerotwist.com/blog/flip-your-animations</a:t>
             </a:r>
             <a:r>
               <a:rPr lang="en-US" dirty="0" smtClean="0">
@@ -11165,7 +11149,7 @@
     </p:spTree>
     <p:extLst>
       <p:ext uri="{BB962C8B-B14F-4D97-AF65-F5344CB8AC3E}">
-        <p14:creationId xmlns:p14="http://schemas.microsoft.com/office/powerpoint/2010/main" val="1962945837"/>
+        <p14:creationId xmlns:p14="http://schemas.microsoft.com/office/powerpoint/2010/main" val="3522781362"/>
       </p:ext>
     </p:extLst>
   </p:cSld>
@@ -11208,8 +11192,12 @@
           <a:lstStyle/>
           <a:p>
             <a:r>
-              <a:rPr lang="en-US" dirty="0" smtClean="0"/>
-              <a:t>FLIP</a:t>
+              <a:rPr lang="en-US"/>
+              <a:t>R</a:t>
+            </a:r>
+            <a:r>
+              <a:rPr lang="en-US" smtClean="0"/>
+              <a:t>ecommendation</a:t>
             </a:r>
             <a:endParaRPr lang="en-US" dirty="0"/>
           </a:p>
@@ -11234,23 +11222,9 @@
               <a:buNone/>
             </a:pPr>
             <a:r>
-              <a:rPr lang="en-US" dirty="0">
-                <a:hlinkClick r:id="rId2"/>
-              </a:rPr>
-              <a:t>https://aerotwist.com/blog/flip-your-animations</a:t>
-            </a:r>
-            <a:r>
-              <a:rPr lang="en-US" dirty="0" smtClean="0">
-                <a:hlinkClick r:id="rId2"/>
-              </a:rPr>
-              <a:t>/</a:t>
-            </a:r>
-            <a:endParaRPr lang="en-US" dirty="0" smtClean="0"/>
-          </a:p>
-          <a:p>
-            <a:pPr marL="0" indent="0">
-              <a:buNone/>
-            </a:pPr>
+              <a:rPr lang="en-US" dirty="0" smtClean="0"/>
+              <a:t>Keep the DOM as small as possible.</a:t>
+            </a:r>
             <a:endParaRPr lang="en-US" dirty="0"/>
           </a:p>
         </p:txBody>
@@ -11258,7 +11232,7 @@
     </p:spTree>
     <p:extLst>
       <p:ext uri="{BB962C8B-B14F-4D97-AF65-F5344CB8AC3E}">
-        <p14:creationId xmlns:p14="http://schemas.microsoft.com/office/powerpoint/2010/main" val="3522781362"/>
+        <p14:creationId xmlns:p14="http://schemas.microsoft.com/office/powerpoint/2010/main" val="2188086101"/>
       </p:ext>
     </p:extLst>
   </p:cSld>
@@ -11521,6 +11495,13 @@
   <p:clrMapOvr>
     <a:masterClrMapping/>
   </p:clrMapOvr>
+  <p:timing>
+    <p:tnLst>
+      <p:par>
+        <p:cTn id="1" dur="indefinite" restart="never" nodeType="tmRoot"/>
+      </p:par>
+    </p:tnLst>
+  </p:timing>
 </p:sld>
 </file>
 
@@ -12615,7 +12596,7 @@
           <a:p>
             <a:r>
               <a:rPr lang="en-US" dirty="0" smtClean="0"/>
-              <a:t>Layout</a:t>
+              <a:t>Layout or reflow</a:t>
             </a:r>
             <a:endParaRPr lang="en-US" dirty="0"/>
           </a:p>
@@ -12701,6 +12682,13 @@
   <p:clrMapOvr>
     <a:masterClrMapping/>
   </p:clrMapOvr>
+  <p:timing>
+    <p:tnLst>
+      <p:par>
+        <p:cTn id="1" dur="indefinite" restart="never" nodeType="tmRoot"/>
+      </p:par>
+    </p:tnLst>
+  </p:timing>
 </p:sld>
 </file>
 
